--- a/docs/migration-guide.pptx
+++ b/docs/migration-guide.pptx
@@ -293,7 +293,7 @@
           <a:p>
             <a:fld id="{CF4F1439-D2C3-214E-9694-729E525DD159}" type="datetimeFigureOut">
               <a:rPr lang="en-US" smtClean="0"/>
-              <a:t>3/15/16</a:t>
+              <a:t>4/6/16</a:t>
             </a:fld>
             <a:endParaRPr lang="en-US"/>
           </a:p>
@@ -463,7 +463,7 @@
           <a:p>
             <a:fld id="{CF4F1439-D2C3-214E-9694-729E525DD159}" type="datetimeFigureOut">
               <a:rPr lang="en-US" smtClean="0"/>
-              <a:t>3/15/16</a:t>
+              <a:t>4/6/16</a:t>
             </a:fld>
             <a:endParaRPr lang="en-US"/>
           </a:p>
@@ -643,7 +643,7 @@
           <a:p>
             <a:fld id="{CF4F1439-D2C3-214E-9694-729E525DD159}" type="datetimeFigureOut">
               <a:rPr lang="en-US" smtClean="0"/>
-              <a:t>3/15/16</a:t>
+              <a:t>4/6/16</a:t>
             </a:fld>
             <a:endParaRPr lang="en-US"/>
           </a:p>
@@ -813,7 +813,7 @@
           <a:p>
             <a:fld id="{CF4F1439-D2C3-214E-9694-729E525DD159}" type="datetimeFigureOut">
               <a:rPr lang="en-US" smtClean="0"/>
-              <a:t>3/15/16</a:t>
+              <a:t>4/6/16</a:t>
             </a:fld>
             <a:endParaRPr lang="en-US"/>
           </a:p>
@@ -1059,7 +1059,7 @@
           <a:p>
             <a:fld id="{CF4F1439-D2C3-214E-9694-729E525DD159}" type="datetimeFigureOut">
               <a:rPr lang="en-US" smtClean="0"/>
-              <a:t>3/15/16</a:t>
+              <a:t>4/6/16</a:t>
             </a:fld>
             <a:endParaRPr lang="en-US"/>
           </a:p>
@@ -1291,7 +1291,7 @@
           <a:p>
             <a:fld id="{CF4F1439-D2C3-214E-9694-729E525DD159}" type="datetimeFigureOut">
               <a:rPr lang="en-US" smtClean="0"/>
-              <a:t>3/15/16</a:t>
+              <a:t>4/6/16</a:t>
             </a:fld>
             <a:endParaRPr lang="en-US"/>
           </a:p>
@@ -1658,7 +1658,7 @@
           <a:p>
             <a:fld id="{CF4F1439-D2C3-214E-9694-729E525DD159}" type="datetimeFigureOut">
               <a:rPr lang="en-US" smtClean="0"/>
-              <a:t>3/15/16</a:t>
+              <a:t>4/6/16</a:t>
             </a:fld>
             <a:endParaRPr lang="en-US"/>
           </a:p>
@@ -1776,7 +1776,7 @@
           <a:p>
             <a:fld id="{CF4F1439-D2C3-214E-9694-729E525DD159}" type="datetimeFigureOut">
               <a:rPr lang="en-US" smtClean="0"/>
-              <a:t>3/15/16</a:t>
+              <a:t>4/6/16</a:t>
             </a:fld>
             <a:endParaRPr lang="en-US"/>
           </a:p>
@@ -1871,7 +1871,7 @@
           <a:p>
             <a:fld id="{CF4F1439-D2C3-214E-9694-729E525DD159}" type="datetimeFigureOut">
               <a:rPr lang="en-US" smtClean="0"/>
-              <a:t>3/15/16</a:t>
+              <a:t>4/6/16</a:t>
             </a:fld>
             <a:endParaRPr lang="en-US"/>
           </a:p>
@@ -2148,7 +2148,7 @@
           <a:p>
             <a:fld id="{CF4F1439-D2C3-214E-9694-729E525DD159}" type="datetimeFigureOut">
               <a:rPr lang="en-US" smtClean="0"/>
-              <a:t>3/15/16</a:t>
+              <a:t>4/6/16</a:t>
             </a:fld>
             <a:endParaRPr lang="en-US"/>
           </a:p>
@@ -2401,7 +2401,7 @@
           <a:p>
             <a:fld id="{CF4F1439-D2C3-214E-9694-729E525DD159}" type="datetimeFigureOut">
               <a:rPr lang="en-US" smtClean="0"/>
-              <a:t>3/15/16</a:t>
+              <a:t>4/6/16</a:t>
             </a:fld>
             <a:endParaRPr lang="en-US"/>
           </a:p>
@@ -2614,7 +2614,7 @@
           <a:p>
             <a:fld id="{CF4F1439-D2C3-214E-9694-729E525DD159}" type="datetimeFigureOut">
               <a:rPr lang="en-US" smtClean="0"/>
-              <a:t>3/15/16</a:t>
+              <a:t>4/6/16</a:t>
             </a:fld>
             <a:endParaRPr lang="en-US"/>
           </a:p>
@@ -3075,13 +3075,8 @@
           <a:p>
             <a:r>
               <a:rPr lang="en-US" dirty="0" smtClean="0"/>
-              <a:t>March </a:t>
-            </a:r>
-            <a:r>
-              <a:rPr lang="en-US" dirty="0" smtClean="0"/>
-              <a:t>14, 2015</a:t>
-            </a:r>
-            <a:endParaRPr lang="en-US" dirty="0" smtClean="0"/>
+              <a:t>March 14, 2015</a:t>
+            </a:r>
           </a:p>
           <a:p>
             <a:r>
@@ -4175,24 +4170,49 @@
             </a:pPr>
             <a:r>
               <a:rPr lang="en-US" dirty="0" err="1" smtClean="0"/>
-              <a:t>a.valid</a:t>
-            </a:r>
-            <a:r>
-              <a:rPr lang="en-US" dirty="0" smtClean="0"/>
-              <a:t> // read-only field</a:t>
-            </a:r>
-          </a:p>
-          <a:p>
-            <a:pPr marL="0" indent="0">
-              <a:buNone/>
-            </a:pPr>
-            <a:r>
-              <a:rPr lang="en-US" b="1" dirty="0"/>
-              <a:t>k</a:t>
-            </a:r>
-            <a:r>
-              <a:rPr lang="en-US" b="1" dirty="0" smtClean="0"/>
-              <a:t>ey</a:t>
+              <a:t>a.isValid</a:t>
+            </a:r>
+            <a:r>
+              <a:rPr lang="en-US" dirty="0" smtClean="0"/>
+              <a:t>();</a:t>
+            </a:r>
+          </a:p>
+          <a:p>
+            <a:pPr marL="0" indent="0">
+              <a:buNone/>
+            </a:pPr>
+            <a:r>
+              <a:rPr lang="en-US" b="1" dirty="0" smtClean="0"/>
+              <a:t>key</a:t>
+            </a:r>
+            <a:r>
+              <a:rPr lang="en-US" dirty="0" smtClean="0"/>
+              <a:t> </a:t>
+            </a:r>
+            <a:r>
+              <a:rPr lang="en-US" dirty="0" smtClean="0"/>
+              <a:t>= { </a:t>
+            </a:r>
+            <a:r>
+              <a:rPr lang="en-US" dirty="0" err="1" smtClean="0"/>
+              <a:t>a.isValid</a:t>
+            </a:r>
+            <a:r>
+              <a:rPr lang="en-US" dirty="0" smtClean="0"/>
+              <a:t>() </a:t>
+            </a:r>
+            <a:r>
+              <a:rPr lang="en-US" dirty="0" smtClean="0"/>
+              <a:t>: exact; }</a:t>
+            </a:r>
+          </a:p>
+          <a:p>
+            <a:pPr marL="0" indent="0">
+              <a:buNone/>
+            </a:pPr>
+            <a:r>
+              <a:rPr lang="en-US" b="1" dirty="0" smtClean="0"/>
+              <a:t>key</a:t>
             </a:r>
             <a:r>
               <a:rPr lang="en-US" dirty="0" smtClean="0"/>
@@ -4200,32 +4220,15 @@
             </a:r>
             <a:r>
               <a:rPr lang="en-US" dirty="0" err="1" smtClean="0"/>
-              <a:t>a.valid</a:t>
-            </a:r>
-            <a:r>
-              <a:rPr lang="en-US" dirty="0" smtClean="0"/>
-              <a:t> : exact; }</a:t>
-            </a:r>
-          </a:p>
-          <a:p>
-            <a:pPr marL="0" indent="0">
-              <a:buNone/>
-            </a:pPr>
-            <a:r>
-              <a:rPr lang="en-US" b="1" dirty="0" smtClean="0"/>
-              <a:t>key</a:t>
-            </a:r>
-            <a:r>
-              <a:rPr lang="en-US" dirty="0" smtClean="0"/>
-              <a:t> = { </a:t>
-            </a:r>
-            <a:r>
-              <a:rPr lang="en-US" dirty="0" err="1" smtClean="0"/>
-              <a:t>a.valid</a:t>
-            </a:r>
-            <a:r>
-              <a:rPr lang="en-US" dirty="0" smtClean="0"/>
-              <a:t> : ternary; }</a:t>
+              <a:t>a.isValid</a:t>
+            </a:r>
+            <a:r>
+              <a:rPr lang="en-US" dirty="0" smtClean="0"/>
+              <a:t>() </a:t>
+            </a:r>
+            <a:r>
+              <a:rPr lang="en-US" dirty="0" smtClean="0"/>
+              <a:t>: ternary; }</a:t>
             </a:r>
             <a:endParaRPr lang="en-US" dirty="0"/>
           </a:p>
@@ -13366,7 +13369,11 @@
             </a:r>
             <a:r>
               <a:rPr lang="en-US" dirty="0" smtClean="0"/>
-              <a:t>h.ipv4.valid) </a:t>
+              <a:t>h.ipv4.isValid()) </a:t>
+            </a:r>
+            <a:r>
+              <a:rPr lang="en-US" dirty="0" smtClean="0"/>
+              <a:t/>
             </a:r>
             <a:br>
               <a:rPr lang="en-US" dirty="0" smtClean="0"/>
@@ -13513,11 +13520,11 @@
             </a:r>
             <a:r>
               <a:rPr lang="en-US" dirty="0" err="1" smtClean="0"/>
-              <a:t>h.ip.valid</a:t>
-            </a:r>
-            <a:r>
-              <a:rPr lang="en-US" dirty="0"/>
-              <a:t> </a:t>
+              <a:t>h.ip.isValid</a:t>
+            </a:r>
+            <a:r>
+              <a:rPr lang="en-US" dirty="0" smtClean="0"/>
+              <a:t>() </a:t>
             </a:r>
             <a:r>
               <a:rPr lang="en-US" dirty="0" smtClean="0"/>

--- a/docs/migration-guide.pptx
+++ b/docs/migration-guide.pptx
@@ -44,18 +44,19 @@
     <p:sldId id="274" r:id="rId38"/>
     <p:sldId id="266" r:id="rId39"/>
     <p:sldId id="297" r:id="rId40"/>
-    <p:sldId id="313" r:id="rId41"/>
-    <p:sldId id="316" r:id="rId42"/>
-    <p:sldId id="315" r:id="rId43"/>
-    <p:sldId id="314" r:id="rId44"/>
-    <p:sldId id="294" r:id="rId45"/>
-    <p:sldId id="317" r:id="rId46"/>
-    <p:sldId id="318" r:id="rId47"/>
-    <p:sldId id="319" r:id="rId48"/>
-    <p:sldId id="321" r:id="rId49"/>
-    <p:sldId id="322" r:id="rId50"/>
-    <p:sldId id="323" r:id="rId51"/>
-    <p:sldId id="324" r:id="rId52"/>
+    <p:sldId id="331" r:id="rId41"/>
+    <p:sldId id="329" r:id="rId42"/>
+    <p:sldId id="330" r:id="rId43"/>
+    <p:sldId id="313" r:id="rId44"/>
+    <p:sldId id="316" r:id="rId45"/>
+    <p:sldId id="315" r:id="rId46"/>
+    <p:sldId id="314" r:id="rId47"/>
+    <p:sldId id="294" r:id="rId48"/>
+    <p:sldId id="317" r:id="rId49"/>
+    <p:sldId id="318" r:id="rId50"/>
+    <p:sldId id="319" r:id="rId51"/>
+    <p:sldId id="323" r:id="rId52"/>
+    <p:sldId id="324" r:id="rId53"/>
   </p:sldIdLst>
   <p:sldSz cx="12192000" cy="6858000"/>
   <p:notesSz cx="6858000" cy="9144000"/>
@@ -293,7 +294,7 @@
           <a:p>
             <a:fld id="{CF4F1439-D2C3-214E-9694-729E525DD159}" type="datetimeFigureOut">
               <a:rPr lang="en-US" smtClean="0"/>
-              <a:t>4/6/16</a:t>
+              <a:t>4/8/16</a:t>
             </a:fld>
             <a:endParaRPr lang="en-US"/>
           </a:p>
@@ -463,7 +464,7 @@
           <a:p>
             <a:fld id="{CF4F1439-D2C3-214E-9694-729E525DD159}" type="datetimeFigureOut">
               <a:rPr lang="en-US" smtClean="0"/>
-              <a:t>4/6/16</a:t>
+              <a:t>4/8/16</a:t>
             </a:fld>
             <a:endParaRPr lang="en-US"/>
           </a:p>
@@ -643,7 +644,7 @@
           <a:p>
             <a:fld id="{CF4F1439-D2C3-214E-9694-729E525DD159}" type="datetimeFigureOut">
               <a:rPr lang="en-US" smtClean="0"/>
-              <a:t>4/6/16</a:t>
+              <a:t>4/8/16</a:t>
             </a:fld>
             <a:endParaRPr lang="en-US"/>
           </a:p>
@@ -813,7 +814,7 @@
           <a:p>
             <a:fld id="{CF4F1439-D2C3-214E-9694-729E525DD159}" type="datetimeFigureOut">
               <a:rPr lang="en-US" smtClean="0"/>
-              <a:t>4/6/16</a:t>
+              <a:t>4/8/16</a:t>
             </a:fld>
             <a:endParaRPr lang="en-US"/>
           </a:p>
@@ -1059,7 +1060,7 @@
           <a:p>
             <a:fld id="{CF4F1439-D2C3-214E-9694-729E525DD159}" type="datetimeFigureOut">
               <a:rPr lang="en-US" smtClean="0"/>
-              <a:t>4/6/16</a:t>
+              <a:t>4/8/16</a:t>
             </a:fld>
             <a:endParaRPr lang="en-US"/>
           </a:p>
@@ -1291,7 +1292,7 @@
           <a:p>
             <a:fld id="{CF4F1439-D2C3-214E-9694-729E525DD159}" type="datetimeFigureOut">
               <a:rPr lang="en-US" smtClean="0"/>
-              <a:t>4/6/16</a:t>
+              <a:t>4/8/16</a:t>
             </a:fld>
             <a:endParaRPr lang="en-US"/>
           </a:p>
@@ -1658,7 +1659,7 @@
           <a:p>
             <a:fld id="{CF4F1439-D2C3-214E-9694-729E525DD159}" type="datetimeFigureOut">
               <a:rPr lang="en-US" smtClean="0"/>
-              <a:t>4/6/16</a:t>
+              <a:t>4/8/16</a:t>
             </a:fld>
             <a:endParaRPr lang="en-US"/>
           </a:p>
@@ -1776,7 +1777,7 @@
           <a:p>
             <a:fld id="{CF4F1439-D2C3-214E-9694-729E525DD159}" type="datetimeFigureOut">
               <a:rPr lang="en-US" smtClean="0"/>
-              <a:t>4/6/16</a:t>
+              <a:t>4/8/16</a:t>
             </a:fld>
             <a:endParaRPr lang="en-US"/>
           </a:p>
@@ -1871,7 +1872,7 @@
           <a:p>
             <a:fld id="{CF4F1439-D2C3-214E-9694-729E525DD159}" type="datetimeFigureOut">
               <a:rPr lang="en-US" smtClean="0"/>
-              <a:t>4/6/16</a:t>
+              <a:t>4/8/16</a:t>
             </a:fld>
             <a:endParaRPr lang="en-US"/>
           </a:p>
@@ -2148,7 +2149,7 @@
           <a:p>
             <a:fld id="{CF4F1439-D2C3-214E-9694-729E525DD159}" type="datetimeFigureOut">
               <a:rPr lang="en-US" smtClean="0"/>
-              <a:t>4/6/16</a:t>
+              <a:t>4/8/16</a:t>
             </a:fld>
             <a:endParaRPr lang="en-US"/>
           </a:p>
@@ -2401,7 +2402,7 @@
           <a:p>
             <a:fld id="{CF4F1439-D2C3-214E-9694-729E525DD159}" type="datetimeFigureOut">
               <a:rPr lang="en-US" smtClean="0"/>
-              <a:t>4/6/16</a:t>
+              <a:t>4/8/16</a:t>
             </a:fld>
             <a:endParaRPr lang="en-US"/>
           </a:p>
@@ -2614,7 +2615,7 @@
           <a:p>
             <a:fld id="{CF4F1439-D2C3-214E-9694-729E525DD159}" type="datetimeFigureOut">
               <a:rPr lang="en-US" smtClean="0"/>
-              <a:t>4/6/16</a:t>
+              <a:t>4/8/16</a:t>
             </a:fld>
             <a:endParaRPr lang="en-US"/>
           </a:p>
@@ -4187,11 +4188,7 @@
             </a:r>
             <a:r>
               <a:rPr lang="en-US" dirty="0" smtClean="0"/>
-              <a:t> </a:t>
-            </a:r>
-            <a:r>
-              <a:rPr lang="en-US" dirty="0" smtClean="0"/>
-              <a:t>= { </a:t>
+              <a:t> = { </a:t>
             </a:r>
             <a:r>
               <a:rPr lang="en-US" dirty="0" err="1" smtClean="0"/>
@@ -4199,11 +4196,7 @@
             </a:r>
             <a:r>
               <a:rPr lang="en-US" dirty="0" smtClean="0"/>
-              <a:t>() </a:t>
-            </a:r>
-            <a:r>
-              <a:rPr lang="en-US" dirty="0" smtClean="0"/>
-              <a:t>: exact; }</a:t>
+              <a:t>() : exact; }</a:t>
             </a:r>
           </a:p>
           <a:p>
@@ -4224,11 +4217,7 @@
             </a:r>
             <a:r>
               <a:rPr lang="en-US" dirty="0" smtClean="0"/>
-              <a:t>() </a:t>
-            </a:r>
-            <a:r>
-              <a:rPr lang="en-US" dirty="0" smtClean="0"/>
-              <a:t>: ternary; }</a:t>
+              <a:t>() : ternary; }</a:t>
             </a:r>
             <a:endParaRPr lang="en-US" dirty="0"/>
           </a:p>
@@ -13371,10 +13360,6 @@
               <a:rPr lang="en-US" dirty="0" smtClean="0"/>
               <a:t>h.ipv4.isValid()) </a:t>
             </a:r>
-            <a:r>
-              <a:rPr lang="en-US" dirty="0" smtClean="0"/>
-              <a:t/>
-            </a:r>
             <a:br>
               <a:rPr lang="en-US" dirty="0" smtClean="0"/>
             </a:br>
@@ -13524,11 +13509,7 @@
             </a:r>
             <a:r>
               <a:rPr lang="en-US" dirty="0" smtClean="0"/>
-              <a:t>() </a:t>
-            </a:r>
-            <a:r>
-              <a:rPr lang="en-US" dirty="0" smtClean="0"/>
-              <a:t>&amp;&amp; </a:t>
+              <a:t>() &amp;&amp; </a:t>
             </a:r>
             <a:br>
               <a:rPr lang="en-US" dirty="0" smtClean="0"/>
@@ -15039,21 +15020,584 @@
         </p:nvSpPr>
         <p:spPr/>
         <p:txBody>
-          <a:bodyPr>
-            <a:normAutofit/>
+          <a:bodyPr/>
+          <a:lstStyle/>
+          <a:p>
+            <a:r>
+              <a:rPr lang="en-US" dirty="0" smtClean="0"/>
+              <a:t>Dynamic action selection model</a:t>
+            </a:r>
+            <a:endParaRPr lang="en-US" dirty="0"/>
+          </a:p>
+        </p:txBody>
+      </p:sp>
+      <p:sp>
+        <p:nvSpPr>
+          <p:cNvPr id="5" name="Rectangle 4"/>
+          <p:cNvSpPr/>
+          <p:nvPr/>
+        </p:nvSpPr>
+        <p:spPr>
+          <a:xfrm>
+            <a:off x="2385391" y="2236304"/>
+            <a:ext cx="8647044" cy="3955774"/>
+          </a:xfrm>
+          <a:prstGeom prst="rect">
+            <a:avLst/>
+          </a:prstGeom>
+          <a:noFill/>
+          <a:ln w="28575">
+            <a:solidFill>
+              <a:schemeClr val="tx1"/>
+            </a:solidFill>
+          </a:ln>
+        </p:spPr>
+        <p:style>
+          <a:lnRef idx="2">
+            <a:schemeClr val="accent1">
+              <a:shade val="50000"/>
+            </a:schemeClr>
+          </a:lnRef>
+          <a:fillRef idx="1">
+            <a:schemeClr val="accent1"/>
+          </a:fillRef>
+          <a:effectRef idx="0">
+            <a:schemeClr val="accent1"/>
+          </a:effectRef>
+          <a:fontRef idx="minor">
+            <a:schemeClr val="lt1"/>
+          </a:fontRef>
+        </p:style>
+        <p:txBody>
+          <a:bodyPr rtlCol="0" anchor="ctr"/>
+          <a:lstStyle/>
+          <a:p>
+            <a:pPr algn="ctr"/>
+            <a:endParaRPr lang="en-US"/>
+          </a:p>
+        </p:txBody>
+      </p:sp>
+      <p:sp>
+        <p:nvSpPr>
+          <p:cNvPr id="6" name="TextBox 5"/>
+          <p:cNvSpPr txBox="1"/>
+          <p:nvPr/>
+        </p:nvSpPr>
+        <p:spPr>
+          <a:xfrm>
+            <a:off x="2379124" y="1740500"/>
+            <a:ext cx="2809102" cy="400110"/>
+          </a:xfrm>
+          <a:prstGeom prst="rect">
+            <a:avLst/>
+          </a:prstGeom>
+          <a:noFill/>
+        </p:spPr>
+        <p:txBody>
+          <a:bodyPr wrap="none" rtlCol="0">
+            <a:spAutoFit/>
           </a:bodyPr>
           <a:lstStyle/>
           <a:p>
             <a:r>
-              <a:rPr lang="en-US" dirty="0" smtClean="0"/>
-              <a:t> </a:t>
-            </a:r>
-            <a:br>
-              <a:rPr lang="en-US" dirty="0" smtClean="0"/>
-            </a:br>
-            <a:r>
-              <a:rPr lang="en-US" dirty="0" smtClean="0"/>
-              <a:t>constructs not yet handled by tool</a:t>
+              <a:rPr lang="en-US" sz="2000" b="1" dirty="0" smtClean="0"/>
+              <a:t>table</a:t>
+            </a:r>
+            <a:r>
+              <a:rPr lang="en-US" sz="2000" dirty="0" smtClean="0"/>
+              <a:t> (Match-action unit)</a:t>
+            </a:r>
+            <a:endParaRPr lang="en-US" sz="2000" dirty="0"/>
+          </a:p>
+        </p:txBody>
+      </p:sp>
+      <p:sp>
+        <p:nvSpPr>
+          <p:cNvPr id="8" name="Rectangle 7"/>
+          <p:cNvSpPr/>
+          <p:nvPr/>
+        </p:nvSpPr>
+        <p:spPr>
+          <a:xfrm>
+            <a:off x="1625045" y="2774866"/>
+            <a:ext cx="2077279" cy="1837409"/>
+          </a:xfrm>
+          <a:prstGeom prst="rect">
+            <a:avLst/>
+          </a:prstGeom>
+          <a:solidFill>
+            <a:schemeClr val="bg1"/>
+          </a:solidFill>
+          <a:ln w="28575">
+            <a:solidFill>
+              <a:schemeClr val="tx1"/>
+            </a:solidFill>
+          </a:ln>
+        </p:spPr>
+        <p:style>
+          <a:lnRef idx="2">
+            <a:schemeClr val="accent1">
+              <a:shade val="50000"/>
+            </a:schemeClr>
+          </a:lnRef>
+          <a:fillRef idx="1">
+            <a:schemeClr val="accent1"/>
+          </a:fillRef>
+          <a:effectRef idx="0">
+            <a:schemeClr val="accent1"/>
+          </a:effectRef>
+          <a:fontRef idx="minor">
+            <a:schemeClr val="lt1"/>
+          </a:fontRef>
+        </p:style>
+        <p:txBody>
+          <a:bodyPr rtlCol="0" anchor="ctr"/>
+          <a:lstStyle/>
+          <a:p>
+            <a:pPr algn="ctr"/>
+            <a:endParaRPr lang="en-US"/>
+          </a:p>
+        </p:txBody>
+      </p:sp>
+      <p:sp>
+        <p:nvSpPr>
+          <p:cNvPr id="9" name="Rectangle 8"/>
+          <p:cNvSpPr/>
+          <p:nvPr/>
+        </p:nvSpPr>
+        <p:spPr>
+          <a:xfrm>
+            <a:off x="1625045" y="2398774"/>
+            <a:ext cx="707886" cy="369332"/>
+          </a:xfrm>
+          <a:prstGeom prst="rect">
+            <a:avLst/>
+          </a:prstGeom>
+        </p:spPr>
+        <p:txBody>
+          <a:bodyPr wrap="none">
+            <a:spAutoFit/>
+          </a:bodyPr>
+          <a:lstStyle/>
+          <a:p>
+            <a:r>
+              <a:rPr lang="en-US" b="1" smtClean="0"/>
+              <a:t>reads</a:t>
+            </a:r>
+            <a:endParaRPr lang="en-US"/>
+          </a:p>
+        </p:txBody>
+      </p:sp>
+      <p:sp>
+        <p:nvSpPr>
+          <p:cNvPr id="10" name="Rectangle 9"/>
+          <p:cNvSpPr/>
+          <p:nvPr/>
+        </p:nvSpPr>
+        <p:spPr>
+          <a:xfrm>
+            <a:off x="1789042" y="2935741"/>
+            <a:ext cx="1754257" cy="681438"/>
+          </a:xfrm>
+          <a:prstGeom prst="rect">
+            <a:avLst/>
+          </a:prstGeom>
+          <a:noFill/>
+          <a:ln w="28575">
+            <a:solidFill>
+              <a:schemeClr val="tx1"/>
+            </a:solidFill>
+          </a:ln>
+        </p:spPr>
+        <p:style>
+          <a:lnRef idx="2">
+            <a:schemeClr val="accent1">
+              <a:shade val="50000"/>
+            </a:schemeClr>
+          </a:lnRef>
+          <a:fillRef idx="1">
+            <a:schemeClr val="accent1"/>
+          </a:fillRef>
+          <a:effectRef idx="0">
+            <a:schemeClr val="accent1"/>
+          </a:effectRef>
+          <a:fontRef idx="minor">
+            <a:schemeClr val="lt1"/>
+          </a:fontRef>
+        </p:style>
+        <p:txBody>
+          <a:bodyPr rtlCol="0" anchor="ctr"/>
+          <a:lstStyle/>
+          <a:p>
+            <a:pPr algn="ctr"/>
+            <a:r>
+              <a:rPr lang="en-US" dirty="0" smtClean="0">
+                <a:solidFill>
+                  <a:schemeClr val="tx1"/>
+                </a:solidFill>
+              </a:rPr>
+              <a:t>ternary, exact</a:t>
+            </a:r>
+            <a:endParaRPr lang="en-US" dirty="0">
+              <a:solidFill>
+                <a:schemeClr val="tx1"/>
+              </a:solidFill>
+            </a:endParaRPr>
+          </a:p>
+        </p:txBody>
+      </p:sp>
+      <p:sp>
+        <p:nvSpPr>
+          <p:cNvPr id="11" name="Rectangle 10"/>
+          <p:cNvSpPr/>
+          <p:nvPr/>
+        </p:nvSpPr>
+        <p:spPr>
+          <a:xfrm>
+            <a:off x="1789042" y="3763202"/>
+            <a:ext cx="1754257" cy="681438"/>
+          </a:xfrm>
+          <a:prstGeom prst="rect">
+            <a:avLst/>
+          </a:prstGeom>
+          <a:noFill/>
+          <a:ln w="28575">
+            <a:solidFill>
+              <a:schemeClr val="tx1"/>
+            </a:solidFill>
+          </a:ln>
+        </p:spPr>
+        <p:style>
+          <a:lnRef idx="2">
+            <a:schemeClr val="accent1">
+              <a:shade val="50000"/>
+            </a:schemeClr>
+          </a:lnRef>
+          <a:fillRef idx="1">
+            <a:schemeClr val="accent1"/>
+          </a:fillRef>
+          <a:effectRef idx="0">
+            <a:schemeClr val="accent1"/>
+          </a:effectRef>
+          <a:fontRef idx="minor">
+            <a:schemeClr val="lt1"/>
+          </a:fontRef>
+        </p:style>
+        <p:txBody>
+          <a:bodyPr rtlCol="0" anchor="ctr"/>
+          <a:lstStyle/>
+          <a:p>
+            <a:pPr algn="ctr"/>
+            <a:r>
+              <a:rPr lang="en-US" dirty="0" smtClean="0">
+                <a:solidFill>
+                  <a:schemeClr val="tx1"/>
+                </a:solidFill>
+              </a:rPr>
+              <a:t>selector</a:t>
+            </a:r>
+            <a:endParaRPr lang="en-US" dirty="0">
+              <a:solidFill>
+                <a:schemeClr val="tx1"/>
+              </a:solidFill>
+            </a:endParaRPr>
+          </a:p>
+        </p:txBody>
+      </p:sp>
+      <p:sp>
+        <p:nvSpPr>
+          <p:cNvPr id="12" name="Rectangle 11"/>
+          <p:cNvSpPr/>
+          <p:nvPr/>
+        </p:nvSpPr>
+        <p:spPr>
+          <a:xfrm>
+            <a:off x="3871290" y="3763202"/>
+            <a:ext cx="1152939" cy="681438"/>
+          </a:xfrm>
+          <a:prstGeom prst="rect">
+            <a:avLst/>
+          </a:prstGeom>
+          <a:noFill/>
+          <a:ln w="28575">
+            <a:solidFill>
+              <a:schemeClr val="tx1"/>
+            </a:solidFill>
+          </a:ln>
+        </p:spPr>
+        <p:style>
+          <a:lnRef idx="2">
+            <a:schemeClr val="accent1">
+              <a:shade val="50000"/>
+            </a:schemeClr>
+          </a:lnRef>
+          <a:fillRef idx="1">
+            <a:schemeClr val="accent1"/>
+          </a:fillRef>
+          <a:effectRef idx="0">
+            <a:schemeClr val="accent1"/>
+          </a:effectRef>
+          <a:fontRef idx="minor">
+            <a:schemeClr val="lt1"/>
+          </a:fontRef>
+        </p:style>
+        <p:txBody>
+          <a:bodyPr rtlCol="0" anchor="ctr"/>
+          <a:lstStyle/>
+          <a:p>
+            <a:pPr algn="ctr"/>
+            <a:r>
+              <a:rPr lang="en-US" dirty="0" smtClean="0">
+                <a:solidFill>
+                  <a:schemeClr val="tx1"/>
+                </a:solidFill>
+              </a:rPr>
+              <a:t>selector</a:t>
+            </a:r>
+          </a:p>
+          <a:p>
+            <a:pPr algn="ctr"/>
+            <a:r>
+              <a:rPr lang="en-US" dirty="0" smtClean="0">
+                <a:solidFill>
+                  <a:schemeClr val="tx1"/>
+                </a:solidFill>
+              </a:rPr>
+              <a:t>logic</a:t>
+            </a:r>
+            <a:endParaRPr lang="en-US" dirty="0">
+              <a:solidFill>
+                <a:schemeClr val="tx1"/>
+              </a:solidFill>
+            </a:endParaRPr>
+          </a:p>
+        </p:txBody>
+      </p:sp>
+      <p:sp>
+        <p:nvSpPr>
+          <p:cNvPr id="13" name="Right Arrow 12"/>
+          <p:cNvSpPr/>
+          <p:nvPr/>
+        </p:nvSpPr>
+        <p:spPr>
+          <a:xfrm>
+            <a:off x="3543299" y="3969093"/>
+            <a:ext cx="323022" cy="347870"/>
+          </a:xfrm>
+          <a:prstGeom prst="rightArrow">
+            <a:avLst/>
+          </a:prstGeom>
+        </p:spPr>
+        <p:style>
+          <a:lnRef idx="2">
+            <a:schemeClr val="accent1">
+              <a:shade val="50000"/>
+            </a:schemeClr>
+          </a:lnRef>
+          <a:fillRef idx="1">
+            <a:schemeClr val="accent1"/>
+          </a:fillRef>
+          <a:effectRef idx="0">
+            <a:schemeClr val="accent1"/>
+          </a:effectRef>
+          <a:fontRef idx="minor">
+            <a:schemeClr val="lt1"/>
+          </a:fontRef>
+        </p:style>
+        <p:txBody>
+          <a:bodyPr rtlCol="0" anchor="ctr"/>
+          <a:lstStyle/>
+          <a:p>
+            <a:pPr algn="ctr"/>
+            <a:endParaRPr lang="en-US"/>
+          </a:p>
+        </p:txBody>
+      </p:sp>
+      <p:sp>
+        <p:nvSpPr>
+          <p:cNvPr id="14" name="Rectangle 13"/>
+          <p:cNvSpPr/>
+          <p:nvPr/>
+        </p:nvSpPr>
+        <p:spPr>
+          <a:xfrm>
+            <a:off x="5349736" y="2952239"/>
+            <a:ext cx="1152939" cy="1492401"/>
+          </a:xfrm>
+          <a:prstGeom prst="rect">
+            <a:avLst/>
+          </a:prstGeom>
+          <a:noFill/>
+          <a:ln w="28575">
+            <a:solidFill>
+              <a:schemeClr val="tx1"/>
+            </a:solidFill>
+          </a:ln>
+        </p:spPr>
+        <p:style>
+          <a:lnRef idx="2">
+            <a:schemeClr val="accent1">
+              <a:shade val="50000"/>
+            </a:schemeClr>
+          </a:lnRef>
+          <a:fillRef idx="1">
+            <a:schemeClr val="accent1"/>
+          </a:fillRef>
+          <a:effectRef idx="0">
+            <a:schemeClr val="accent1"/>
+          </a:effectRef>
+          <a:fontRef idx="minor">
+            <a:schemeClr val="lt1"/>
+          </a:fontRef>
+        </p:style>
+        <p:txBody>
+          <a:bodyPr rtlCol="0" anchor="ctr"/>
+          <a:lstStyle/>
+          <a:p>
+            <a:pPr algn="ctr"/>
+            <a:r>
+              <a:rPr lang="en-US" smtClean="0">
+                <a:solidFill>
+                  <a:schemeClr val="tx1"/>
+                </a:solidFill>
+              </a:rPr>
+              <a:t>actual</a:t>
+            </a:r>
+            <a:br>
+              <a:rPr lang="en-US" smtClean="0">
+                <a:solidFill>
+                  <a:schemeClr val="tx1"/>
+                </a:solidFill>
+              </a:rPr>
+            </a:br>
+            <a:r>
+              <a:rPr lang="en-US" smtClean="0">
+                <a:solidFill>
+                  <a:schemeClr val="tx1"/>
+                </a:solidFill>
+              </a:rPr>
+              <a:t>key</a:t>
+            </a:r>
+            <a:endParaRPr lang="en-US" dirty="0">
+              <a:solidFill>
+                <a:schemeClr val="tx1"/>
+              </a:solidFill>
+            </a:endParaRPr>
+          </a:p>
+        </p:txBody>
+      </p:sp>
+      <p:sp>
+        <p:nvSpPr>
+          <p:cNvPr id="15" name="Right Arrow 14"/>
+          <p:cNvSpPr/>
+          <p:nvPr/>
+        </p:nvSpPr>
+        <p:spPr>
+          <a:xfrm>
+            <a:off x="5029198" y="3988860"/>
+            <a:ext cx="323022" cy="347870"/>
+          </a:xfrm>
+          <a:prstGeom prst="rightArrow">
+            <a:avLst/>
+          </a:prstGeom>
+        </p:spPr>
+        <p:style>
+          <a:lnRef idx="2">
+            <a:schemeClr val="accent1">
+              <a:shade val="50000"/>
+            </a:schemeClr>
+          </a:lnRef>
+          <a:fillRef idx="1">
+            <a:schemeClr val="accent1"/>
+          </a:fillRef>
+          <a:effectRef idx="0">
+            <a:schemeClr val="accent1"/>
+          </a:effectRef>
+          <a:fontRef idx="minor">
+            <a:schemeClr val="lt1"/>
+          </a:fontRef>
+        </p:style>
+        <p:txBody>
+          <a:bodyPr rtlCol="0" anchor="ctr"/>
+          <a:lstStyle/>
+          <a:p>
+            <a:pPr algn="ctr"/>
+            <a:endParaRPr lang="en-US"/>
+          </a:p>
+        </p:txBody>
+      </p:sp>
+      <p:sp>
+        <p:nvSpPr>
+          <p:cNvPr id="16" name="Right Arrow 15"/>
+          <p:cNvSpPr/>
+          <p:nvPr/>
+        </p:nvSpPr>
+        <p:spPr>
+          <a:xfrm>
+            <a:off x="3543299" y="3142524"/>
+            <a:ext cx="1806438" cy="347870"/>
+          </a:xfrm>
+          <a:prstGeom prst="rightArrow">
+            <a:avLst/>
+          </a:prstGeom>
+        </p:spPr>
+        <p:style>
+          <a:lnRef idx="2">
+            <a:schemeClr val="accent1">
+              <a:shade val="50000"/>
+            </a:schemeClr>
+          </a:lnRef>
+          <a:fillRef idx="1">
+            <a:schemeClr val="accent1"/>
+          </a:fillRef>
+          <a:effectRef idx="0">
+            <a:schemeClr val="accent1"/>
+          </a:effectRef>
+          <a:fontRef idx="minor">
+            <a:schemeClr val="lt1"/>
+          </a:fontRef>
+        </p:style>
+        <p:txBody>
+          <a:bodyPr rtlCol="0" anchor="ctr"/>
+          <a:lstStyle/>
+          <a:p>
+            <a:pPr algn="ctr"/>
+            <a:endParaRPr lang="en-US"/>
+          </a:p>
+        </p:txBody>
+      </p:sp>
+      <p:sp>
+        <p:nvSpPr>
+          <p:cNvPr id="17" name="TextBox 16"/>
+          <p:cNvSpPr txBox="1"/>
+          <p:nvPr/>
+        </p:nvSpPr>
+        <p:spPr>
+          <a:xfrm>
+            <a:off x="3783675" y="4512030"/>
+            <a:ext cx="1553182" cy="646331"/>
+          </a:xfrm>
+          <a:prstGeom prst="rect">
+            <a:avLst/>
+          </a:prstGeom>
+          <a:noFill/>
+        </p:spPr>
+        <p:txBody>
+          <a:bodyPr wrap="none" rtlCol="0">
+            <a:spAutoFit/>
+          </a:bodyPr>
+          <a:lstStyle/>
+          <a:p>
+            <a:r>
+              <a:rPr lang="en-US" dirty="0" err="1" smtClean="0"/>
+              <a:t>ActionSelector</a:t>
+            </a:r>
+            <a:endParaRPr lang="en-US" dirty="0" smtClean="0"/>
+          </a:p>
+          <a:p>
+            <a:r>
+              <a:rPr lang="en-US" dirty="0" smtClean="0"/>
+              <a:t>extern</a:t>
             </a:r>
             <a:endParaRPr lang="en-US" dirty="0"/>
           </a:p>
@@ -15061,27 +15605,265 @@
       </p:sp>
       <p:sp>
         <p:nvSpPr>
-          <p:cNvPr id="3" name="Text Placeholder 2"/>
-          <p:cNvSpPr>
-            <a:spLocks noGrp="1"/>
-          </p:cNvSpPr>
-          <p:nvPr>
-            <p:ph type="body" idx="1"/>
-          </p:nvPr>
-        </p:nvSpPr>
-        <p:spPr/>
-        <p:txBody>
-          <a:bodyPr/>
-          <a:lstStyle/>
-          <a:p>
+          <p:cNvPr id="18" name="Rectangle 17"/>
+          <p:cNvSpPr/>
+          <p:nvPr/>
+        </p:nvSpPr>
+        <p:spPr>
+          <a:xfrm>
+            <a:off x="6862304" y="2398775"/>
+            <a:ext cx="1625714" cy="2859026"/>
+          </a:xfrm>
+          <a:prstGeom prst="rect">
+            <a:avLst/>
+          </a:prstGeom>
+          <a:noFill/>
+          <a:ln w="28575">
+            <a:solidFill>
+              <a:schemeClr val="tx1"/>
+            </a:solidFill>
+          </a:ln>
+        </p:spPr>
+        <p:style>
+          <a:lnRef idx="2">
+            <a:schemeClr val="accent1">
+              <a:shade val="50000"/>
+            </a:schemeClr>
+          </a:lnRef>
+          <a:fillRef idx="1">
+            <a:schemeClr val="accent1"/>
+          </a:fillRef>
+          <a:effectRef idx="0">
+            <a:schemeClr val="accent1"/>
+          </a:effectRef>
+          <a:fontRef idx="minor">
+            <a:schemeClr val="lt1"/>
+          </a:fontRef>
+        </p:style>
+        <p:txBody>
+          <a:bodyPr rtlCol="0" anchor="ctr"/>
+          <a:lstStyle/>
+          <a:p>
+            <a:pPr algn="ctr"/>
+            <a:r>
+              <a:rPr lang="en-US" dirty="0" err="1" smtClean="0">
+                <a:solidFill>
+                  <a:schemeClr val="tx1"/>
+                </a:solidFill>
+              </a:rPr>
+              <a:t>loook</a:t>
+            </a:r>
+            <a:r>
+              <a:rPr lang="en-US" dirty="0" smtClean="0">
+                <a:solidFill>
+                  <a:schemeClr val="tx1"/>
+                </a:solidFill>
+              </a:rPr>
+              <a:t>-up</a:t>
+            </a:r>
+          </a:p>
+          <a:p>
+            <a:pPr algn="ctr"/>
+            <a:r>
+              <a:rPr lang="en-US" dirty="0" smtClean="0">
+                <a:solidFill>
+                  <a:schemeClr val="tx1"/>
+                </a:solidFill>
+              </a:rPr>
+              <a:t>table</a:t>
+            </a:r>
+            <a:endParaRPr lang="en-US" dirty="0">
+              <a:solidFill>
+                <a:schemeClr val="tx1"/>
+              </a:solidFill>
+            </a:endParaRPr>
+          </a:p>
+        </p:txBody>
+      </p:sp>
+      <p:sp>
+        <p:nvSpPr>
+          <p:cNvPr id="19" name="Right Arrow 18"/>
+          <p:cNvSpPr/>
+          <p:nvPr/>
+        </p:nvSpPr>
+        <p:spPr>
+          <a:xfrm>
+            <a:off x="6520978" y="3478313"/>
+            <a:ext cx="323022" cy="347870"/>
+          </a:xfrm>
+          <a:prstGeom prst="rightArrow">
+            <a:avLst/>
+          </a:prstGeom>
+        </p:spPr>
+        <p:style>
+          <a:lnRef idx="2">
+            <a:schemeClr val="accent1">
+              <a:shade val="50000"/>
+            </a:schemeClr>
+          </a:lnRef>
+          <a:fillRef idx="1">
+            <a:schemeClr val="accent1"/>
+          </a:fillRef>
+          <a:effectRef idx="0">
+            <a:schemeClr val="accent1"/>
+          </a:effectRef>
+          <a:fontRef idx="minor">
+            <a:schemeClr val="lt1"/>
+          </a:fontRef>
+        </p:style>
+        <p:txBody>
+          <a:bodyPr rtlCol="0" anchor="ctr"/>
+          <a:lstStyle/>
+          <a:p>
+            <a:pPr algn="ctr"/>
             <a:endParaRPr lang="en-US"/>
+          </a:p>
+        </p:txBody>
+      </p:sp>
+      <p:sp>
+        <p:nvSpPr>
+          <p:cNvPr id="20" name="Right Arrow 19"/>
+          <p:cNvSpPr/>
+          <p:nvPr/>
+        </p:nvSpPr>
+        <p:spPr>
+          <a:xfrm>
+            <a:off x="8506322" y="3564932"/>
+            <a:ext cx="323022" cy="347870"/>
+          </a:xfrm>
+          <a:prstGeom prst="rightArrow">
+            <a:avLst/>
+          </a:prstGeom>
+        </p:spPr>
+        <p:style>
+          <a:lnRef idx="2">
+            <a:schemeClr val="accent1">
+              <a:shade val="50000"/>
+            </a:schemeClr>
+          </a:lnRef>
+          <a:fillRef idx="1">
+            <a:schemeClr val="accent1"/>
+          </a:fillRef>
+          <a:effectRef idx="0">
+            <a:schemeClr val="accent1"/>
+          </a:effectRef>
+          <a:fontRef idx="minor">
+            <a:schemeClr val="lt1"/>
+          </a:fontRef>
+        </p:style>
+        <p:txBody>
+          <a:bodyPr rtlCol="0" anchor="ctr"/>
+          <a:lstStyle/>
+          <a:p>
+            <a:pPr algn="ctr"/>
+            <a:endParaRPr lang="en-US"/>
+          </a:p>
+        </p:txBody>
+      </p:sp>
+      <p:sp>
+        <p:nvSpPr>
+          <p:cNvPr id="21" name="TextBox 20"/>
+          <p:cNvSpPr txBox="1"/>
+          <p:nvPr/>
+        </p:nvSpPr>
+        <p:spPr>
+          <a:xfrm>
+            <a:off x="8808799" y="3543470"/>
+            <a:ext cx="766557" cy="369332"/>
+          </a:xfrm>
+          <a:prstGeom prst="rect">
+            <a:avLst/>
+          </a:prstGeom>
+          <a:noFill/>
+        </p:spPr>
+        <p:txBody>
+          <a:bodyPr wrap="none" rtlCol="0">
+            <a:spAutoFit/>
+          </a:bodyPr>
+          <a:lstStyle/>
+          <a:p>
+            <a:r>
+              <a:rPr lang="en-US" smtClean="0"/>
+              <a:t>action</a:t>
+            </a:r>
+            <a:endParaRPr lang="en-US"/>
+          </a:p>
+        </p:txBody>
+      </p:sp>
+      <p:sp>
+        <p:nvSpPr>
+          <p:cNvPr id="22" name="Right Arrow 21"/>
+          <p:cNvSpPr/>
+          <p:nvPr/>
+        </p:nvSpPr>
+        <p:spPr>
+          <a:xfrm>
+            <a:off x="9573115" y="3581082"/>
+            <a:ext cx="323022" cy="347870"/>
+          </a:xfrm>
+          <a:prstGeom prst="rightArrow">
+            <a:avLst/>
+          </a:prstGeom>
+        </p:spPr>
+        <p:style>
+          <a:lnRef idx="2">
+            <a:schemeClr val="accent1">
+              <a:shade val="50000"/>
+            </a:schemeClr>
+          </a:lnRef>
+          <a:fillRef idx="1">
+            <a:schemeClr val="accent1"/>
+          </a:fillRef>
+          <a:effectRef idx="0">
+            <a:schemeClr val="accent1"/>
+          </a:effectRef>
+          <a:fontRef idx="minor">
+            <a:schemeClr val="lt1"/>
+          </a:fontRef>
+        </p:style>
+        <p:txBody>
+          <a:bodyPr rtlCol="0" anchor="ctr"/>
+          <a:lstStyle/>
+          <a:p>
+            <a:pPr algn="ctr"/>
+            <a:endParaRPr lang="en-US"/>
+          </a:p>
+        </p:txBody>
+      </p:sp>
+      <p:sp>
+        <p:nvSpPr>
+          <p:cNvPr id="23" name="TextBox 22"/>
+          <p:cNvSpPr txBox="1"/>
+          <p:nvPr/>
+        </p:nvSpPr>
+        <p:spPr>
+          <a:xfrm>
+            <a:off x="9942814" y="3564932"/>
+            <a:ext cx="470898" cy="369332"/>
+          </a:xfrm>
+          <a:prstGeom prst="rect">
+            <a:avLst/>
+          </a:prstGeom>
+          <a:noFill/>
+        </p:spPr>
+        <p:txBody>
+          <a:bodyPr wrap="none" rtlCol="0">
+            <a:spAutoFit/>
+          </a:bodyPr>
+          <a:lstStyle/>
+          <a:p>
+            <a:r>
+              <a:rPr lang="en-US" dirty="0" err="1" smtClean="0"/>
+              <a:t>etc</a:t>
+            </a:r>
+            <a:endParaRPr lang="en-US" dirty="0"/>
           </a:p>
         </p:txBody>
       </p:sp>
     </p:spTree>
     <p:extLst>
       <p:ext uri="{BB962C8B-B14F-4D97-AF65-F5344CB8AC3E}">
-        <p14:creationId xmlns:p14="http://schemas.microsoft.com/office/powerpoint/2010/main" val="1685362578"/>
+        <p14:creationId xmlns:p14="http://schemas.microsoft.com/office/powerpoint/2010/main" val="1175629464"/>
       </p:ext>
     </p:extLst>
   </p:cSld>
@@ -15120,12 +15902,29 @@
         </p:nvSpPr>
         <p:spPr/>
         <p:txBody>
-          <a:bodyPr/>
-          <a:lstStyle/>
-          <a:p>
-            <a:r>
-              <a:rPr lang="en-US" dirty="0" smtClean="0"/>
-              <a:t>Pragmas</a:t>
+          <a:bodyPr>
+            <a:normAutofit fontScale="90000"/>
+          </a:bodyPr>
+          <a:lstStyle/>
+          <a:p>
+            <a:r>
+              <a:rPr lang="en-US" dirty="0" smtClean="0"/>
+              <a:t>Registers</a:t>
+            </a:r>
+            <a:br>
+              <a:rPr lang="en-US" dirty="0" smtClean="0"/>
+            </a:br>
+            <a:r>
+              <a:rPr lang="en-US" dirty="0" smtClean="0"/>
+              <a:t>(attributes, </a:t>
+            </a:r>
+            <a:r>
+              <a:rPr lang="en-US" dirty="0" err="1" smtClean="0"/>
+              <a:t>instance_count</a:t>
+            </a:r>
+            <a:r>
+              <a:rPr lang="en-US" dirty="0" smtClean="0"/>
+              <a:t>, layout, register, width)</a:t>
             </a:r>
             <a:endParaRPr lang="en-US" dirty="0"/>
           </a:p>
@@ -15141,53 +15940,111 @@
             <p:ph sz="half" idx="1"/>
           </p:nvPr>
         </p:nvSpPr>
-        <p:spPr/>
-        <p:txBody>
-          <a:bodyPr/>
-          <a:lstStyle/>
-          <a:p>
-            <a:pPr marL="0" indent="0">
-              <a:buNone/>
-            </a:pPr>
-            <a:r>
-              <a:rPr lang="en-US" dirty="0" smtClean="0"/>
-              <a:t>@</a:t>
-            </a:r>
+        <p:spPr>
+          <a:xfrm>
+            <a:off x="838200" y="1834092"/>
+            <a:ext cx="4749800" cy="4351338"/>
+          </a:xfrm>
+          <a:solidFill>
+            <a:srgbClr val="FFFEE0"/>
+          </a:solidFill>
+        </p:spPr>
+        <p:txBody>
+          <a:bodyPr>
+            <a:normAutofit fontScale="92500" lnSpcReduction="20000"/>
+          </a:bodyPr>
+          <a:lstStyle/>
+          <a:p>
+            <a:pPr marL="0" indent="0">
+              <a:buNone/>
+            </a:pPr>
             <a:r>
               <a:rPr lang="en-US" b="1" dirty="0" smtClean="0"/>
-              <a:t>pragma</a:t>
-            </a:r>
-            <a:r>
-              <a:rPr lang="en-US" dirty="0" smtClean="0"/>
-              <a:t> p</a:t>
-            </a:r>
-          </a:p>
-          <a:p>
-            <a:pPr marL="0" indent="0">
-              <a:buNone/>
-            </a:pPr>
-            <a:r>
-              <a:rPr lang="en-US" dirty="0" smtClean="0"/>
-              <a:t>@</a:t>
+              <a:t>register</a:t>
+            </a:r>
+            <a:r>
+              <a:rPr lang="en-US" dirty="0" smtClean="0"/>
+              <a:t> state {</a:t>
+            </a:r>
+            <a:br>
+              <a:rPr lang="en-US" dirty="0" smtClean="0"/>
+            </a:br>
+            <a:r>
+              <a:rPr lang="en-US" dirty="0" smtClean="0"/>
+              <a:t>    </a:t>
             </a:r>
             <a:r>
               <a:rPr lang="en-US" b="1" dirty="0" smtClean="0"/>
-              <a:t>pragma</a:t>
-            </a:r>
-            <a:r>
-              <a:rPr lang="en-US" dirty="0" smtClean="0"/>
-              <a:t> p </a:t>
-            </a:r>
-            <a:r>
-              <a:rPr lang="en-US" dirty="0" err="1" smtClean="0"/>
-              <a:t>extra_info</a:t>
-            </a:r>
+              <a:t>layout</a:t>
+            </a:r>
+            <a:r>
+              <a:rPr lang="en-US" dirty="0" smtClean="0"/>
+              <a:t> : </a:t>
+            </a:r>
+            <a:r>
+              <a:rPr lang="en-US" dirty="0" err="1" smtClean="0"/>
+              <a:t>state_layout</a:t>
+            </a:r>
+            <a:r>
+              <a:rPr lang="en-US" dirty="0" smtClean="0"/>
+              <a:t>;</a:t>
+            </a:r>
+            <a:br>
+              <a:rPr lang="en-US" dirty="0" smtClean="0"/>
+            </a:br>
+            <a:r>
+              <a:rPr lang="en-US" dirty="0" smtClean="0"/>
+              <a:t>    </a:t>
+            </a:r>
+            <a:r>
+              <a:rPr lang="en-US" b="1" dirty="0" err="1" smtClean="0"/>
+              <a:t>instance_count</a:t>
+            </a:r>
+            <a:r>
+              <a:rPr lang="en-US" dirty="0" smtClean="0"/>
+              <a:t> : 100;</a:t>
+            </a:r>
+            <a:br>
+              <a:rPr lang="en-US" dirty="0" smtClean="0"/>
+            </a:br>
+            <a:r>
+              <a:rPr lang="en-US" dirty="0" smtClean="0"/>
+              <a:t>}</a:t>
+            </a:r>
+          </a:p>
+          <a:p>
             <a:endParaRPr lang="en-US" dirty="0" smtClean="0"/>
           </a:p>
           <a:p>
             <a:pPr marL="0" indent="0">
               <a:buNone/>
             </a:pPr>
+            <a:r>
+              <a:rPr lang="en-US" b="1" dirty="0"/>
+              <a:t>a</a:t>
+            </a:r>
+            <a:r>
+              <a:rPr lang="en-US" b="1" dirty="0" smtClean="0"/>
+              <a:t>ction</a:t>
+            </a:r>
+            <a:r>
+              <a:rPr lang="en-US" dirty="0" smtClean="0"/>
+              <a:t> a() {</a:t>
+            </a:r>
+            <a:br>
+              <a:rPr lang="en-US" dirty="0" smtClean="0"/>
+            </a:br>
+            <a:r>
+              <a:rPr lang="en-US" dirty="0" smtClean="0"/>
+              <a:t>   out = state[4].f;</a:t>
+            </a:r>
+            <a:br>
+              <a:rPr lang="en-US" dirty="0" smtClean="0"/>
+            </a:br>
+            <a:r>
+              <a:rPr lang="en-US" dirty="0" smtClean="0"/>
+              <a:t>}</a:t>
+            </a:r>
             <a:endParaRPr lang="en-US" dirty="0"/>
           </a:p>
         </p:txBody>
@@ -15204,82 +16061,237 @@
         </p:nvSpPr>
         <p:spPr>
           <a:xfrm>
-            <a:off x="6172199" y="1825625"/>
-            <a:ext cx="5608983" cy="4351338"/>
+            <a:off x="6172199" y="1825624"/>
+            <a:ext cx="5790501" cy="4359806"/>
           </a:xfrm>
         </p:spPr>
         <p:txBody>
-          <a:bodyPr/>
-          <a:lstStyle/>
-          <a:p>
-            <a:pPr marL="0" indent="0">
-              <a:buNone/>
-            </a:pPr>
-            <a:r>
-              <a:rPr lang="en-US" dirty="0" smtClean="0"/>
-              <a:t>@p</a:t>
-            </a:r>
-          </a:p>
-          <a:p>
-            <a:pPr marL="0" indent="0">
-              <a:buNone/>
-            </a:pPr>
-            <a:r>
-              <a:rPr lang="en-US" dirty="0" smtClean="0"/>
-              <a:t>@p(</a:t>
-            </a:r>
-            <a:r>
-              <a:rPr lang="en-US" dirty="0" err="1" smtClean="0"/>
-              <a:t>extra_info</a:t>
-            </a:r>
-            <a:r>
-              <a:rPr lang="en-US" dirty="0" smtClean="0"/>
-              <a:t>)</a:t>
-            </a:r>
-          </a:p>
-          <a:p>
-            <a:pPr marL="0" indent="0">
-              <a:buNone/>
-            </a:pPr>
-            <a:endParaRPr lang="en-US" dirty="0"/>
-          </a:p>
-          <a:p>
-            <a:r>
-              <a:rPr lang="en-US" dirty="0" smtClean="0"/>
-              <a:t>Annotations can be only attached to some language elements.</a:t>
-            </a:r>
-          </a:p>
-          <a:p>
-            <a:r>
-              <a:rPr lang="en-US" dirty="0" err="1"/>
-              <a:t>e</a:t>
-            </a:r>
-            <a:r>
-              <a:rPr lang="en-US" dirty="0" err="1" smtClean="0"/>
-              <a:t>xtra_info</a:t>
-            </a:r>
-            <a:r>
-              <a:rPr lang="en-US" dirty="0" smtClean="0"/>
-              <a:t> must be an expression which is type-checked</a:t>
-            </a:r>
-          </a:p>
-          <a:p>
-            <a:r>
-              <a:rPr lang="en-US" dirty="0"/>
-              <a:t>W</a:t>
-            </a:r>
-            <a:r>
-              <a:rPr lang="en-US" dirty="0" smtClean="0"/>
-              <a:t>e may still need pragmas</a:t>
-            </a:r>
-            <a:endParaRPr lang="en-US" dirty="0"/>
+          <a:bodyPr>
+            <a:noAutofit/>
+          </a:bodyPr>
+          <a:lstStyle/>
+          <a:p>
+            <a:pPr marL="0" indent="0">
+              <a:buNone/>
+            </a:pPr>
+            <a:r>
+              <a:rPr lang="en-US" sz="2400" b="1" dirty="0"/>
+              <a:t>extern</a:t>
+            </a:r>
+            <a:r>
+              <a:rPr lang="en-US" sz="2400" dirty="0"/>
+              <a:t> Register&lt;T&gt; </a:t>
+            </a:r>
+            <a:r>
+              <a:rPr lang="en-US" sz="2400" dirty="0" smtClean="0"/>
+              <a:t>{</a:t>
+            </a:r>
+            <a:br>
+              <a:rPr lang="en-US" sz="2400" dirty="0" smtClean="0"/>
+            </a:br>
+            <a:r>
+              <a:rPr lang="en-US" sz="2400" dirty="0" smtClean="0"/>
+              <a:t>    </a:t>
+            </a:r>
+            <a:r>
+              <a:rPr lang="en-US" sz="2400" dirty="0"/>
+              <a:t>Register(</a:t>
+            </a:r>
+            <a:r>
+              <a:rPr lang="en-US" sz="2400" b="1" dirty="0"/>
+              <a:t>bit</a:t>
+            </a:r>
+            <a:r>
+              <a:rPr lang="en-US" sz="2400" dirty="0"/>
+              <a:t>&lt;32&gt; size</a:t>
+            </a:r>
+            <a:r>
+              <a:rPr lang="en-US" sz="2400" dirty="0" smtClean="0"/>
+              <a:t>);</a:t>
+            </a:r>
+            <a:br>
+              <a:rPr lang="en-US" sz="2400" dirty="0" smtClean="0"/>
+            </a:br>
+            <a:r>
+              <a:rPr lang="en-US" sz="2400" dirty="0" smtClean="0"/>
+              <a:t>    </a:t>
+            </a:r>
+            <a:r>
+              <a:rPr lang="en-US" sz="2400" b="1" dirty="0"/>
+              <a:t>void</a:t>
+            </a:r>
+            <a:r>
+              <a:rPr lang="en-US" sz="2400" dirty="0"/>
+              <a:t> read(</a:t>
+            </a:r>
+            <a:r>
+              <a:rPr lang="en-US" sz="2400" b="1" dirty="0"/>
+              <a:t>out</a:t>
+            </a:r>
+            <a:r>
+              <a:rPr lang="en-US" sz="2400" dirty="0"/>
+              <a:t> T result, </a:t>
+            </a:r>
+            <a:r>
+              <a:rPr lang="en-US" sz="2400" b="1" dirty="0"/>
+              <a:t>in</a:t>
+            </a:r>
+            <a:r>
+              <a:rPr lang="en-US" sz="2400" dirty="0"/>
+              <a:t> </a:t>
+            </a:r>
+            <a:r>
+              <a:rPr lang="en-US" sz="2400" b="1" dirty="0"/>
+              <a:t>bit</a:t>
+            </a:r>
+            <a:r>
+              <a:rPr lang="en-US" sz="2400" dirty="0"/>
+              <a:t>&lt;32&gt; index</a:t>
+            </a:r>
+            <a:r>
+              <a:rPr lang="en-US" sz="2400" dirty="0" smtClean="0"/>
+              <a:t>);</a:t>
+            </a:r>
+            <a:br>
+              <a:rPr lang="en-US" sz="2400" dirty="0" smtClean="0"/>
+            </a:br>
+            <a:r>
+              <a:rPr lang="en-US" sz="2400" dirty="0" smtClean="0"/>
+              <a:t>    </a:t>
+            </a:r>
+            <a:r>
+              <a:rPr lang="en-US" sz="2400" b="1" dirty="0"/>
+              <a:t>void</a:t>
+            </a:r>
+            <a:r>
+              <a:rPr lang="en-US" sz="2400" dirty="0"/>
+              <a:t> write(in </a:t>
+            </a:r>
+            <a:r>
+              <a:rPr lang="en-US" sz="2400" b="1" dirty="0"/>
+              <a:t>bit</a:t>
+            </a:r>
+            <a:r>
+              <a:rPr lang="en-US" sz="2400" dirty="0"/>
+              <a:t>&lt;32&gt; index, </a:t>
+            </a:r>
+            <a:r>
+              <a:rPr lang="en-US" sz="2400" b="1" dirty="0"/>
+              <a:t>in</a:t>
+            </a:r>
+            <a:r>
+              <a:rPr lang="en-US" sz="2400" dirty="0"/>
+              <a:t> T value</a:t>
+            </a:r>
+            <a:r>
+              <a:rPr lang="en-US" sz="2400" dirty="0" smtClean="0"/>
+              <a:t>);</a:t>
+            </a:r>
+            <a:br>
+              <a:rPr lang="en-US" sz="2400" dirty="0" smtClean="0"/>
+            </a:br>
+            <a:r>
+              <a:rPr lang="en-US" sz="2400" dirty="0" smtClean="0"/>
+              <a:t>} </a:t>
+            </a:r>
+            <a:r>
+              <a:rPr lang="en-US" sz="2400" dirty="0" smtClean="0"/>
+              <a:t> </a:t>
+            </a:r>
+            <a:r>
+              <a:rPr lang="en-US" sz="2400" dirty="0" smtClean="0"/>
+              <a:t>// in a </a:t>
+            </a:r>
+            <a:r>
+              <a:rPr lang="en-US" sz="2400" dirty="0" smtClean="0"/>
+              <a:t>library</a:t>
+            </a:r>
+            <a:endParaRPr lang="en-US" sz="2400" dirty="0" smtClean="0"/>
+          </a:p>
+          <a:p>
+            <a:pPr marL="0" indent="0">
+              <a:buNone/>
+            </a:pPr>
+            <a:r>
+              <a:rPr lang="en-US" sz="2400" dirty="0"/>
+              <a:t>R</a:t>
+            </a:r>
+            <a:r>
+              <a:rPr lang="en-US" sz="2400" dirty="0" smtClean="0"/>
+              <a:t>egister&lt;</a:t>
+            </a:r>
+            <a:r>
+              <a:rPr lang="en-US" sz="2400" dirty="0" err="1" smtClean="0"/>
+              <a:t>state_layout</a:t>
+            </a:r>
+            <a:r>
+              <a:rPr lang="en-US" sz="2400" dirty="0" smtClean="0"/>
+              <a:t>&gt;(100) state</a:t>
+            </a:r>
+            <a:r>
+              <a:rPr lang="en-US" sz="2400" dirty="0" smtClean="0"/>
+              <a:t>;</a:t>
+            </a:r>
+            <a:endParaRPr lang="en-US" sz="2400" dirty="0"/>
+          </a:p>
+          <a:p>
+            <a:pPr marL="0" indent="0">
+              <a:buNone/>
+            </a:pPr>
+            <a:r>
+              <a:rPr lang="en-US" sz="2400" b="1" dirty="0"/>
+              <a:t>a</a:t>
+            </a:r>
+            <a:r>
+              <a:rPr lang="en-US" sz="2400" b="1" dirty="0" smtClean="0"/>
+              <a:t>ction</a:t>
+            </a:r>
+            <a:r>
+              <a:rPr lang="en-US" sz="2400" dirty="0" smtClean="0"/>
+              <a:t> a</a:t>
+            </a:r>
+            <a:r>
+              <a:rPr lang="en-US" sz="2400" dirty="0" smtClean="0"/>
+              <a:t>() {</a:t>
+            </a:r>
+            <a:r>
+              <a:rPr lang="en-US" sz="2400" dirty="0" smtClean="0"/>
+              <a:t/>
+            </a:r>
+            <a:br>
+              <a:rPr lang="en-US" sz="2400" dirty="0" smtClean="0"/>
+            </a:br>
+            <a:r>
+              <a:rPr lang="en-US" sz="2400" dirty="0" smtClean="0"/>
+              <a:t>    </a:t>
+            </a:r>
+            <a:r>
+              <a:rPr lang="en-US" sz="2400" dirty="0" err="1" smtClean="0"/>
+              <a:t>state.read</a:t>
+            </a:r>
+            <a:r>
+              <a:rPr lang="en-US" sz="2400" dirty="0" smtClean="0"/>
+              <a:t>(out, 4);</a:t>
+            </a:r>
+            <a:r>
+              <a:rPr lang="en-US" sz="2400" dirty="0" smtClean="0"/>
+              <a:t/>
+            </a:r>
+            <a:br>
+              <a:rPr lang="en-US" sz="2400" dirty="0" smtClean="0"/>
+            </a:br>
+            <a:r>
+              <a:rPr lang="en-US" sz="2400" dirty="0" smtClean="0"/>
+              <a:t>}</a:t>
+            </a:r>
+            <a:endParaRPr lang="en-US" sz="2400" dirty="0" smtClean="0"/>
           </a:p>
         </p:txBody>
       </p:sp>
     </p:spTree>
     <p:extLst>
       <p:ext uri="{BB962C8B-B14F-4D97-AF65-F5344CB8AC3E}">
-        <p14:creationId xmlns:p14="http://schemas.microsoft.com/office/powerpoint/2010/main" val="847957844"/>
+        <p14:creationId xmlns:p14="http://schemas.microsoft.com/office/powerpoint/2010/main" val="1995338767"/>
       </p:ext>
     </p:extLst>
   </p:cSld>
@@ -15330,30 +16342,11 @@
           <a:p>
             <a:r>
               <a:rPr lang="en-US" dirty="0" smtClean="0"/>
-              <a:t>Parser exceptions</a:t>
-            </a:r>
-            <a:br>
-              <a:rPr lang="en-US" dirty="0" smtClean="0"/>
-            </a:br>
-            <a:r>
-              <a:rPr lang="en-US" dirty="0" smtClean="0"/>
-              <a:t>(</a:t>
-            </a:r>
-            <a:r>
-              <a:rPr lang="en-US" dirty="0" err="1" smtClean="0"/>
-              <a:t>parse_error</a:t>
-            </a:r>
-            <a:r>
-              <a:rPr lang="en-US" dirty="0" smtClean="0"/>
-              <a:t>, </a:t>
-            </a:r>
-            <a:r>
-              <a:rPr lang="en-US" dirty="0" err="1" smtClean="0"/>
-              <a:t>parser_exception</a:t>
-            </a:r>
-            <a:r>
-              <a:rPr lang="en-US" dirty="0" smtClean="0"/>
-              <a:t>)</a:t>
+              <a:t>Direct </a:t>
+            </a:r>
+            <a:r>
+              <a:rPr lang="en-US" dirty="0" smtClean="0"/>
+              <a:t>meters</a:t>
             </a:r>
             <a:endParaRPr lang="en-US" dirty="0"/>
           </a:p>
@@ -15372,7 +16365,7 @@
         <p:spPr>
           <a:xfrm>
             <a:off x="838200" y="1825625"/>
-            <a:ext cx="4411133" cy="4351338"/>
+            <a:ext cx="4817533" cy="4351338"/>
           </a:xfrm>
           <a:solidFill>
             <a:srgbClr val="FFFEE0"/>
@@ -15380,7 +16373,7 @@
         </p:spPr>
         <p:txBody>
           <a:bodyPr>
-            <a:normAutofit/>
+            <a:normAutofit fontScale="92500" lnSpcReduction="20000"/>
           </a:bodyPr>
           <a:lstStyle/>
           <a:p>
@@ -15388,31 +16381,148 @@
               <a:buNone/>
             </a:pPr>
             <a:r>
+              <a:rPr lang="en-US" b="1" dirty="0"/>
+              <a:t>meter</a:t>
+            </a:r>
+            <a:r>
+              <a:rPr lang="en-US" dirty="0"/>
+              <a:t> </a:t>
+            </a:r>
+            <a:r>
+              <a:rPr lang="en-US" dirty="0" smtClean="0"/>
+              <a:t>meter {</a:t>
+            </a:r>
+            <a:br>
+              <a:rPr lang="en-US" dirty="0" smtClean="0"/>
+            </a:br>
+            <a:r>
+              <a:rPr lang="en-US" dirty="0" smtClean="0"/>
+              <a:t>    </a:t>
+            </a:r>
+            <a:r>
+              <a:rPr lang="en-US" b="1" dirty="0"/>
+              <a:t>type</a:t>
+            </a:r>
+            <a:r>
+              <a:rPr lang="en-US" dirty="0"/>
+              <a:t> : bytes</a:t>
+            </a:r>
+            <a:r>
+              <a:rPr lang="en-US" dirty="0" smtClean="0"/>
+              <a:t>;</a:t>
+            </a:r>
+            <a:br>
+              <a:rPr lang="en-US" dirty="0" smtClean="0"/>
+            </a:br>
+            <a:r>
+              <a:rPr lang="en-US" dirty="0" smtClean="0"/>
+              <a:t>    </a:t>
+            </a:r>
+            <a:r>
+              <a:rPr lang="en-US" b="1" dirty="0"/>
+              <a:t>direct</a:t>
+            </a:r>
+            <a:r>
+              <a:rPr lang="en-US" dirty="0"/>
+              <a:t> : </a:t>
+            </a:r>
+            <a:r>
+              <a:rPr lang="en-US" dirty="0" err="1"/>
+              <a:t>meter_index</a:t>
+            </a:r>
+            <a:r>
+              <a:rPr lang="en-US" dirty="0" smtClean="0"/>
+              <a:t>;</a:t>
+            </a:r>
+            <a:br>
+              <a:rPr lang="en-US" dirty="0" smtClean="0"/>
+            </a:br>
+            <a:r>
+              <a:rPr lang="en-US" dirty="0" smtClean="0"/>
+              <a:t>    </a:t>
+            </a:r>
+            <a:r>
+              <a:rPr lang="en-US" b="1" dirty="0"/>
+              <a:t>result</a:t>
+            </a:r>
+            <a:r>
+              <a:rPr lang="en-US" dirty="0"/>
+              <a:t> : </a:t>
+            </a:r>
+            <a:r>
+              <a:rPr lang="en-US" dirty="0" err="1" smtClean="0"/>
+              <a:t>meta.meter_color</a:t>
+            </a:r>
+            <a:r>
+              <a:rPr lang="en-US" dirty="0" smtClean="0"/>
+              <a:t>;</a:t>
+            </a:r>
+            <a:br>
+              <a:rPr lang="en-US" dirty="0" smtClean="0"/>
+            </a:br>
+            <a:r>
+              <a:rPr lang="en-US" dirty="0" smtClean="0"/>
+              <a:t>}</a:t>
+            </a:r>
+            <a:endParaRPr lang="en-US" dirty="0"/>
+          </a:p>
+          <a:p>
+            <a:pPr marL="0" indent="0">
+              <a:buNone/>
+            </a:pPr>
+            <a:r>
               <a:rPr lang="en-US" b="1" dirty="0" smtClean="0"/>
-              <a:t>state</a:t>
-            </a:r>
-            <a:r>
-              <a:rPr lang="en-US" dirty="0" smtClean="0"/>
-              <a:t> s {</a:t>
-            </a:r>
-            <a:br>
-              <a:rPr lang="en-US" dirty="0" smtClean="0"/>
-            </a:br>
-            <a:r>
-              <a:rPr lang="en-US" dirty="0" smtClean="0"/>
-              <a:t>   </a:t>
-            </a:r>
-            <a:r>
-              <a:rPr lang="en-US" b="1" dirty="0" err="1" smtClean="0"/>
-              <a:t>parse_error</a:t>
+              <a:t>table</a:t>
             </a:r>
             <a:r>
               <a:rPr lang="en-US" dirty="0" smtClean="0"/>
               <a:t> </a:t>
             </a:r>
             <a:r>
-              <a:rPr lang="en-US" dirty="0" err="1" smtClean="0"/>
-              <a:t>exc</a:t>
+              <a:rPr lang="en-US" dirty="0" err="1"/>
+              <a:t>meter_index</a:t>
+            </a:r>
+            <a:r>
+              <a:rPr lang="en-US" dirty="0"/>
+              <a:t> </a:t>
+            </a:r>
+            <a:r>
+              <a:rPr lang="en-US" dirty="0" smtClean="0"/>
+              <a:t>{</a:t>
+            </a:r>
+            <a:br>
+              <a:rPr lang="en-US" dirty="0" smtClean="0"/>
+            </a:br>
+            <a:r>
+              <a:rPr lang="en-US" dirty="0" smtClean="0"/>
+              <a:t>    </a:t>
+            </a:r>
+            <a:r>
+              <a:rPr lang="en-US" b="1" dirty="0"/>
+              <a:t>reads</a:t>
+            </a:r>
+            <a:r>
+              <a:rPr lang="en-US" dirty="0"/>
+              <a:t> </a:t>
+            </a:r>
+            <a:r>
+              <a:rPr lang="en-US" dirty="0" smtClean="0"/>
+              <a:t>{</a:t>
+            </a:r>
+            <a:br>
+              <a:rPr lang="en-US" dirty="0" smtClean="0"/>
+            </a:br>
+            <a:r>
+              <a:rPr lang="en-US" dirty="0" smtClean="0"/>
+              <a:t>       </a:t>
+            </a:r>
+            <a:r>
+              <a:rPr lang="en-US" dirty="0" err="1" smtClean="0"/>
+              <a:t>meta.meter_index</a:t>
+            </a:r>
+            <a:r>
+              <a:rPr lang="en-US" dirty="0"/>
+              <a:t>: exact</a:t>
             </a:r>
             <a:r>
               <a:rPr lang="en-US" dirty="0" smtClean="0"/>
@@ -15423,6 +16533,10 @@
             </a:br>
             <a:r>
               <a:rPr lang="en-US" dirty="0" smtClean="0"/>
+              <a:t>    </a:t>
+            </a:r>
+            <a:r>
+              <a:rPr lang="en-US" dirty="0"/>
               <a:t>}</a:t>
             </a:r>
           </a:p>
@@ -15430,85 +16544,40 @@
             <a:pPr marL="0" indent="0">
               <a:buNone/>
             </a:pPr>
+            <a:r>
+              <a:rPr lang="en-US" dirty="0"/>
+              <a:t>    </a:t>
+            </a:r>
+            <a:r>
+              <a:rPr lang="en-US" b="1" dirty="0"/>
+              <a:t>actions</a:t>
+            </a:r>
+            <a:r>
+              <a:rPr lang="en-US" dirty="0"/>
+              <a:t> </a:t>
+            </a:r>
+            <a:r>
+              <a:rPr lang="en-US" dirty="0" smtClean="0"/>
+              <a:t>{ </a:t>
+            </a:r>
+            <a:r>
+              <a:rPr lang="en-US" dirty="0" err="1"/>
+              <a:t>nop</a:t>
+            </a:r>
+            <a:r>
+              <a:rPr lang="en-US" dirty="0" smtClean="0"/>
+              <a:t>; }</a:t>
+            </a:r>
+            <a:br>
+              <a:rPr lang="en-US" dirty="0" smtClean="0"/>
+            </a:br>
+            <a:r>
+              <a:rPr lang="en-US" dirty="0" smtClean="0"/>
+              <a:t>}</a:t>
+            </a:r>
             <a:endParaRPr lang="en-US" dirty="0"/>
           </a:p>
           <a:p>
-            <a:pPr marL="0" indent="0">
-              <a:buNone/>
-            </a:pPr>
-            <a:r>
-              <a:rPr lang="en-US" b="1" dirty="0" err="1" smtClean="0"/>
-              <a:t>parser_exception</a:t>
-            </a:r>
-            <a:r>
-              <a:rPr lang="en-US" dirty="0" smtClean="0"/>
-              <a:t> </a:t>
-            </a:r>
-            <a:r>
-              <a:rPr lang="en-US" dirty="0" err="1" smtClean="0"/>
-              <a:t>exc</a:t>
-            </a:r>
-            <a:r>
-              <a:rPr lang="en-US" dirty="0" smtClean="0"/>
-              <a:t/>
-            </a:r>
-            <a:br>
-              <a:rPr lang="en-US" dirty="0" smtClean="0"/>
-            </a:br>
-            <a:r>
-              <a:rPr lang="en-US" dirty="0" smtClean="0"/>
-              <a:t>{</a:t>
-            </a:r>
-            <a:br>
-              <a:rPr lang="en-US" dirty="0" smtClean="0"/>
-            </a:br>
-            <a:r>
-              <a:rPr lang="en-US" dirty="0" smtClean="0"/>
-              <a:t>   </a:t>
-            </a:r>
-            <a:r>
-              <a:rPr lang="en-US" b="1" dirty="0" err="1" smtClean="0"/>
-              <a:t>set_metadata</a:t>
-            </a:r>
-            <a:r>
-              <a:rPr lang="en-US" dirty="0" smtClean="0"/>
-              <a:t>(</a:t>
-            </a:r>
-            <a:r>
-              <a:rPr lang="en-US" dirty="0" err="1" smtClean="0"/>
-              <a:t>x.err</a:t>
-            </a:r>
-            <a:r>
-              <a:rPr lang="en-US" dirty="0" smtClean="0"/>
-              <a:t>, 1);</a:t>
-            </a:r>
-            <a:br>
-              <a:rPr lang="en-US" dirty="0" smtClean="0"/>
-            </a:br>
-            <a:r>
-              <a:rPr lang="en-US" dirty="0" smtClean="0"/>
-              <a:t>   </a:t>
-            </a:r>
-            <a:r>
-              <a:rPr lang="en-US" b="1" dirty="0" smtClean="0"/>
-              <a:t>return</a:t>
-            </a:r>
-            <a:r>
-              <a:rPr lang="en-US" dirty="0" smtClean="0"/>
-              <a:t> ingress;</a:t>
-            </a:r>
-            <a:br>
-              <a:rPr lang="en-US" dirty="0" smtClean="0"/>
-            </a:br>
-            <a:r>
-              <a:rPr lang="en-US" dirty="0" smtClean="0"/>
-              <a:t>}</a:t>
-            </a:r>
-          </a:p>
-          <a:p>
-            <a:pPr marL="0" indent="0">
-              <a:buNone/>
-            </a:pPr>
             <a:endParaRPr lang="en-US" dirty="0"/>
           </a:p>
         </p:txBody>
@@ -15525,13 +16594,13 @@
         </p:nvSpPr>
         <p:spPr>
           <a:xfrm>
-            <a:off x="5436705" y="1825625"/>
-            <a:ext cx="6410738" cy="4351338"/>
+            <a:off x="5872294" y="1834092"/>
+            <a:ext cx="6191075" cy="4351338"/>
           </a:xfrm>
         </p:spPr>
         <p:txBody>
           <a:bodyPr>
-            <a:normAutofit/>
+            <a:normAutofit fontScale="92500" lnSpcReduction="20000"/>
           </a:bodyPr>
           <a:lstStyle/>
           <a:p>
@@ -15539,249 +16608,284 @@
               <a:buNone/>
             </a:pPr>
             <a:r>
-              <a:rPr lang="en-US" b="1" dirty="0" smtClean="0"/>
+              <a:rPr lang="en-US" sz="2400" b="1" dirty="0"/>
               <a:t>extern</a:t>
             </a:r>
             <a:r>
-              <a:rPr lang="en-US" dirty="0" smtClean="0"/>
+              <a:rPr lang="en-US" sz="2400" dirty="0"/>
               <a:t> </a:t>
             </a:r>
             <a:r>
-              <a:rPr lang="en-US" b="1" dirty="0" smtClean="0"/>
+              <a:rPr lang="en-US" sz="2400" dirty="0" err="1"/>
+              <a:t>DirectMeter</a:t>
+            </a:r>
+            <a:r>
+              <a:rPr lang="en-US" sz="2400" dirty="0"/>
+              <a:t>&lt;T&gt; </a:t>
+            </a:r>
+            <a:r>
+              <a:rPr lang="en-US" sz="2400" dirty="0" smtClean="0"/>
+              <a:t>{</a:t>
+            </a:r>
+            <a:br>
+              <a:rPr lang="en-US" sz="2400" dirty="0" smtClean="0"/>
+            </a:br>
+            <a:r>
+              <a:rPr lang="en-US" sz="2400" dirty="0" smtClean="0"/>
+              <a:t>    </a:t>
+            </a:r>
+            <a:r>
+              <a:rPr lang="en-US" sz="2400" dirty="0" err="1"/>
+              <a:t>DirectMeter</a:t>
+            </a:r>
+            <a:r>
+              <a:rPr lang="en-US" sz="2400" dirty="0"/>
+              <a:t>(</a:t>
+            </a:r>
+            <a:r>
+              <a:rPr lang="en-US" sz="2400" dirty="0" err="1"/>
+              <a:t>CounterType</a:t>
+            </a:r>
+            <a:r>
+              <a:rPr lang="en-US" sz="2400" dirty="0"/>
+              <a:t> type</a:t>
+            </a:r>
+            <a:r>
+              <a:rPr lang="en-US" sz="2400" dirty="0" smtClean="0"/>
+              <a:t>);</a:t>
+            </a:r>
+            <a:br>
+              <a:rPr lang="en-US" sz="2400" dirty="0" smtClean="0"/>
+            </a:br>
+            <a:r>
+              <a:rPr lang="en-US" sz="2400" dirty="0" smtClean="0"/>
+              <a:t>    </a:t>
+            </a:r>
+            <a:r>
+              <a:rPr lang="en-US" sz="2400" b="1" dirty="0"/>
               <a:t>void</a:t>
             </a:r>
             <a:r>
-              <a:rPr lang="en-US" dirty="0" smtClean="0"/>
-              <a:t> assert(</a:t>
-            </a:r>
-            <a:r>
-              <a:rPr lang="en-US" b="1" dirty="0" err="1" smtClean="0"/>
-              <a:t>bool</a:t>
-            </a:r>
-            <a:r>
-              <a:rPr lang="en-US" dirty="0" smtClean="0"/>
+              <a:rPr lang="en-US" sz="2400" dirty="0"/>
+              <a:t> read(out T result</a:t>
+            </a:r>
+            <a:r>
+              <a:rPr lang="en-US" sz="2400" dirty="0" smtClean="0"/>
+              <a:t>);</a:t>
+            </a:r>
+            <a:br>
+              <a:rPr lang="en-US" sz="2400" dirty="0" smtClean="0"/>
+            </a:br>
+            <a:r>
+              <a:rPr lang="en-US" sz="2400" dirty="0" smtClean="0"/>
+              <a:t>} // in library</a:t>
+            </a:r>
+          </a:p>
+          <a:p>
+            <a:pPr marL="0" indent="0">
+              <a:buNone/>
+            </a:pPr>
+            <a:r>
+              <a:rPr lang="en-US" sz="2400" dirty="0" err="1" smtClean="0"/>
+              <a:t>DirectMeter</a:t>
+            </a:r>
+            <a:r>
+              <a:rPr lang="en-US" sz="2400" dirty="0" smtClean="0"/>
+              <a:t>&lt;</a:t>
+            </a:r>
+            <a:r>
+              <a:rPr lang="en-US" sz="2400" b="1" dirty="0" smtClean="0"/>
+              <a:t>bit</a:t>
+            </a:r>
+            <a:r>
+              <a:rPr lang="en-US" sz="2400" dirty="0" smtClean="0"/>
+              <a:t>&lt;2</a:t>
+            </a:r>
+            <a:r>
+              <a:rPr lang="en-US" sz="2400" dirty="0"/>
+              <a:t>&gt;&gt;(</a:t>
+            </a:r>
+            <a:r>
+              <a:rPr lang="en-US" sz="2400" dirty="0" err="1"/>
+              <a:t>CounterType.Bytes</a:t>
+            </a:r>
+            <a:r>
+              <a:rPr lang="en-US" sz="2400" dirty="0"/>
+              <a:t>) </a:t>
+            </a:r>
+            <a:r>
+              <a:rPr lang="en-US" sz="2400" dirty="0" smtClean="0"/>
+              <a:t>meter;</a:t>
+            </a:r>
+          </a:p>
+          <a:p>
+            <a:pPr marL="0" indent="0">
+              <a:buNone/>
+            </a:pPr>
+            <a:r>
+              <a:rPr lang="en-US" sz="2400" b="1" dirty="0" smtClean="0"/>
+              <a:t>action</a:t>
+            </a:r>
+            <a:r>
+              <a:rPr lang="en-US" sz="2400" dirty="0" smtClean="0"/>
               <a:t> </a:t>
             </a:r>
             <a:r>
-              <a:rPr lang="en-US" dirty="0" err="1" smtClean="0"/>
-              <a:t>cond</a:t>
-            </a:r>
-            <a:r>
-              <a:rPr lang="en-US" dirty="0" smtClean="0"/>
-              <a:t>, </a:t>
-            </a:r>
-            <a:r>
-              <a:rPr lang="en-US" b="1" dirty="0" smtClean="0"/>
-              <a:t>error</a:t>
-            </a:r>
-            <a:r>
-              <a:rPr lang="en-US" dirty="0" smtClean="0"/>
-              <a:t> err);</a:t>
-            </a:r>
-          </a:p>
-          <a:p>
-            <a:pPr marL="0" indent="0">
-              <a:buNone/>
-            </a:pPr>
-            <a:r>
-              <a:rPr lang="en-US" b="1" dirty="0" smtClean="0"/>
-              <a:t>error</a:t>
-            </a:r>
-            <a:r>
-              <a:rPr lang="en-US" dirty="0" smtClean="0"/>
-              <a:t> { bad }</a:t>
-            </a:r>
-            <a:endParaRPr lang="en-US" dirty="0"/>
-          </a:p>
-          <a:p>
-            <a:pPr marL="0" indent="0">
-              <a:buNone/>
-            </a:pPr>
-            <a:r>
-              <a:rPr lang="en-US" b="1" dirty="0" smtClean="0"/>
-              <a:t>state</a:t>
-            </a:r>
-            <a:r>
-              <a:rPr lang="en-US" dirty="0" smtClean="0"/>
-              <a:t> s {</a:t>
-            </a:r>
-            <a:br>
-              <a:rPr lang="en-US" dirty="0" smtClean="0"/>
-            </a:br>
-            <a:r>
-              <a:rPr lang="en-US" dirty="0" smtClean="0"/>
-              <a:t>   assert(</a:t>
-            </a:r>
-            <a:r>
-              <a:rPr lang="en-US" dirty="0" err="1" smtClean="0"/>
-              <a:t>h.ip.version</a:t>
-            </a:r>
-            <a:r>
-              <a:rPr lang="en-US" dirty="0" smtClean="0"/>
-              <a:t> == 4, bad);</a:t>
-            </a:r>
-            <a:br>
-              <a:rPr lang="en-US" dirty="0" smtClean="0"/>
-            </a:br>
-            <a:r>
-              <a:rPr lang="en-US" dirty="0" smtClean="0"/>
+              <a:rPr lang="en-US" sz="2400" dirty="0"/>
+              <a:t>nop_0() </a:t>
+            </a:r>
+            <a:r>
+              <a:rPr lang="en-US" sz="2400" dirty="0" smtClean="0"/>
+              <a:t>{</a:t>
+            </a:r>
+            <a:r>
+              <a:rPr lang="en-US" sz="2400" dirty="0"/>
+              <a:t/>
+            </a:r>
+            <a:br>
+              <a:rPr lang="en-US" sz="2400" dirty="0"/>
+            </a:br>
+            <a:r>
+              <a:rPr lang="en-US" sz="2400" dirty="0" smtClean="0"/>
+              <a:t>    </a:t>
+            </a:r>
+            <a:r>
+              <a:rPr lang="en-US" sz="2400" dirty="0" err="1" smtClean="0"/>
+              <a:t>meter.read</a:t>
+            </a:r>
+            <a:r>
+              <a:rPr lang="en-US" sz="2400" dirty="0" smtClean="0"/>
+              <a:t>(</a:t>
+            </a:r>
+            <a:r>
+              <a:rPr lang="en-US" sz="2400" dirty="0" err="1" smtClean="0"/>
+              <a:t>meta.meter_color</a:t>
+            </a:r>
+            <a:r>
+              <a:rPr lang="en-US" sz="2400" dirty="0" smtClean="0"/>
+              <a:t>);</a:t>
+            </a:r>
+            <a:br>
+              <a:rPr lang="en-US" sz="2400" dirty="0" smtClean="0"/>
+            </a:br>
+            <a:r>
+              <a:rPr lang="en-US" sz="2400" dirty="0" smtClean="0"/>
               <a:t>}</a:t>
             </a:r>
-          </a:p>
-          <a:p>
-            <a:pPr marL="0" indent="0">
-              <a:buNone/>
-            </a:pPr>
-            <a:r>
-              <a:rPr lang="en-US" b="1" dirty="0" smtClean="0"/>
-              <a:t>control</a:t>
-            </a:r>
-            <a:r>
-              <a:rPr lang="en-US" dirty="0" smtClean="0"/>
-              <a:t> ingress(</a:t>
-            </a:r>
-            <a:r>
-              <a:rPr lang="en-US" b="1" dirty="0" smtClean="0"/>
-              <a:t>in</a:t>
-            </a:r>
-            <a:r>
-              <a:rPr lang="en-US" dirty="0" smtClean="0"/>
+            <a:endParaRPr lang="en-US" sz="2400" dirty="0"/>
+          </a:p>
+          <a:p>
+            <a:pPr marL="0" indent="0">
+              <a:buNone/>
+            </a:pPr>
+            <a:r>
+              <a:rPr lang="en-US" sz="2400" b="1" dirty="0" smtClean="0"/>
+              <a:t>table</a:t>
+            </a:r>
+            <a:r>
+              <a:rPr lang="en-US" sz="2400" dirty="0" smtClean="0"/>
               <a:t> </a:t>
             </a:r>
             <a:r>
-              <a:rPr lang="en-US" b="1" dirty="0" smtClean="0"/>
-              <a:t>error</a:t>
-            </a:r>
-            <a:r>
-              <a:rPr lang="en-US" dirty="0" smtClean="0"/>
-              <a:t> </a:t>
-            </a:r>
-            <a:r>
-              <a:rPr lang="en-US" dirty="0" err="1" smtClean="0"/>
-              <a:t>parser_error</a:t>
-            </a:r>
-            <a:r>
-              <a:rPr lang="en-US" dirty="0" smtClean="0"/>
-              <a:t>, …)</a:t>
-            </a:r>
-            <a:br>
-              <a:rPr lang="en-US" dirty="0" smtClean="0"/>
-            </a:br>
-            <a:r>
-              <a:rPr lang="en-US" dirty="0" smtClean="0"/>
+              <a:rPr lang="en-US" sz="2400" dirty="0" err="1" smtClean="0"/>
+              <a:t>meter_index</a:t>
+            </a:r>
+            <a:r>
+              <a:rPr lang="en-US" sz="2400" dirty="0" smtClean="0"/>
+              <a:t>() {</a:t>
+            </a:r>
+            <a:br>
+              <a:rPr lang="en-US" sz="2400" dirty="0" smtClean="0"/>
+            </a:br>
+            <a:r>
+              <a:rPr lang="en-US" sz="2400" dirty="0" smtClean="0"/>
+              <a:t>   </a:t>
+            </a:r>
+            <a:r>
+              <a:rPr lang="en-US" sz="2400" dirty="0"/>
+              <a:t>actions = </a:t>
+            </a:r>
+            <a:r>
+              <a:rPr lang="en-US" sz="2400" dirty="0" smtClean="0"/>
+              <a:t>{ nop_0; }</a:t>
+            </a:r>
+            <a:br>
+              <a:rPr lang="en-US" sz="2400" dirty="0" smtClean="0"/>
+            </a:br>
+            <a:r>
+              <a:rPr lang="en-US" sz="2400" dirty="0" smtClean="0"/>
+              <a:t>    </a:t>
+            </a:r>
+            <a:r>
+              <a:rPr lang="en-US" sz="2400" dirty="0"/>
+              <a:t>key = </a:t>
+            </a:r>
+            <a:r>
+              <a:rPr lang="en-US" sz="2400" dirty="0" smtClean="0"/>
               <a:t>{</a:t>
             </a:r>
             <a:br>
-              <a:rPr lang="en-US" dirty="0" smtClean="0"/>
-            </a:br>
-            <a:r>
-              <a:rPr lang="en-US" dirty="0" smtClean="0"/>
-              <a:t>   if (</a:t>
-            </a:r>
-            <a:r>
-              <a:rPr lang="en-US" dirty="0" err="1" smtClean="0"/>
-              <a:t>parser_error</a:t>
-            </a:r>
-            <a:r>
-              <a:rPr lang="en-US" dirty="0" smtClean="0"/>
-              <a:t> == bad) { … }</a:t>
-            </a:r>
-            <a:r>
-              <a:rPr lang="en-US" dirty="0"/>
-              <a:t/>
-            </a:r>
-            <a:br>
-              <a:rPr lang="en-US" dirty="0"/>
-            </a:br>
-            <a:r>
-              <a:rPr lang="en-US" dirty="0" smtClean="0"/>
-              <a:t>} </a:t>
-            </a:r>
-            <a:endParaRPr lang="en-US" dirty="0"/>
-          </a:p>
-        </p:txBody>
-      </p:sp>
-      <p:sp>
-        <p:nvSpPr>
-          <p:cNvPr id="5" name="TextBox 4"/>
-          <p:cNvSpPr txBox="1"/>
-          <p:nvPr/>
-        </p:nvSpPr>
-        <p:spPr>
-          <a:xfrm>
-            <a:off x="3794650" y="6218169"/>
-            <a:ext cx="8052793" cy="461665"/>
-          </a:xfrm>
-          <a:prstGeom prst="rect">
-            <a:avLst/>
-          </a:prstGeom>
-          <a:noFill/>
-        </p:spPr>
-        <p:txBody>
-          <a:bodyPr wrap="square" rtlCol="0">
-            <a:spAutoFit/>
-          </a:bodyPr>
-          <a:lstStyle/>
-          <a:p>
-            <a:r>
-              <a:rPr lang="en-US" sz="2400" smtClean="0"/>
-              <a:t>Parser exceptions =&gt; transition to reject + setting error = assert</a:t>
+              <a:rPr lang="en-US" sz="2400" dirty="0" smtClean="0"/>
+            </a:br>
+            <a:r>
+              <a:rPr lang="en-US" sz="2400" dirty="0" smtClean="0"/>
+              <a:t>        </a:t>
+            </a:r>
+            <a:r>
+              <a:rPr lang="en-US" sz="2400" dirty="0" err="1" smtClean="0"/>
+              <a:t>meta.meter_index</a:t>
+            </a:r>
+            <a:r>
+              <a:rPr lang="en-US" sz="2400" dirty="0"/>
+              <a:t>: exact</a:t>
+            </a:r>
+            <a:r>
+              <a:rPr lang="en-US" sz="2400" dirty="0" smtClean="0"/>
+              <a:t>;</a:t>
+            </a:r>
+            <a:br>
+              <a:rPr lang="en-US" sz="2400" dirty="0" smtClean="0"/>
+            </a:br>
+            <a:r>
+              <a:rPr lang="en-US" sz="2400" dirty="0" smtClean="0"/>
+              <a:t>    }</a:t>
+            </a:r>
+            <a:br>
+              <a:rPr lang="en-US" sz="2400" dirty="0" smtClean="0"/>
+            </a:br>
+            <a:r>
+              <a:rPr lang="en-US" sz="2400" dirty="0" smtClean="0"/>
+              <a:t>    meters </a:t>
+            </a:r>
+            <a:r>
+              <a:rPr lang="en-US" sz="2400" dirty="0"/>
+              <a:t>= </a:t>
+            </a:r>
+            <a:r>
+              <a:rPr lang="en-US" sz="2400" dirty="0" smtClean="0"/>
+              <a:t>meter;</a:t>
+            </a:r>
+            <a:br>
+              <a:rPr lang="en-US" sz="2400" dirty="0" smtClean="0"/>
+            </a:br>
+            <a:r>
+              <a:rPr lang="en-US" sz="2400" dirty="0" smtClean="0"/>
+              <a:t>}</a:t>
             </a:r>
             <a:endParaRPr lang="en-US" sz="2400" dirty="0"/>
-          </a:p>
-        </p:txBody>
-      </p:sp>
-      <p:sp>
-        <p:nvSpPr>
-          <p:cNvPr id="6" name="TextBox 5"/>
-          <p:cNvSpPr txBox="1"/>
-          <p:nvPr/>
-        </p:nvSpPr>
-        <p:spPr>
-          <a:xfrm>
-            <a:off x="9190653" y="230188"/>
-            <a:ext cx="2247667" cy="369332"/>
-          </a:xfrm>
-          <a:prstGeom prst="rect">
-            <a:avLst/>
-          </a:prstGeom>
-          <a:noFill/>
-        </p:spPr>
-        <p:txBody>
-          <a:bodyPr wrap="none" rtlCol="0">
-            <a:spAutoFit/>
-          </a:bodyPr>
-          <a:lstStyle/>
-          <a:p>
-            <a:r>
-              <a:rPr lang="en-US" i="1" dirty="0" smtClean="0"/>
-              <a:t>no </a:t>
-            </a:r>
-            <a:r>
-              <a:rPr lang="en-US" i="1" smtClean="0"/>
-              <a:t>examples available</a:t>
-            </a:r>
-            <a:endParaRPr lang="en-US" i="1"/>
           </a:p>
         </p:txBody>
       </p:sp>
     </p:spTree>
     <p:extLst>
       <p:ext uri="{BB962C8B-B14F-4D97-AF65-F5344CB8AC3E}">
-        <p14:creationId xmlns:p14="http://schemas.microsoft.com/office/powerpoint/2010/main" val="610086410"/>
+        <p14:creationId xmlns:p14="http://schemas.microsoft.com/office/powerpoint/2010/main" val="554025417"/>
       </p:ext>
     </p:extLst>
   </p:cSld>
   <p:clrMapOvr>
     <a:masterClrMapping/>
   </p:clrMapOvr>
-  <p:timing>
-    <p:tnLst>
-      <p:par>
-        <p:cTn id="1" dur="indefinite" restart="never" nodeType="tmRoot"/>
-      </p:par>
-    </p:tnLst>
-  </p:timing>
 </p:sld>
 </file>
 
@@ -15814,27 +16918,21 @@
         </p:nvSpPr>
         <p:spPr/>
         <p:txBody>
-          <a:bodyPr/>
-          <a:lstStyle/>
-          <a:p>
-            <a:r>
-              <a:rPr lang="en-US" dirty="0" smtClean="0"/>
-              <a:t>Variable-sized headers</a:t>
-            </a:r>
-            <a:br>
-              <a:rPr lang="en-US" dirty="0" smtClean="0"/>
-            </a:br>
-            <a:r>
-              <a:rPr lang="en-US" dirty="0" smtClean="0"/>
-              <a:t>(length, </a:t>
-            </a:r>
-            <a:r>
-              <a:rPr lang="en-US" dirty="0" err="1" smtClean="0"/>
-              <a:t>max_length</a:t>
-            </a:r>
-            <a:r>
-              <a:rPr lang="en-US" dirty="0" smtClean="0"/>
-              <a:t>)</a:t>
+          <a:bodyPr>
+            <a:normAutofit/>
+          </a:bodyPr>
+          <a:lstStyle/>
+          <a:p>
+            <a:r>
+              <a:rPr lang="en-US" dirty="0" smtClean="0"/>
+              <a:t> </a:t>
+            </a:r>
+            <a:br>
+              <a:rPr lang="en-US" dirty="0" smtClean="0"/>
+            </a:br>
+            <a:r>
+              <a:rPr lang="en-US" dirty="0" smtClean="0"/>
+              <a:t>constructs not yet handled by tool</a:t>
             </a:r>
             <a:endParaRPr lang="en-US" dirty="0"/>
           </a:p>
@@ -15842,512 +16940,33 @@
       </p:sp>
       <p:sp>
         <p:nvSpPr>
-          <p:cNvPr id="3" name="Content Placeholder 2"/>
+          <p:cNvPr id="3" name="Text Placeholder 2"/>
           <p:cNvSpPr>
             <a:spLocks noGrp="1"/>
           </p:cNvSpPr>
           <p:nvPr>
-            <p:ph sz="half" idx="1"/>
+            <p:ph type="body" idx="1"/>
           </p:nvPr>
         </p:nvSpPr>
-        <p:spPr>
-          <a:xfrm>
-            <a:off x="838200" y="1825625"/>
-            <a:ext cx="4047067" cy="4351338"/>
-          </a:xfrm>
-          <a:solidFill>
-            <a:srgbClr val="FFFEE0"/>
-          </a:solidFill>
-        </p:spPr>
-        <p:txBody>
-          <a:bodyPr>
-            <a:normAutofit fontScale="92500" lnSpcReduction="20000"/>
-          </a:bodyPr>
-          <a:lstStyle/>
-          <a:p>
-            <a:pPr marL="0" indent="0">
-              <a:buNone/>
-            </a:pPr>
-            <a:r>
-              <a:rPr lang="en-US" b="1" dirty="0" err="1" smtClean="0"/>
-              <a:t>header_type</a:t>
-            </a:r>
-            <a:r>
-              <a:rPr lang="en-US" dirty="0" smtClean="0"/>
-              <a:t> h {</a:t>
-            </a:r>
-            <a:br>
-              <a:rPr lang="en-US" dirty="0" smtClean="0"/>
-            </a:br>
-            <a:r>
-              <a:rPr lang="en-US" dirty="0" smtClean="0"/>
-              <a:t>    </a:t>
-            </a:r>
-            <a:r>
-              <a:rPr lang="en-US" b="1" dirty="0" smtClean="0"/>
-              <a:t>fields</a:t>
-            </a:r>
-            <a:r>
-              <a:rPr lang="en-US" dirty="0" smtClean="0"/>
-              <a:t> {</a:t>
-            </a:r>
-            <a:br>
-              <a:rPr lang="en-US" dirty="0" smtClean="0"/>
-            </a:br>
-            <a:r>
-              <a:rPr lang="en-US" dirty="0" smtClean="0"/>
-              <a:t>        version         : 4;</a:t>
-            </a:r>
-            <a:br>
-              <a:rPr lang="en-US" dirty="0" smtClean="0"/>
-            </a:br>
-            <a:r>
-              <a:rPr lang="en-US" dirty="0" smtClean="0"/>
-              <a:t>        </a:t>
-            </a:r>
-            <a:r>
-              <a:rPr lang="en-US" dirty="0" err="1" smtClean="0"/>
-              <a:t>ihl</a:t>
-            </a:r>
-            <a:r>
-              <a:rPr lang="en-US" dirty="0" smtClean="0"/>
-              <a:t>                  : 4;</a:t>
-            </a:r>
-            <a:br>
-              <a:rPr lang="en-US" dirty="0" smtClean="0"/>
-            </a:br>
-            <a:r>
-              <a:rPr lang="en-US" dirty="0" smtClean="0"/>
-              <a:t>        options         : *; </a:t>
-            </a:r>
-            <a:br>
-              <a:rPr lang="en-US" dirty="0" smtClean="0"/>
-            </a:br>
-            <a:r>
-              <a:rPr lang="en-US" dirty="0" smtClean="0"/>
-              <a:t>    }</a:t>
-            </a:r>
-            <a:br>
-              <a:rPr lang="en-US" dirty="0" smtClean="0"/>
-            </a:br>
-            <a:r>
-              <a:rPr lang="en-US" dirty="0" smtClean="0"/>
-              <a:t>    length : </a:t>
-            </a:r>
-            <a:r>
-              <a:rPr lang="en-US" dirty="0" err="1" smtClean="0"/>
-              <a:t>ihl</a:t>
-            </a:r>
-            <a:r>
-              <a:rPr lang="en-US" dirty="0" smtClean="0"/>
-              <a:t> * 4;</a:t>
-            </a:r>
-            <a:br>
-              <a:rPr lang="en-US" dirty="0" smtClean="0"/>
-            </a:br>
-            <a:r>
-              <a:rPr lang="en-US" dirty="0" smtClean="0"/>
-              <a:t>    </a:t>
-            </a:r>
-            <a:r>
-              <a:rPr lang="en-US" dirty="0" err="1" smtClean="0"/>
-              <a:t>max_length</a:t>
-            </a:r>
-            <a:r>
-              <a:rPr lang="en-US" dirty="0" smtClean="0"/>
-              <a:t> : 60;</a:t>
-            </a:r>
-            <a:br>
-              <a:rPr lang="en-US" dirty="0" smtClean="0"/>
-            </a:br>
-            <a:r>
-              <a:rPr lang="en-US" dirty="0" smtClean="0"/>
-              <a:t>}</a:t>
-            </a:r>
-          </a:p>
-          <a:p>
-            <a:pPr marL="0" indent="0">
-              <a:buNone/>
-            </a:pPr>
-            <a:endParaRPr lang="en-US" dirty="0"/>
-          </a:p>
-        </p:txBody>
-      </p:sp>
-      <p:sp>
-        <p:nvSpPr>
-          <p:cNvPr id="4" name="Content Placeholder 3"/>
-          <p:cNvSpPr>
-            <a:spLocks noGrp="1"/>
-          </p:cNvSpPr>
-          <p:nvPr>
-            <p:ph sz="half" idx="2"/>
-          </p:nvPr>
-        </p:nvSpPr>
-        <p:spPr>
-          <a:xfrm>
-            <a:off x="5168900" y="1825624"/>
-            <a:ext cx="6184900" cy="4689475"/>
-          </a:xfrm>
-        </p:spPr>
-        <p:txBody>
-          <a:bodyPr>
-            <a:normAutofit fontScale="92500" lnSpcReduction="20000"/>
-          </a:bodyPr>
-          <a:lstStyle/>
-          <a:p>
-            <a:pPr marL="0" indent="0">
-              <a:buNone/>
-            </a:pPr>
-            <a:r>
-              <a:rPr lang="en-US" b="1" dirty="0" smtClean="0"/>
-              <a:t>header</a:t>
-            </a:r>
-            <a:r>
-              <a:rPr lang="en-US" dirty="0" smtClean="0"/>
-              <a:t> h {</a:t>
-            </a:r>
-            <a:br>
-              <a:rPr lang="en-US" dirty="0" smtClean="0"/>
-            </a:br>
-            <a:r>
-              <a:rPr lang="en-US" dirty="0" smtClean="0"/>
-              <a:t>   </a:t>
-            </a:r>
-            <a:r>
-              <a:rPr lang="en-US" b="1" dirty="0" smtClean="0"/>
-              <a:t>bit</a:t>
-            </a:r>
-            <a:r>
-              <a:rPr lang="en-US" dirty="0" smtClean="0"/>
-              <a:t>&lt;4&gt; version;</a:t>
-            </a:r>
-            <a:br>
-              <a:rPr lang="en-US" dirty="0" smtClean="0"/>
-            </a:br>
-            <a:r>
-              <a:rPr lang="en-US" dirty="0" smtClean="0"/>
-              <a:t>   </a:t>
-            </a:r>
-            <a:r>
-              <a:rPr lang="en-US" b="1" dirty="0" smtClean="0"/>
-              <a:t>bit</a:t>
-            </a:r>
-            <a:r>
-              <a:rPr lang="en-US" dirty="0" smtClean="0"/>
-              <a:t>&lt;4&gt; </a:t>
-            </a:r>
-            <a:r>
-              <a:rPr lang="en-US" dirty="0" err="1" smtClean="0"/>
-              <a:t>ihl</a:t>
-            </a:r>
-            <a:r>
-              <a:rPr lang="en-US" dirty="0" smtClean="0"/>
-              <a:t>;</a:t>
-            </a:r>
-            <a:br>
-              <a:rPr lang="en-US" dirty="0" smtClean="0"/>
-            </a:br>
-            <a:r>
-              <a:rPr lang="en-US" dirty="0" smtClean="0"/>
-              <a:t>}</a:t>
-            </a:r>
-          </a:p>
-          <a:p>
-            <a:pPr marL="0" indent="0">
-              <a:buNone/>
-            </a:pPr>
-            <a:r>
-              <a:rPr lang="en-US" b="1" dirty="0"/>
-              <a:t>h</a:t>
-            </a:r>
-            <a:r>
-              <a:rPr lang="en-US" b="1" dirty="0" smtClean="0"/>
-              <a:t>eader</a:t>
-            </a:r>
-            <a:r>
-              <a:rPr lang="en-US" dirty="0" smtClean="0"/>
-              <a:t> </a:t>
-            </a:r>
-            <a:r>
-              <a:rPr lang="en-US" dirty="0" err="1" smtClean="0"/>
-              <a:t>h_var</a:t>
-            </a:r>
-            <a:r>
-              <a:rPr lang="en-US" dirty="0" smtClean="0"/>
-              <a:t> {</a:t>
-            </a:r>
-            <a:br>
-              <a:rPr lang="en-US" dirty="0" smtClean="0"/>
-            </a:br>
-            <a:r>
-              <a:rPr lang="en-US" dirty="0" smtClean="0"/>
-              <a:t>   </a:t>
-            </a:r>
-            <a:r>
-              <a:rPr lang="en-US" b="1" dirty="0" err="1" smtClean="0"/>
-              <a:t>varbit</a:t>
-            </a:r>
-            <a:r>
-              <a:rPr lang="en-US" dirty="0" smtClean="0"/>
-              <a:t>&lt;48&gt; options;</a:t>
-            </a:r>
-            <a:br>
-              <a:rPr lang="en-US" dirty="0" smtClean="0"/>
-            </a:br>
-            <a:r>
-              <a:rPr lang="en-US" dirty="0" smtClean="0"/>
-              <a:t>}</a:t>
-            </a:r>
-          </a:p>
-          <a:p>
-            <a:pPr marL="0" indent="0">
-              <a:buNone/>
-            </a:pPr>
-            <a:r>
-              <a:rPr lang="en-US" b="1" dirty="0" smtClean="0"/>
-              <a:t>struct</a:t>
-            </a:r>
-            <a:r>
-              <a:rPr lang="en-US" dirty="0" smtClean="0"/>
-              <a:t> </a:t>
-            </a:r>
-            <a:r>
-              <a:rPr lang="en-US" dirty="0" err="1" smtClean="0"/>
-              <a:t>hdr</a:t>
-            </a:r>
-            <a:r>
-              <a:rPr lang="en-US" dirty="0" smtClean="0"/>
-              <a:t> { h top; </a:t>
-            </a:r>
-            <a:r>
-              <a:rPr lang="en-US" dirty="0" err="1" smtClean="0"/>
-              <a:t>h_var</a:t>
-            </a:r>
-            <a:r>
-              <a:rPr lang="en-US" dirty="0" smtClean="0"/>
-              <a:t> bot; }</a:t>
-            </a:r>
-          </a:p>
-          <a:p>
-            <a:pPr marL="0" indent="0">
-              <a:buNone/>
-            </a:pPr>
-            <a:r>
-              <a:rPr lang="en-US" b="1" dirty="0"/>
-              <a:t>p</a:t>
-            </a:r>
-            <a:r>
-              <a:rPr lang="en-US" b="1" dirty="0" smtClean="0"/>
-              <a:t>arser</a:t>
-            </a:r>
-            <a:r>
-              <a:rPr lang="en-US" dirty="0" smtClean="0"/>
-              <a:t> p (</a:t>
-            </a:r>
-            <a:r>
-              <a:rPr lang="en-US" dirty="0" err="1" smtClean="0"/>
-              <a:t>packet_in</a:t>
-            </a:r>
-            <a:r>
-              <a:rPr lang="en-US" dirty="0" smtClean="0"/>
-              <a:t> p, out </a:t>
-            </a:r>
-            <a:r>
-              <a:rPr lang="en-US" dirty="0" err="1" smtClean="0"/>
-              <a:t>hdr</a:t>
-            </a:r>
-            <a:r>
-              <a:rPr lang="en-US" dirty="0" smtClean="0"/>
-              <a:t> </a:t>
-            </a:r>
-            <a:r>
-              <a:rPr lang="en-US" dirty="0" err="1" smtClean="0"/>
-              <a:t>ph</a:t>
-            </a:r>
-            <a:r>
-              <a:rPr lang="en-US" dirty="0" smtClean="0"/>
-              <a:t>) {</a:t>
-            </a:r>
-            <a:br>
-              <a:rPr lang="en-US" dirty="0" smtClean="0"/>
-            </a:br>
-            <a:r>
-              <a:rPr lang="en-US" dirty="0" smtClean="0"/>
-              <a:t>   </a:t>
-            </a:r>
-            <a:r>
-              <a:rPr lang="en-US" b="1" dirty="0" smtClean="0"/>
-              <a:t>state</a:t>
-            </a:r>
-            <a:r>
-              <a:rPr lang="en-US" dirty="0" smtClean="0"/>
-              <a:t> s {</a:t>
-            </a:r>
-            <a:br>
-              <a:rPr lang="en-US" dirty="0" smtClean="0"/>
-            </a:br>
-            <a:r>
-              <a:rPr lang="en-US" dirty="0" smtClean="0"/>
-              <a:t>        </a:t>
-            </a:r>
-            <a:r>
-              <a:rPr lang="en-US" dirty="0" err="1" smtClean="0"/>
-              <a:t>p.extract</a:t>
-            </a:r>
-            <a:r>
-              <a:rPr lang="en-US" dirty="0" smtClean="0"/>
-              <a:t>(</a:t>
-            </a:r>
-            <a:r>
-              <a:rPr lang="en-US" dirty="0" err="1" smtClean="0"/>
-              <a:t>ph.top</a:t>
-            </a:r>
-            <a:r>
-              <a:rPr lang="en-US" dirty="0" smtClean="0"/>
-              <a:t>);</a:t>
-            </a:r>
-            <a:br>
-              <a:rPr lang="en-US" dirty="0" smtClean="0"/>
-            </a:br>
-            <a:r>
-              <a:rPr lang="en-US" dirty="0" smtClean="0"/>
-              <a:t>        </a:t>
-            </a:r>
-            <a:r>
-              <a:rPr lang="en-US" dirty="0" err="1" smtClean="0"/>
-              <a:t>p.extract</a:t>
-            </a:r>
-            <a:r>
-              <a:rPr lang="en-US" dirty="0" smtClean="0"/>
-              <a:t>(</a:t>
-            </a:r>
-            <a:r>
-              <a:rPr lang="en-US" dirty="0" err="1" smtClean="0"/>
-              <a:t>ph.bot</a:t>
-            </a:r>
-            <a:r>
-              <a:rPr lang="en-US" dirty="0" smtClean="0"/>
-              <a:t>, </a:t>
-            </a:r>
-            <a:r>
-              <a:rPr lang="en-US" dirty="0" err="1" smtClean="0"/>
-              <a:t>ph.top.ihl</a:t>
-            </a:r>
-            <a:r>
-              <a:rPr lang="en-US" dirty="0" smtClean="0"/>
-              <a:t> * 4 - 20);</a:t>
-            </a:r>
-            <a:br>
-              <a:rPr lang="en-US" dirty="0" smtClean="0"/>
-            </a:br>
-            <a:r>
-              <a:rPr lang="en-US" dirty="0" smtClean="0"/>
-              <a:t>        …</a:t>
-            </a:r>
-            <a:r>
-              <a:rPr lang="en-US" dirty="0"/>
-              <a:t> </a:t>
-            </a:r>
-            <a:r>
-              <a:rPr lang="en-US" dirty="0" smtClean="0"/>
-              <a:t/>
-            </a:r>
-            <a:br>
-              <a:rPr lang="en-US" dirty="0" smtClean="0"/>
-            </a:br>
-            <a:r>
-              <a:rPr lang="en-US" dirty="0" smtClean="0"/>
-              <a:t>}}</a:t>
-            </a:r>
-            <a:endParaRPr lang="en-US" dirty="0"/>
-          </a:p>
-        </p:txBody>
-      </p:sp>
-      <p:sp>
-        <p:nvSpPr>
-          <p:cNvPr id="5" name="TextBox 4"/>
-          <p:cNvSpPr txBox="1"/>
-          <p:nvPr/>
-        </p:nvSpPr>
-        <p:spPr>
-          <a:xfrm>
-            <a:off x="5473148" y="6311900"/>
-            <a:ext cx="6718852" cy="461665"/>
-          </a:xfrm>
-          <a:prstGeom prst="rect">
-            <a:avLst/>
-          </a:prstGeom>
-          <a:noFill/>
-        </p:spPr>
-        <p:txBody>
-          <a:bodyPr wrap="square" rtlCol="0">
-            <a:spAutoFit/>
-          </a:bodyPr>
-          <a:lstStyle/>
-          <a:p>
-            <a:r>
-              <a:rPr lang="en-US" sz="2400" dirty="0" smtClean="0"/>
-              <a:t>Low-level implementation of @</a:t>
-            </a:r>
-            <a:r>
-              <a:rPr lang="en-US" sz="2400" smtClean="0"/>
-              <a:t>length annotation.</a:t>
-            </a:r>
-            <a:endParaRPr lang="en-US" sz="2400" dirty="0"/>
-          </a:p>
-        </p:txBody>
-      </p:sp>
-      <p:sp>
-        <p:nvSpPr>
-          <p:cNvPr id="6" name="TextBox 5"/>
-          <p:cNvSpPr txBox="1"/>
-          <p:nvPr/>
-        </p:nvSpPr>
-        <p:spPr>
-          <a:xfrm>
-            <a:off x="9190653" y="230188"/>
-            <a:ext cx="2247667" cy="369332"/>
-          </a:xfrm>
-          <a:prstGeom prst="rect">
-            <a:avLst/>
-          </a:prstGeom>
-          <a:noFill/>
-        </p:spPr>
-        <p:txBody>
-          <a:bodyPr wrap="none" rtlCol="0">
-            <a:spAutoFit/>
-          </a:bodyPr>
-          <a:lstStyle/>
-          <a:p>
-            <a:r>
-              <a:rPr lang="en-US" i="1" dirty="0" smtClean="0"/>
-              <a:t>no </a:t>
-            </a:r>
-            <a:r>
-              <a:rPr lang="en-US" i="1" smtClean="0"/>
-              <a:t>examples available</a:t>
-            </a:r>
-            <a:endParaRPr lang="en-US" i="1"/>
+        <p:spPr/>
+        <p:txBody>
+          <a:bodyPr/>
+          <a:lstStyle/>
+          <a:p>
+            <a:endParaRPr lang="en-US"/>
           </a:p>
         </p:txBody>
       </p:sp>
     </p:spTree>
     <p:extLst>
       <p:ext uri="{BB962C8B-B14F-4D97-AF65-F5344CB8AC3E}">
-        <p14:creationId xmlns:p14="http://schemas.microsoft.com/office/powerpoint/2010/main" val="677498914"/>
+        <p14:creationId xmlns:p14="http://schemas.microsoft.com/office/powerpoint/2010/main" val="1685362578"/>
       </p:ext>
     </p:extLst>
   </p:cSld>
   <p:clrMapOvr>
     <a:masterClrMapping/>
   </p:clrMapOvr>
-  <p:timing>
-    <p:tnLst>
-      <p:par>
-        <p:cTn id="1" dur="indefinite" restart="never" nodeType="tmRoot"/>
-      </p:par>
-    </p:tnLst>
-  </p:timing>
 </p:sld>
 </file>
 
@@ -16385,7 +17004,7 @@
           <a:p>
             <a:r>
               <a:rPr lang="en-US" dirty="0" smtClean="0"/>
-              <a:t>truncate</a:t>
+              <a:t>Pragmas</a:t>
             </a:r>
             <a:endParaRPr lang="en-US" dirty="0"/>
           </a:p>
@@ -16401,15 +17020,7 @@
             <p:ph sz="half" idx="1"/>
           </p:nvPr>
         </p:nvSpPr>
-        <p:spPr>
-          <a:xfrm>
-            <a:off x="838200" y="1757892"/>
-            <a:ext cx="4724400" cy="4351338"/>
-          </a:xfrm>
-          <a:solidFill>
-            <a:srgbClr val="FFFEE0"/>
-          </a:solidFill>
-        </p:spPr>
+        <p:spPr/>
         <p:txBody>
           <a:bodyPr/>
           <a:lstStyle/>
@@ -16418,13 +17029,44 @@
               <a:buNone/>
             </a:pPr>
             <a:r>
+              <a:rPr lang="en-US" dirty="0" smtClean="0"/>
+              <a:t>@</a:t>
+            </a:r>
+            <a:r>
               <a:rPr lang="en-US" b="1" dirty="0" smtClean="0"/>
-              <a:t>truncate</a:t>
-            </a:r>
-            <a:r>
-              <a:rPr lang="en-US" dirty="0" smtClean="0"/>
-              <a:t>(size)</a:t>
-            </a:r>
+              <a:t>pragma</a:t>
+            </a:r>
+            <a:r>
+              <a:rPr lang="en-US" dirty="0" smtClean="0"/>
+              <a:t> p</a:t>
+            </a:r>
+          </a:p>
+          <a:p>
+            <a:pPr marL="0" indent="0">
+              <a:buNone/>
+            </a:pPr>
+            <a:r>
+              <a:rPr lang="en-US" dirty="0" smtClean="0"/>
+              <a:t>@</a:t>
+            </a:r>
+            <a:r>
+              <a:rPr lang="en-US" b="1" dirty="0" smtClean="0"/>
+              <a:t>pragma</a:t>
+            </a:r>
+            <a:r>
+              <a:rPr lang="en-US" dirty="0" smtClean="0"/>
+              <a:t> p </a:t>
+            </a:r>
+            <a:r>
+              <a:rPr lang="en-US" dirty="0" err="1" smtClean="0"/>
+              <a:t>extra_info</a:t>
+            </a:r>
+            <a:endParaRPr lang="en-US" dirty="0" smtClean="0"/>
+          </a:p>
+          <a:p>
+            <a:pPr marL="0" indent="0">
+              <a:buNone/>
+            </a:pPr>
             <a:endParaRPr lang="en-US" dirty="0"/>
           </a:p>
         </p:txBody>
@@ -16439,209 +17081,84 @@
             <p:ph sz="half" idx="2"/>
           </p:nvPr>
         </p:nvSpPr>
-        <p:spPr/>
-        <p:txBody>
-          <a:bodyPr/>
-          <a:lstStyle/>
-          <a:p>
-            <a:pPr marL="0" indent="0">
-              <a:buNone/>
-            </a:pPr>
-            <a:r>
-              <a:rPr lang="fi-FI" b="1" dirty="0" err="1" smtClean="0"/>
-              <a:t>extern</a:t>
-            </a:r>
-            <a:r>
-              <a:rPr lang="fi-FI" dirty="0" smtClean="0"/>
-              <a:t> </a:t>
-            </a:r>
-            <a:r>
-              <a:rPr lang="fi-FI" dirty="0" err="1" smtClean="0"/>
-              <a:t>packet_out</a:t>
-            </a:r>
-            <a:r>
-              <a:rPr lang="fi-FI" dirty="0" smtClean="0"/>
-              <a:t/>
-            </a:r>
-            <a:br>
-              <a:rPr lang="fi-FI" dirty="0" smtClean="0"/>
-            </a:br>
-            <a:r>
-              <a:rPr lang="fi-FI" dirty="0" smtClean="0"/>
-              <a:t>{</a:t>
-            </a:r>
-            <a:br>
-              <a:rPr lang="fi-FI" dirty="0" smtClean="0"/>
-            </a:br>
-            <a:r>
-              <a:rPr lang="fi-FI" dirty="0" smtClean="0"/>
-              <a:t>    </a:t>
-            </a:r>
-            <a:r>
-              <a:rPr lang="fi-FI" b="1" dirty="0" err="1" smtClean="0"/>
-              <a:t>void</a:t>
-            </a:r>
-            <a:r>
-              <a:rPr lang="fi-FI" dirty="0" smtClean="0"/>
-              <a:t> emit&lt;T&gt;(</a:t>
-            </a:r>
-            <a:r>
-              <a:rPr lang="fi-FI" b="1" dirty="0" smtClean="0"/>
-              <a:t>in</a:t>
-            </a:r>
-            <a:r>
-              <a:rPr lang="fi-FI" dirty="0" smtClean="0"/>
-              <a:t> T </a:t>
-            </a:r>
-            <a:r>
-              <a:rPr lang="fi-FI" dirty="0" err="1" smtClean="0"/>
-              <a:t>hdr</a:t>
-            </a:r>
-            <a:r>
-              <a:rPr lang="fi-FI" dirty="0" smtClean="0"/>
-              <a:t>);</a:t>
-            </a:r>
-            <a:br>
-              <a:rPr lang="fi-FI" dirty="0" smtClean="0"/>
-            </a:br>
-            <a:r>
-              <a:rPr lang="fi-FI" dirty="0" smtClean="0"/>
-              <a:t>    </a:t>
-            </a:r>
-            <a:r>
-              <a:rPr lang="fi-FI" b="1" dirty="0" err="1" smtClean="0"/>
-              <a:t>void</a:t>
-            </a:r>
-            <a:r>
-              <a:rPr lang="fi-FI" dirty="0" smtClean="0"/>
-              <a:t> </a:t>
-            </a:r>
-            <a:r>
-              <a:rPr lang="fi-FI" dirty="0" err="1" smtClean="0"/>
-              <a:t>truncate</a:t>
-            </a:r>
-            <a:r>
-              <a:rPr lang="fi-FI" dirty="0" smtClean="0"/>
-              <a:t>(</a:t>
-            </a:r>
-            <a:r>
-              <a:rPr lang="fi-FI" b="1" dirty="0" smtClean="0"/>
-              <a:t>in </a:t>
-            </a:r>
-            <a:r>
-              <a:rPr lang="fi-FI" dirty="0" err="1" smtClean="0"/>
-              <a:t>bit</a:t>
-            </a:r>
-            <a:r>
-              <a:rPr lang="fi-FI" dirty="0" smtClean="0"/>
-              <a:t>&lt;32&gt; </a:t>
-            </a:r>
-            <a:r>
-              <a:rPr lang="fi-FI" dirty="0" err="1" smtClean="0"/>
-              <a:t>size</a:t>
-            </a:r>
-            <a:r>
-              <a:rPr lang="fi-FI" dirty="0" smtClean="0"/>
-              <a:t>);</a:t>
-            </a:r>
-            <a:br>
-              <a:rPr lang="fi-FI" dirty="0" smtClean="0"/>
-            </a:br>
-            <a:r>
-              <a:rPr lang="fi-FI" dirty="0" smtClean="0"/>
-              <a:t>}</a:t>
-            </a:r>
-          </a:p>
-          <a:p>
-            <a:pPr marL="0" indent="0">
-              <a:buNone/>
-            </a:pPr>
-            <a:endParaRPr lang="en-US" dirty="0"/>
-          </a:p>
-        </p:txBody>
-      </p:sp>
-      <p:sp>
-        <p:nvSpPr>
-          <p:cNvPr id="5" name="TextBox 4"/>
-          <p:cNvSpPr txBox="1"/>
-          <p:nvPr/>
-        </p:nvSpPr>
         <p:spPr>
           <a:xfrm>
-            <a:off x="6172200" y="5896401"/>
-            <a:ext cx="5476461" cy="830997"/>
+            <a:off x="6172199" y="1825625"/>
+            <a:ext cx="5608983" cy="4351338"/>
           </a:xfrm>
-          <a:prstGeom prst="rect">
-            <a:avLst/>
-          </a:prstGeom>
-          <a:noFill/>
         </p:spPr>
         <p:txBody>
-          <a:bodyPr wrap="square" rtlCol="0">
-            <a:spAutoFit/>
-          </a:bodyPr>
-          <a:lstStyle/>
-          <a:p>
-            <a:r>
-              <a:rPr lang="en-US" sz="2400" dirty="0" smtClean="0"/>
-              <a:t>Truncate can be a </a:t>
-            </a:r>
-            <a:r>
-              <a:rPr lang="en-US" sz="2400" dirty="0" err="1" smtClean="0"/>
-              <a:t>packet_out</a:t>
-            </a:r>
-            <a:r>
-              <a:rPr lang="en-US" sz="2400" dirty="0" smtClean="0"/>
-              <a:t> method.</a:t>
-            </a:r>
-          </a:p>
-          <a:p>
-            <a:r>
-              <a:rPr lang="en-US" sz="2400" dirty="0" smtClean="0"/>
-              <a:t>Can also be implemented with an extern.</a:t>
-            </a:r>
-            <a:endParaRPr lang="en-US" sz="2400" dirty="0"/>
-          </a:p>
-        </p:txBody>
-      </p:sp>
-      <p:sp>
-        <p:nvSpPr>
-          <p:cNvPr id="6" name="TextBox 5"/>
-          <p:cNvSpPr txBox="1"/>
-          <p:nvPr/>
-        </p:nvSpPr>
-        <p:spPr>
-          <a:xfrm>
-            <a:off x="9190653" y="230188"/>
-            <a:ext cx="2247667" cy="369332"/>
-          </a:xfrm>
-          <a:prstGeom prst="rect">
-            <a:avLst/>
-          </a:prstGeom>
-          <a:noFill/>
-        </p:spPr>
-        <p:txBody>
-          <a:bodyPr wrap="none" rtlCol="0">
-            <a:spAutoFit/>
-          </a:bodyPr>
-          <a:lstStyle/>
-          <a:p>
-            <a:r>
-              <a:rPr lang="en-US" i="1" dirty="0" smtClean="0"/>
-              <a:t>no </a:t>
-            </a:r>
-            <a:r>
-              <a:rPr lang="en-US" i="1" smtClean="0"/>
-              <a:t>examples available</a:t>
-            </a:r>
-            <a:endParaRPr lang="en-US" i="1"/>
+          <a:bodyPr/>
+          <a:lstStyle/>
+          <a:p>
+            <a:pPr marL="0" indent="0">
+              <a:buNone/>
+            </a:pPr>
+            <a:r>
+              <a:rPr lang="en-US" dirty="0" smtClean="0"/>
+              <a:t>@p</a:t>
+            </a:r>
+          </a:p>
+          <a:p>
+            <a:pPr marL="0" indent="0">
+              <a:buNone/>
+            </a:pPr>
+            <a:r>
+              <a:rPr lang="en-US" dirty="0" smtClean="0"/>
+              <a:t>@p(</a:t>
+            </a:r>
+            <a:r>
+              <a:rPr lang="en-US" dirty="0" err="1" smtClean="0"/>
+              <a:t>extra_info</a:t>
+            </a:r>
+            <a:r>
+              <a:rPr lang="en-US" dirty="0" smtClean="0"/>
+              <a:t>)</a:t>
+            </a:r>
+          </a:p>
+          <a:p>
+            <a:pPr marL="0" indent="0">
+              <a:buNone/>
+            </a:pPr>
+            <a:endParaRPr lang="en-US" dirty="0"/>
+          </a:p>
+          <a:p>
+            <a:r>
+              <a:rPr lang="en-US" dirty="0" smtClean="0"/>
+              <a:t>Annotations can be only attached to some language elements.</a:t>
+            </a:r>
+          </a:p>
+          <a:p>
+            <a:r>
+              <a:rPr lang="en-US" dirty="0" err="1"/>
+              <a:t>e</a:t>
+            </a:r>
+            <a:r>
+              <a:rPr lang="en-US" dirty="0" err="1" smtClean="0"/>
+              <a:t>xtra_info</a:t>
+            </a:r>
+            <a:r>
+              <a:rPr lang="en-US" dirty="0" smtClean="0"/>
+              <a:t> must be an expression which is type-checked</a:t>
+            </a:r>
+          </a:p>
+          <a:p>
+            <a:r>
+              <a:rPr lang="en-US" dirty="0"/>
+              <a:t>W</a:t>
+            </a:r>
+            <a:r>
+              <a:rPr lang="en-US" dirty="0" smtClean="0"/>
+              <a:t>e may still need pragmas</a:t>
+            </a:r>
+            <a:endParaRPr lang="en-US" dirty="0"/>
           </a:p>
         </p:txBody>
       </p:sp>
     </p:spTree>
     <p:extLst>
       <p:ext uri="{BB962C8B-B14F-4D97-AF65-F5344CB8AC3E}">
-        <p14:creationId xmlns:p14="http://schemas.microsoft.com/office/powerpoint/2010/main" val="513884653"/>
+        <p14:creationId xmlns:p14="http://schemas.microsoft.com/office/powerpoint/2010/main" val="847957844"/>
       </p:ext>
     </p:extLst>
   </p:cSld>
@@ -16685,36 +17202,37 @@
             <p:ph type="title"/>
           </p:nvPr>
         </p:nvSpPr>
-        <p:spPr>
-          <a:xfrm>
-            <a:off x="266700" y="365125"/>
-            <a:ext cx="11620500" cy="1325563"/>
-          </a:xfrm>
-        </p:spPr>
-        <p:txBody>
-          <a:bodyPr>
-            <a:normAutofit fontScale="90000"/>
-          </a:bodyPr>
-          <a:lstStyle/>
-          <a:p>
-            <a:r>
-              <a:rPr lang="en-US" dirty="0" smtClean="0"/>
-              <a:t>Extern </a:t>
-            </a:r>
-            <a:br>
-              <a:rPr lang="en-US" dirty="0" smtClean="0"/>
-            </a:br>
-            <a:r>
-              <a:rPr lang="en-US" dirty="0" smtClean="0"/>
-              <a:t>(extern, </a:t>
-            </a:r>
-            <a:r>
-              <a:rPr lang="en-US" dirty="0" err="1" smtClean="0"/>
-              <a:t>extern_type</a:t>
-            </a:r>
-            <a:r>
-              <a:rPr lang="en-US" dirty="0" smtClean="0"/>
-              <a:t>, method, attribute, type, optional)</a:t>
+        <p:spPr/>
+        <p:txBody>
+          <a:bodyPr/>
+          <a:lstStyle/>
+          <a:p>
+            <a:r>
+              <a:rPr lang="en-US" dirty="0" smtClean="0"/>
+              <a:t>Parser exceptions</a:t>
+            </a:r>
+            <a:br>
+              <a:rPr lang="en-US" dirty="0" smtClean="0"/>
+            </a:br>
+            <a:r>
+              <a:rPr lang="en-US" dirty="0" smtClean="0"/>
+              <a:t>(</a:t>
+            </a:r>
+            <a:r>
+              <a:rPr lang="en-US" dirty="0" err="1" smtClean="0"/>
+              <a:t>parse_error</a:t>
+            </a:r>
+            <a:r>
+              <a:rPr lang="en-US" dirty="0" smtClean="0"/>
+              <a:t>, </a:t>
+            </a:r>
+            <a:r>
+              <a:rPr lang="en-US" dirty="0" err="1" smtClean="0"/>
+              <a:t>parser_exception</a:t>
+            </a:r>
+            <a:r>
+              <a:rPr lang="en-US" dirty="0" smtClean="0"/>
+              <a:t>)</a:t>
             </a:r>
             <a:endParaRPr lang="en-US" dirty="0"/>
           </a:p>
@@ -16733,7 +17251,7 @@
         <p:spPr>
           <a:xfrm>
             <a:off x="838200" y="1825625"/>
-            <a:ext cx="4936067" cy="4351338"/>
+            <a:ext cx="4411133" cy="4351338"/>
           </a:xfrm>
           <a:solidFill>
             <a:srgbClr val="FFFEE0"/>
@@ -16749,12 +17267,76 @@
               <a:buNone/>
             </a:pPr>
             <a:r>
+              <a:rPr lang="en-US" b="1" dirty="0" smtClean="0"/>
+              <a:t>state</a:t>
+            </a:r>
+            <a:r>
+              <a:rPr lang="en-US" dirty="0" smtClean="0"/>
+              <a:t> s {</a:t>
+            </a:r>
+            <a:br>
+              <a:rPr lang="en-US" dirty="0" smtClean="0"/>
+            </a:br>
+            <a:r>
+              <a:rPr lang="en-US" dirty="0" smtClean="0"/>
+              <a:t>   </a:t>
+            </a:r>
+            <a:r>
               <a:rPr lang="en-US" b="1" dirty="0" err="1" smtClean="0"/>
-              <a:t>extern_type</a:t>
-            </a:r>
-            <a:r>
-              <a:rPr lang="en-US" dirty="0" smtClean="0"/>
-              <a:t> et {</a:t>
+              <a:t>parse_error</a:t>
+            </a:r>
+            <a:r>
+              <a:rPr lang="en-US" dirty="0" smtClean="0"/>
+              <a:t> </a:t>
+            </a:r>
+            <a:r>
+              <a:rPr lang="en-US" dirty="0" err="1" smtClean="0"/>
+              <a:t>exc</a:t>
+            </a:r>
+            <a:r>
+              <a:rPr lang="en-US" dirty="0" smtClean="0"/>
+              <a:t>;</a:t>
+            </a:r>
+            <a:br>
+              <a:rPr lang="en-US" dirty="0" smtClean="0"/>
+            </a:br>
+            <a:r>
+              <a:rPr lang="en-US" dirty="0" smtClean="0"/>
+              <a:t>}</a:t>
+            </a:r>
+          </a:p>
+          <a:p>
+            <a:pPr marL="0" indent="0">
+              <a:buNone/>
+            </a:pPr>
+            <a:endParaRPr lang="en-US" dirty="0"/>
+          </a:p>
+          <a:p>
+            <a:pPr marL="0" indent="0">
+              <a:buNone/>
+            </a:pPr>
+            <a:r>
+              <a:rPr lang="en-US" b="1" dirty="0" err="1" smtClean="0"/>
+              <a:t>parser_exception</a:t>
+            </a:r>
+            <a:r>
+              <a:rPr lang="en-US" dirty="0" smtClean="0"/>
+              <a:t> </a:t>
+            </a:r>
+            <a:r>
+              <a:rPr lang="en-US" dirty="0" err="1" smtClean="0"/>
+              <a:t>exc</a:t>
+            </a:r>
+            <a:r>
+              <a:rPr lang="en-US" dirty="0" smtClean="0"/>
+              <a:t/>
+            </a:r>
+            <a:br>
+              <a:rPr lang="en-US" dirty="0" smtClean="0"/>
+            </a:br>
+            <a:r>
+              <a:rPr lang="en-US" dirty="0" smtClean="0"/>
+              <a:t>{</a:t>
             </a:r>
             <a:br>
               <a:rPr lang="en-US" dirty="0" smtClean="0"/>
@@ -16764,133 +17346,35 @@
               <a:t>   </a:t>
             </a:r>
             <a:r>
+              <a:rPr lang="en-US" b="1" dirty="0" err="1" smtClean="0"/>
+              <a:t>set_metadata</a:t>
+            </a:r>
+            <a:r>
+              <a:rPr lang="en-US" dirty="0" smtClean="0"/>
+              <a:t>(</a:t>
+            </a:r>
+            <a:r>
+              <a:rPr lang="en-US" dirty="0" err="1" smtClean="0"/>
+              <a:t>x.err</a:t>
+            </a:r>
+            <a:r>
+              <a:rPr lang="en-US" dirty="0" smtClean="0"/>
+              <a:t>, 1);</a:t>
+            </a:r>
+            <a:br>
+              <a:rPr lang="en-US" dirty="0" smtClean="0"/>
+            </a:br>
+            <a:r>
+              <a:rPr lang="en-US" dirty="0" smtClean="0"/>
+              <a:t>   </a:t>
+            </a:r>
+            <a:r>
               <a:rPr lang="en-US" b="1" dirty="0" smtClean="0"/>
-              <a:t>attribute</a:t>
-            </a:r>
-            <a:r>
-              <a:rPr lang="en-US" dirty="0" smtClean="0"/>
-              <a:t> </a:t>
-            </a:r>
-            <a:r>
-              <a:rPr lang="en-US" dirty="0"/>
-              <a:t>size </a:t>
-            </a:r>
-            <a:r>
-              <a:rPr lang="en-US" dirty="0" smtClean="0"/>
-              <a:t>{</a:t>
-            </a:r>
-            <a:br>
-              <a:rPr lang="en-US" dirty="0" smtClean="0"/>
-            </a:br>
-            <a:r>
-              <a:rPr lang="en-US" dirty="0" smtClean="0"/>
-              <a:t>     </a:t>
-            </a:r>
-            <a:r>
-              <a:rPr lang="en-US" b="1" dirty="0" smtClean="0"/>
-              <a:t>type</a:t>
-            </a:r>
-            <a:r>
-              <a:rPr lang="en-US" dirty="0"/>
-              <a:t>: </a:t>
-            </a:r>
-            <a:r>
-              <a:rPr lang="en-US" b="1" dirty="0" err="1" smtClean="0"/>
-              <a:t>int</a:t>
-            </a:r>
-            <a:r>
-              <a:rPr lang="en-US" dirty="0" smtClean="0"/>
-              <a:t>;</a:t>
-            </a:r>
-            <a:br>
-              <a:rPr lang="en-US" dirty="0" smtClean="0"/>
-            </a:br>
-            <a:r>
-              <a:rPr lang="en-US" dirty="0" smtClean="0"/>
-              <a:t>     </a:t>
-            </a:r>
-            <a:r>
-              <a:rPr lang="en-US" b="1" dirty="0" smtClean="0"/>
-              <a:t>optional</a:t>
-            </a:r>
-            <a:r>
-              <a:rPr lang="en-US" dirty="0" smtClean="0"/>
-              <a:t>;</a:t>
-            </a:r>
-            <a:br>
-              <a:rPr lang="en-US" dirty="0" smtClean="0"/>
-            </a:br>
-            <a:r>
-              <a:rPr lang="en-US" dirty="0" smtClean="0"/>
-              <a:t>   }</a:t>
-            </a:r>
-          </a:p>
-          <a:p>
-            <a:pPr marL="0" indent="0">
-              <a:buNone/>
-            </a:pPr>
-            <a:r>
-              <a:rPr lang="en-US" dirty="0"/>
-              <a:t> </a:t>
-            </a:r>
-            <a:r>
-              <a:rPr lang="en-US" dirty="0" smtClean="0"/>
-              <a:t>  </a:t>
-            </a:r>
-            <a:r>
-              <a:rPr lang="en-US" b="1" dirty="0" smtClean="0"/>
-              <a:t>method</a:t>
-            </a:r>
-            <a:r>
-              <a:rPr lang="en-US" dirty="0" smtClean="0"/>
-              <a:t> x(</a:t>
-            </a:r>
-            <a:r>
-              <a:rPr lang="en-US" b="1" dirty="0" smtClean="0"/>
-              <a:t>in</a:t>
-            </a:r>
-            <a:r>
-              <a:rPr lang="en-US" dirty="0" smtClean="0"/>
-              <a:t> </a:t>
-            </a:r>
-            <a:r>
-              <a:rPr lang="en-US" b="1" dirty="0" smtClean="0"/>
-              <a:t>bit</a:t>
-            </a:r>
-            <a:r>
-              <a:rPr lang="en-US" dirty="0" smtClean="0"/>
-              <a:t> </a:t>
-            </a:r>
-            <a:r>
-              <a:rPr lang="en-US" dirty="0" err="1" smtClean="0"/>
-              <a:t>arg</a:t>
-            </a:r>
-            <a:r>
-              <a:rPr lang="en-US" dirty="0" smtClean="0"/>
-              <a:t>);</a:t>
-            </a:r>
-            <a:br>
-              <a:rPr lang="en-US" dirty="0" smtClean="0"/>
-            </a:br>
-            <a:r>
-              <a:rPr lang="en-US" dirty="0" smtClean="0"/>
-              <a:t>   </a:t>
-            </a:r>
-            <a:r>
-              <a:rPr lang="en-US" b="1" dirty="0" smtClean="0"/>
-              <a:t>method</a:t>
-            </a:r>
-            <a:r>
-              <a:rPr lang="en-US" dirty="0" smtClean="0"/>
-              <a:t> y(</a:t>
-            </a:r>
-            <a:r>
-              <a:rPr lang="en-US" b="1" dirty="0" smtClean="0"/>
-              <a:t>out bit </a:t>
-            </a:r>
-            <a:r>
-              <a:rPr lang="en-US" dirty="0" smtClean="0"/>
-              <a:t>res);</a:t>
+              <a:t>return</a:t>
+            </a:r>
+            <a:r>
+              <a:rPr lang="en-US" dirty="0" smtClean="0"/>
+              <a:t> ingress;</a:t>
             </a:r>
             <a:br>
               <a:rPr lang="en-US" dirty="0" smtClean="0"/>
@@ -16904,20 +17388,6 @@
             <a:pPr marL="0" indent="0">
               <a:buNone/>
             </a:pPr>
-            <a:endParaRPr lang="en-US" dirty="0" smtClean="0"/>
-          </a:p>
-          <a:p>
-            <a:pPr marL="0" indent="0">
-              <a:buNone/>
-            </a:pPr>
-            <a:r>
-              <a:rPr lang="en-US" b="1" dirty="0" smtClean="0"/>
-              <a:t>extern</a:t>
-            </a:r>
-            <a:r>
-              <a:rPr lang="en-US" dirty="0" smtClean="0"/>
-              <a:t> et e { size : 54 };</a:t>
-            </a:r>
             <a:endParaRPr lang="en-US" dirty="0"/>
           </a:p>
         </p:txBody>
@@ -16934,8 +17404,8 @@
         </p:nvSpPr>
         <p:spPr>
           <a:xfrm>
-            <a:off x="6172200" y="1825624"/>
-            <a:ext cx="5181600" cy="4747453"/>
+            <a:off x="5436705" y="1825625"/>
+            <a:ext cx="6410738" cy="4351338"/>
           </a:xfrm>
         </p:spPr>
         <p:txBody>
@@ -16948,45 +17418,12 @@
               <a:buNone/>
             </a:pPr>
             <a:r>
-              <a:rPr lang="en-US" b="1" dirty="0"/>
-              <a:t>e</a:t>
-            </a:r>
-            <a:r>
               <a:rPr lang="en-US" b="1" dirty="0" smtClean="0"/>
-              <a:t>xtern</a:t>
-            </a:r>
-            <a:r>
-              <a:rPr lang="en-US" dirty="0" smtClean="0"/>
-              <a:t> et {</a:t>
-            </a:r>
-            <a:br>
-              <a:rPr lang="en-US" dirty="0" smtClean="0"/>
-            </a:br>
-            <a:r>
-              <a:rPr lang="en-US" dirty="0" smtClean="0"/>
-              <a:t>   et(</a:t>
-            </a:r>
-            <a:r>
-              <a:rPr lang="en-US" b="1" dirty="0" err="1" smtClean="0"/>
-              <a:t>int</a:t>
-            </a:r>
-            <a:r>
-              <a:rPr lang="en-US" dirty="0" smtClean="0"/>
-              <a:t> size);</a:t>
-            </a:r>
-            <a:br>
-              <a:rPr lang="en-US" dirty="0" smtClean="0"/>
-            </a:br>
-            <a:r>
-              <a:rPr lang="en-US" dirty="0" smtClean="0"/>
-              <a:t>   et();</a:t>
-            </a:r>
-            <a:br>
-              <a:rPr lang="en-US" dirty="0" smtClean="0"/>
-            </a:br>
-            <a:r>
-              <a:rPr lang="en-US" dirty="0" smtClean="0"/>
-              <a:t>   </a:t>
+              <a:t>extern</a:t>
+            </a:r>
+            <a:r>
+              <a:rPr lang="en-US" dirty="0" smtClean="0"/>
+              <a:t> </a:t>
             </a:r>
             <a:r>
               <a:rPr lang="en-US" b="1" dirty="0" smtClean="0"/>
@@ -16994,7 +17431,93 @@
             </a:r>
             <a:r>
               <a:rPr lang="en-US" dirty="0" smtClean="0"/>
-              <a:t> x(</a:t>
+              <a:t> assert(</a:t>
+            </a:r>
+            <a:r>
+              <a:rPr lang="en-US" b="1" dirty="0" err="1" smtClean="0"/>
+              <a:t>bool</a:t>
+            </a:r>
+            <a:r>
+              <a:rPr lang="en-US" dirty="0" smtClean="0"/>
+              <a:t> </a:t>
+            </a:r>
+            <a:r>
+              <a:rPr lang="en-US" dirty="0" err="1" smtClean="0"/>
+              <a:t>cond</a:t>
+            </a:r>
+            <a:r>
+              <a:rPr lang="en-US" dirty="0" smtClean="0"/>
+              <a:t>, </a:t>
+            </a:r>
+            <a:r>
+              <a:rPr lang="en-US" b="1" dirty="0" smtClean="0"/>
+              <a:t>error</a:t>
+            </a:r>
+            <a:r>
+              <a:rPr lang="en-US" dirty="0" smtClean="0"/>
+              <a:t> err);</a:t>
+            </a:r>
+          </a:p>
+          <a:p>
+            <a:pPr marL="0" indent="0">
+              <a:buNone/>
+            </a:pPr>
+            <a:r>
+              <a:rPr lang="en-US" b="1" dirty="0" smtClean="0"/>
+              <a:t>error</a:t>
+            </a:r>
+            <a:r>
+              <a:rPr lang="en-US" dirty="0" smtClean="0"/>
+              <a:t> { bad }</a:t>
+            </a:r>
+            <a:endParaRPr lang="en-US" dirty="0"/>
+          </a:p>
+          <a:p>
+            <a:pPr marL="0" indent="0">
+              <a:buNone/>
+            </a:pPr>
+            <a:r>
+              <a:rPr lang="en-US" b="1" dirty="0" smtClean="0"/>
+              <a:t>state</a:t>
+            </a:r>
+            <a:r>
+              <a:rPr lang="en-US" dirty="0" smtClean="0"/>
+              <a:t> s {</a:t>
+            </a:r>
+            <a:br>
+              <a:rPr lang="en-US" dirty="0" smtClean="0"/>
+            </a:br>
+            <a:r>
+              <a:rPr lang="en-US" dirty="0" smtClean="0"/>
+              <a:t>   assert(</a:t>
+            </a:r>
+            <a:r>
+              <a:rPr lang="en-US" dirty="0" err="1" smtClean="0"/>
+              <a:t>h.ip.version</a:t>
+            </a:r>
+            <a:r>
+              <a:rPr lang="en-US" dirty="0" smtClean="0"/>
+              <a:t> == 4, bad);</a:t>
+            </a:r>
+            <a:br>
+              <a:rPr lang="en-US" dirty="0" smtClean="0"/>
+            </a:br>
+            <a:r>
+              <a:rPr lang="en-US" dirty="0" smtClean="0"/>
+              <a:t>}</a:t>
+            </a:r>
+          </a:p>
+          <a:p>
+            <a:pPr marL="0" indent="0">
+              <a:buNone/>
+            </a:pPr>
+            <a:r>
+              <a:rPr lang="en-US" b="1" dirty="0" smtClean="0"/>
+              <a:t>control</a:t>
+            </a:r>
+            <a:r>
+              <a:rPr lang="en-US" dirty="0" smtClean="0"/>
+              <a:t> ingress(</a:t>
             </a:r>
             <a:r>
               <a:rPr lang="en-US" b="1" dirty="0" smtClean="0"/>
@@ -17006,7 +17529,7 @@
             </a:r>
             <a:r>
               <a:rPr lang="en-US" b="1" dirty="0" smtClean="0"/>
-              <a:t>bit</a:t>
+              <a:t>error</a:t>
             </a:r>
             <a:r>
               <a:rPr lang="en-US" dirty="0" smtClean="0"/>
@@ -17014,122 +17537,76 @@
             </a:r>
             <a:r>
               <a:rPr lang="en-US" dirty="0" err="1" smtClean="0"/>
-              <a:t>arg</a:t>
-            </a:r>
-            <a:r>
-              <a:rPr lang="en-US" dirty="0" smtClean="0"/>
-              <a:t>);</a:t>
-            </a:r>
-            <a:br>
-              <a:rPr lang="en-US" dirty="0" smtClean="0"/>
-            </a:br>
-            <a:r>
-              <a:rPr lang="en-US" dirty="0" smtClean="0"/>
-              <a:t>   </a:t>
-            </a:r>
-            <a:r>
-              <a:rPr lang="en-US" b="1" dirty="0" smtClean="0"/>
-              <a:t>bit</a:t>
-            </a:r>
-            <a:r>
-              <a:rPr lang="en-US" dirty="0" smtClean="0"/>
-              <a:t> y();</a:t>
-            </a:r>
-            <a:br>
-              <a:rPr lang="en-US" dirty="0" smtClean="0"/>
-            </a:br>
-            <a:r>
-              <a:rPr lang="en-US" dirty="0" smtClean="0"/>
-              <a:t>   </a:t>
-            </a:r>
-            <a:r>
-              <a:rPr lang="en-US" b="1" dirty="0" smtClean="0"/>
-              <a:t>void</a:t>
-            </a:r>
-            <a:r>
-              <a:rPr lang="en-US" dirty="0" smtClean="0"/>
-              <a:t> y1(</a:t>
-            </a:r>
-            <a:r>
-              <a:rPr lang="en-US" b="1" dirty="0" smtClean="0"/>
-              <a:t>out</a:t>
-            </a:r>
-            <a:r>
-              <a:rPr lang="en-US" dirty="0" smtClean="0"/>
-              <a:t> </a:t>
-            </a:r>
-            <a:r>
-              <a:rPr lang="en-US" b="1" dirty="0" smtClean="0"/>
-              <a:t>bit</a:t>
-            </a:r>
-            <a:r>
-              <a:rPr lang="en-US" dirty="0" smtClean="0"/>
-              <a:t> </a:t>
-            </a:r>
-            <a:r>
-              <a:rPr lang="en-US" dirty="0" err="1" smtClean="0"/>
-              <a:t>arg</a:t>
-            </a:r>
-            <a:r>
-              <a:rPr lang="en-US" dirty="0" smtClean="0"/>
-              <a:t>);</a:t>
-            </a:r>
-            <a:br>
-              <a:rPr lang="en-US" dirty="0" smtClean="0"/>
-            </a:br>
-            <a:r>
-              <a:rPr lang="en-US" dirty="0" smtClean="0"/>
-              <a:t>}</a:t>
-            </a:r>
-          </a:p>
-          <a:p>
-            <a:pPr marL="0" indent="0">
-              <a:buNone/>
-            </a:pPr>
+              <a:t>parser_error</a:t>
+            </a:r>
+            <a:r>
+              <a:rPr lang="en-US" dirty="0" smtClean="0"/>
+              <a:t>, …)</a:t>
+            </a:r>
+            <a:br>
+              <a:rPr lang="en-US" dirty="0" smtClean="0"/>
+            </a:br>
+            <a:r>
+              <a:rPr lang="en-US" dirty="0" smtClean="0"/>
+              <a:t>{</a:t>
+            </a:r>
+            <a:br>
+              <a:rPr lang="en-US" dirty="0" smtClean="0"/>
+            </a:br>
+            <a:r>
+              <a:rPr lang="en-US" dirty="0" smtClean="0"/>
+              <a:t>   if (</a:t>
+            </a:r>
+            <a:r>
+              <a:rPr lang="en-US" dirty="0" err="1" smtClean="0"/>
+              <a:t>parser_error</a:t>
+            </a:r>
+            <a:r>
+              <a:rPr lang="en-US" dirty="0" smtClean="0"/>
+              <a:t> == bad) { … }</a:t>
+            </a:r>
+            <a:r>
+              <a:rPr lang="en-US" dirty="0"/>
+              <a:t/>
+            </a:r>
+            <a:br>
+              <a:rPr lang="en-US" dirty="0"/>
+            </a:br>
+            <a:r>
+              <a:rPr lang="en-US" dirty="0" smtClean="0"/>
+              <a:t>} </a:t>
+            </a:r>
             <a:endParaRPr lang="en-US" dirty="0"/>
           </a:p>
-          <a:p>
-            <a:pPr marL="0" indent="0">
-              <a:buNone/>
-            </a:pPr>
-            <a:r>
-              <a:rPr lang="en-US" dirty="0" smtClean="0"/>
-              <a:t>et(54) e;</a:t>
-            </a:r>
-          </a:p>
-          <a:p>
-            <a:pPr marL="0" indent="0">
-              <a:buNone/>
-            </a:pPr>
-            <a:endParaRPr lang="en-US" dirty="0"/>
-          </a:p>
-        </p:txBody>
-      </p:sp>
-      <p:sp>
-        <p:nvSpPr>
-          <p:cNvPr id="5" name="Rectangle 4"/>
-          <p:cNvSpPr/>
+        </p:txBody>
+      </p:sp>
+      <p:sp>
+        <p:nvSpPr>
+          <p:cNvPr id="5" name="TextBox 4"/>
+          <p:cNvSpPr txBox="1"/>
           <p:nvPr/>
         </p:nvSpPr>
         <p:spPr>
           <a:xfrm>
-            <a:off x="4057977" y="6311900"/>
-            <a:ext cx="8030468" cy="461665"/>
+            <a:off x="3794650" y="6218169"/>
+            <a:ext cx="8052793" cy="461665"/>
           </a:xfrm>
           <a:prstGeom prst="rect">
             <a:avLst/>
           </a:prstGeom>
+          <a:noFill/>
         </p:spPr>
         <p:txBody>
-          <a:bodyPr wrap="none">
+          <a:bodyPr wrap="square" rtlCol="0">
             <a:spAutoFit/>
           </a:bodyPr>
           <a:lstStyle/>
           <a:p>
             <a:r>
-              <a:rPr lang="en-US" sz="2400" dirty="0"/>
-              <a:t>Methods have return types =&gt; method calls can be expressions</a:t>
-            </a:r>
+              <a:rPr lang="en-US" sz="2400" smtClean="0"/>
+              <a:t>Parser exceptions =&gt; transition to reject + setting error = assert</a:t>
+            </a:r>
+            <a:endParaRPr lang="en-US" sz="2400" dirty="0"/>
           </a:p>
         </p:txBody>
       </p:sp>
@@ -17170,7 +17647,7 @@
     </p:spTree>
     <p:extLst>
       <p:ext uri="{BB962C8B-B14F-4D97-AF65-F5344CB8AC3E}">
-        <p14:creationId xmlns:p14="http://schemas.microsoft.com/office/powerpoint/2010/main" val="995754273"/>
+        <p14:creationId xmlns:p14="http://schemas.microsoft.com/office/powerpoint/2010/main" val="610086410"/>
       </p:ext>
     </p:extLst>
   </p:cSld>
@@ -17221,18 +17698,18 @@
           <a:p>
             <a:r>
               <a:rPr lang="en-US" dirty="0" smtClean="0"/>
-              <a:t>Primitive actions</a:t>
-            </a:r>
-            <a:br>
-              <a:rPr lang="en-US" dirty="0" smtClean="0"/>
-            </a:br>
-            <a:r>
-              <a:rPr lang="en-US" dirty="0" smtClean="0"/>
-              <a:t>(</a:t>
-            </a:r>
-            <a:r>
-              <a:rPr lang="en-US" dirty="0" err="1" smtClean="0"/>
-              <a:t>primitive_action</a:t>
+              <a:t>Variable-sized headers</a:t>
+            </a:r>
+            <a:br>
+              <a:rPr lang="en-US" dirty="0" smtClean="0"/>
+            </a:br>
+            <a:r>
+              <a:rPr lang="en-US" dirty="0" smtClean="0"/>
+              <a:t>(length, </a:t>
+            </a:r>
+            <a:r>
+              <a:rPr lang="en-US" dirty="0" err="1" smtClean="0"/>
+              <a:t>max_length</a:t>
             </a:r>
             <a:r>
               <a:rPr lang="en-US" dirty="0" smtClean="0"/>
@@ -17255,14 +17732,16 @@
         <p:spPr>
           <a:xfrm>
             <a:off x="838200" y="1825625"/>
-            <a:ext cx="4433486" cy="4351338"/>
+            <a:ext cx="4047067" cy="4351338"/>
           </a:xfrm>
           <a:solidFill>
             <a:srgbClr val="FFFEE0"/>
           </a:solidFill>
         </p:spPr>
         <p:txBody>
-          <a:bodyPr/>
+          <a:bodyPr>
+            <a:normAutofit fontScale="92500" lnSpcReduction="20000"/>
+          </a:bodyPr>
           <a:lstStyle/>
           <a:p>
             <a:pPr marL="0" indent="0">
@@ -17270,30 +17749,106 @@
             </a:pPr>
             <a:r>
               <a:rPr lang="en-US" b="1" dirty="0" err="1" smtClean="0"/>
-              <a:t>primitive_action</a:t>
-            </a:r>
-            <a:r>
-              <a:rPr lang="en-US" dirty="0" smtClean="0"/>
-              <a:t> p(</a:t>
-            </a:r>
-            <a:r>
-              <a:rPr lang="en-US" dirty="0" err="1" smtClean="0"/>
-              <a:t>params</a:t>
-            </a:r>
-            <a:r>
-              <a:rPr lang="en-US" dirty="0" smtClean="0"/>
-              <a:t>);</a:t>
-            </a:r>
-          </a:p>
-          <a:p>
-            <a:pPr marL="0" indent="0">
-              <a:buNone/>
-            </a:pPr>
-            <a:r>
-              <a:rPr lang="en-US" i="1" dirty="0" smtClean="0"/>
-              <a:t>could not find examples</a:t>
-            </a:r>
-            <a:endParaRPr lang="en-US" i="1" dirty="0"/>
+              <a:t>header_type</a:t>
+            </a:r>
+            <a:r>
+              <a:rPr lang="en-US" dirty="0" smtClean="0"/>
+              <a:t> h {</a:t>
+            </a:r>
+            <a:br>
+              <a:rPr lang="en-US" dirty="0" smtClean="0"/>
+            </a:br>
+            <a:r>
+              <a:rPr lang="en-US" dirty="0" smtClean="0"/>
+              <a:t>    </a:t>
+            </a:r>
+            <a:r>
+              <a:rPr lang="en-US" b="1" dirty="0" smtClean="0"/>
+              <a:t>fields</a:t>
+            </a:r>
+            <a:r>
+              <a:rPr lang="en-US" dirty="0" smtClean="0"/>
+              <a:t> {</a:t>
+            </a:r>
+            <a:br>
+              <a:rPr lang="en-US" dirty="0" smtClean="0"/>
+            </a:br>
+            <a:r>
+              <a:rPr lang="en-US" dirty="0" smtClean="0"/>
+              <a:t>        version         : 4;</a:t>
+            </a:r>
+            <a:br>
+              <a:rPr lang="en-US" dirty="0" smtClean="0"/>
+            </a:br>
+            <a:r>
+              <a:rPr lang="en-US" dirty="0" smtClean="0"/>
+              <a:t>        </a:t>
+            </a:r>
+            <a:r>
+              <a:rPr lang="en-US" dirty="0" err="1" smtClean="0"/>
+              <a:t>ihl</a:t>
+            </a:r>
+            <a:r>
+              <a:rPr lang="en-US" dirty="0" smtClean="0"/>
+              <a:t>                  : 4;</a:t>
+            </a:r>
+            <a:br>
+              <a:rPr lang="en-US" dirty="0" smtClean="0"/>
+            </a:br>
+            <a:r>
+              <a:rPr lang="en-US" dirty="0" smtClean="0"/>
+              <a:t>        options         : *; </a:t>
+            </a:r>
+            <a:br>
+              <a:rPr lang="en-US" dirty="0" smtClean="0"/>
+            </a:br>
+            <a:r>
+              <a:rPr lang="en-US" dirty="0" smtClean="0"/>
+              <a:t>    }</a:t>
+            </a:r>
+            <a:br>
+              <a:rPr lang="en-US" dirty="0" smtClean="0"/>
+            </a:br>
+            <a:r>
+              <a:rPr lang="en-US" dirty="0" smtClean="0"/>
+              <a:t>    length : </a:t>
+            </a:r>
+            <a:r>
+              <a:rPr lang="en-US" dirty="0" err="1" smtClean="0"/>
+              <a:t>ihl</a:t>
+            </a:r>
+            <a:r>
+              <a:rPr lang="en-US" dirty="0" smtClean="0"/>
+              <a:t> * 4;</a:t>
+            </a:r>
+            <a:br>
+              <a:rPr lang="en-US" dirty="0" smtClean="0"/>
+            </a:br>
+            <a:r>
+              <a:rPr lang="en-US" dirty="0" smtClean="0"/>
+              <a:t>    </a:t>
+            </a:r>
+            <a:r>
+              <a:rPr lang="en-US" dirty="0" err="1" smtClean="0"/>
+              <a:t>max_length</a:t>
+            </a:r>
+            <a:r>
+              <a:rPr lang="en-US" dirty="0" smtClean="0"/>
+              <a:t> : 60;</a:t>
+            </a:r>
+            <a:br>
+              <a:rPr lang="en-US" dirty="0" smtClean="0"/>
+            </a:br>
+            <a:r>
+              <a:rPr lang="en-US" dirty="0" smtClean="0"/>
+              <a:t>}</a:t>
+            </a:r>
+          </a:p>
+          <a:p>
+            <a:pPr marL="0" indent="0">
+              <a:buNone/>
+            </a:pPr>
+            <a:endParaRPr lang="en-US" dirty="0"/>
           </a:p>
         </p:txBody>
       </p:sp>
@@ -17307,143 +17862,358 @@
             <p:ph sz="half" idx="2"/>
           </p:nvPr>
         </p:nvSpPr>
-        <p:spPr/>
-        <p:txBody>
-          <a:bodyPr/>
-          <a:lstStyle/>
-          <a:p>
-            <a:pPr marL="0" indent="0">
-              <a:buNone/>
-            </a:pPr>
-            <a:r>
-              <a:rPr lang="en-US" b="1" dirty="0" smtClean="0"/>
-              <a:t>extern</a:t>
-            </a:r>
-            <a:r>
-              <a:rPr lang="en-US" dirty="0" smtClean="0"/>
-              <a:t> </a:t>
-            </a:r>
-            <a:r>
-              <a:rPr lang="en-US" dirty="0" err="1" smtClean="0"/>
-              <a:t>restype</a:t>
-            </a:r>
-            <a:r>
-              <a:rPr lang="en-US" dirty="0" smtClean="0"/>
-              <a:t> function(</a:t>
-            </a:r>
-            <a:r>
-              <a:rPr lang="en-US" dirty="0" err="1" smtClean="0"/>
-              <a:t>params</a:t>
-            </a:r>
-            <a:r>
-              <a:rPr lang="en-US" dirty="0" smtClean="0"/>
-              <a:t>);</a:t>
-            </a:r>
-            <a:br>
-              <a:rPr lang="en-US" dirty="0" smtClean="0"/>
-            </a:br>
-            <a:r>
-              <a:rPr lang="en-US" b="1" dirty="0" smtClean="0"/>
-              <a:t>extern </a:t>
-            </a:r>
-            <a:r>
-              <a:rPr lang="en-US" dirty="0" smtClean="0"/>
-              <a:t>object {</a:t>
-            </a:r>
-            <a:br>
-              <a:rPr lang="en-US" dirty="0" smtClean="0"/>
-            </a:br>
-            <a:r>
-              <a:rPr lang="en-US" dirty="0" smtClean="0"/>
-              <a:t>    object(</a:t>
-            </a:r>
-            <a:r>
-              <a:rPr lang="en-US" dirty="0" err="1" smtClean="0"/>
-              <a:t>constructor_args</a:t>
-            </a:r>
-            <a:r>
-              <a:rPr lang="en-US" dirty="0" smtClean="0"/>
-              <a:t>);</a:t>
-            </a:r>
-            <a:br>
-              <a:rPr lang="en-US" dirty="0" smtClean="0"/>
-            </a:br>
-            <a:r>
-              <a:rPr lang="en-US" dirty="0" smtClean="0"/>
-              <a:t>    </a:t>
-            </a:r>
-            <a:r>
-              <a:rPr lang="en-US" dirty="0" err="1" smtClean="0"/>
-              <a:t>restype</a:t>
-            </a:r>
-            <a:r>
-              <a:rPr lang="en-US" dirty="0" smtClean="0"/>
-              <a:t> method(</a:t>
-            </a:r>
-            <a:r>
-              <a:rPr lang="en-US" dirty="0" err="1" smtClean="0"/>
-              <a:t>args</a:t>
-            </a:r>
-            <a:r>
-              <a:rPr lang="en-US" dirty="0" smtClean="0"/>
-              <a:t>);</a:t>
-            </a:r>
-            <a:br>
-              <a:rPr lang="en-US" dirty="0" smtClean="0"/>
-            </a:br>
-            <a:r>
-              <a:rPr lang="en-US" dirty="0" smtClean="0"/>
-              <a:t>}</a:t>
-            </a:r>
-            <a:endParaRPr lang="en-US" dirty="0"/>
-          </a:p>
-        </p:txBody>
-      </p:sp>
-      <p:sp>
-        <p:nvSpPr>
-          <p:cNvPr id="5" name="Rectangle 4"/>
-          <p:cNvSpPr/>
-          <p:nvPr/>
-        </p:nvSpPr>
         <p:spPr>
           <a:xfrm>
-            <a:off x="5271686" y="5576798"/>
-            <a:ext cx="6776022" cy="1200329"/>
+            <a:off x="5168900" y="1825624"/>
+            <a:ext cx="6184900" cy="4689475"/>
+          </a:xfrm>
+        </p:spPr>
+        <p:txBody>
+          <a:bodyPr>
+            <a:normAutofit fontScale="92500" lnSpcReduction="20000"/>
+          </a:bodyPr>
+          <a:lstStyle/>
+          <a:p>
+            <a:pPr marL="0" indent="0">
+              <a:buNone/>
+            </a:pPr>
+            <a:r>
+              <a:rPr lang="en-US" b="1" dirty="0" smtClean="0"/>
+              <a:t>header</a:t>
+            </a:r>
+            <a:r>
+              <a:rPr lang="en-US" dirty="0" smtClean="0"/>
+              <a:t> h {</a:t>
+            </a:r>
+            <a:br>
+              <a:rPr lang="en-US" dirty="0" smtClean="0"/>
+            </a:br>
+            <a:r>
+              <a:rPr lang="en-US" dirty="0" smtClean="0"/>
+              <a:t>   </a:t>
+            </a:r>
+            <a:r>
+              <a:rPr lang="en-US" b="1" dirty="0" smtClean="0"/>
+              <a:t>bit</a:t>
+            </a:r>
+            <a:r>
+              <a:rPr lang="en-US" dirty="0" smtClean="0"/>
+              <a:t>&lt;4&gt; version;</a:t>
+            </a:r>
+            <a:br>
+              <a:rPr lang="en-US" dirty="0" smtClean="0"/>
+            </a:br>
+            <a:r>
+              <a:rPr lang="en-US" dirty="0" smtClean="0"/>
+              <a:t>   </a:t>
+            </a:r>
+            <a:r>
+              <a:rPr lang="en-US" b="1" dirty="0" smtClean="0"/>
+              <a:t>bit</a:t>
+            </a:r>
+            <a:r>
+              <a:rPr lang="en-US" dirty="0" smtClean="0"/>
+              <a:t>&lt;4&gt; </a:t>
+            </a:r>
+            <a:r>
+              <a:rPr lang="en-US" dirty="0" err="1" smtClean="0"/>
+              <a:t>ihl</a:t>
+            </a:r>
+            <a:r>
+              <a:rPr lang="en-US" dirty="0" smtClean="0"/>
+              <a:t>;</a:t>
+            </a:r>
+            <a:br>
+              <a:rPr lang="en-US" dirty="0" smtClean="0"/>
+            </a:br>
+            <a:r>
+              <a:rPr lang="en-US" dirty="0" smtClean="0"/>
+              <a:t>}</a:t>
+            </a:r>
+          </a:p>
+          <a:p>
+            <a:pPr marL="0" indent="0">
+              <a:buNone/>
+            </a:pPr>
+            <a:r>
+              <a:rPr lang="en-US" b="1" dirty="0"/>
+              <a:t>h</a:t>
+            </a:r>
+            <a:r>
+              <a:rPr lang="en-US" b="1" dirty="0" smtClean="0"/>
+              <a:t>eader</a:t>
+            </a:r>
+            <a:r>
+              <a:rPr lang="en-US" dirty="0" smtClean="0"/>
+              <a:t> </a:t>
+            </a:r>
+            <a:r>
+              <a:rPr lang="en-US" dirty="0" err="1" smtClean="0"/>
+              <a:t>h_var</a:t>
+            </a:r>
+            <a:r>
+              <a:rPr lang="en-US" dirty="0" smtClean="0"/>
+              <a:t> {</a:t>
+            </a:r>
+            <a:br>
+              <a:rPr lang="en-US" dirty="0" smtClean="0"/>
+            </a:br>
+            <a:r>
+              <a:rPr lang="en-US" dirty="0" smtClean="0"/>
+              <a:t>   </a:t>
+            </a:r>
+            <a:r>
+              <a:rPr lang="en-US" b="1" dirty="0" err="1" smtClean="0"/>
+              <a:t>varbit</a:t>
+            </a:r>
+            <a:r>
+              <a:rPr lang="en-US" dirty="0" smtClean="0"/>
+              <a:t>&lt;48&gt; options;</a:t>
+            </a:r>
+            <a:br>
+              <a:rPr lang="en-US" dirty="0" smtClean="0"/>
+            </a:br>
+            <a:r>
+              <a:rPr lang="en-US" dirty="0" smtClean="0"/>
+              <a:t>}</a:t>
+            </a:r>
+          </a:p>
+          <a:p>
+            <a:pPr marL="0" indent="0">
+              <a:buNone/>
+            </a:pPr>
+            <a:r>
+              <a:rPr lang="en-US" b="1" dirty="0" smtClean="0"/>
+              <a:t>struct</a:t>
+            </a:r>
+            <a:r>
+              <a:rPr lang="en-US" dirty="0" smtClean="0"/>
+              <a:t> </a:t>
+            </a:r>
+            <a:r>
+              <a:rPr lang="en-US" dirty="0" err="1" smtClean="0"/>
+              <a:t>hdr</a:t>
+            </a:r>
+            <a:r>
+              <a:rPr lang="en-US" dirty="0" smtClean="0"/>
+              <a:t> { h top; </a:t>
+            </a:r>
+            <a:r>
+              <a:rPr lang="en-US" dirty="0" err="1" smtClean="0"/>
+              <a:t>h_var</a:t>
+            </a:r>
+            <a:r>
+              <a:rPr lang="en-US" dirty="0" smtClean="0"/>
+              <a:t> bot; }</a:t>
+            </a:r>
+          </a:p>
+          <a:p>
+            <a:pPr marL="0" indent="0">
+              <a:buNone/>
+            </a:pPr>
+            <a:r>
+              <a:rPr lang="en-US" b="1" dirty="0"/>
+              <a:t>p</a:t>
+            </a:r>
+            <a:r>
+              <a:rPr lang="en-US" b="1" dirty="0" smtClean="0"/>
+              <a:t>arser</a:t>
+            </a:r>
+            <a:r>
+              <a:rPr lang="en-US" dirty="0" smtClean="0"/>
+              <a:t> p (</a:t>
+            </a:r>
+            <a:r>
+              <a:rPr lang="en-US" dirty="0" err="1" smtClean="0"/>
+              <a:t>packet_in</a:t>
+            </a:r>
+            <a:r>
+              <a:rPr lang="en-US" dirty="0" smtClean="0"/>
+              <a:t> p, out </a:t>
+            </a:r>
+            <a:r>
+              <a:rPr lang="en-US" dirty="0" err="1" smtClean="0"/>
+              <a:t>hdr</a:t>
+            </a:r>
+            <a:r>
+              <a:rPr lang="en-US" dirty="0" smtClean="0"/>
+              <a:t> </a:t>
+            </a:r>
+            <a:r>
+              <a:rPr lang="en-US" dirty="0" err="1" smtClean="0"/>
+              <a:t>ph</a:t>
+            </a:r>
+            <a:r>
+              <a:rPr lang="en-US" dirty="0" smtClean="0"/>
+              <a:t>) {</a:t>
+            </a:r>
+            <a:br>
+              <a:rPr lang="en-US" dirty="0" smtClean="0"/>
+            </a:br>
+            <a:r>
+              <a:rPr lang="en-US" dirty="0" smtClean="0"/>
+              <a:t>   </a:t>
+            </a:r>
+            <a:r>
+              <a:rPr lang="en-US" b="1" dirty="0" smtClean="0"/>
+              <a:t>state</a:t>
+            </a:r>
+            <a:r>
+              <a:rPr lang="en-US" dirty="0" smtClean="0"/>
+              <a:t> s {</a:t>
+            </a:r>
+            <a:br>
+              <a:rPr lang="en-US" dirty="0" smtClean="0"/>
+            </a:br>
+            <a:r>
+              <a:rPr lang="en-US" dirty="0" smtClean="0"/>
+              <a:t>        </a:t>
+            </a:r>
+            <a:r>
+              <a:rPr lang="en-US" dirty="0" err="1" smtClean="0"/>
+              <a:t>p.extract</a:t>
+            </a:r>
+            <a:r>
+              <a:rPr lang="en-US" dirty="0" smtClean="0"/>
+              <a:t>(</a:t>
+            </a:r>
+            <a:r>
+              <a:rPr lang="en-US" dirty="0" err="1" smtClean="0"/>
+              <a:t>ph.top</a:t>
+            </a:r>
+            <a:r>
+              <a:rPr lang="en-US" dirty="0" smtClean="0"/>
+              <a:t>);</a:t>
+            </a:r>
+            <a:br>
+              <a:rPr lang="en-US" dirty="0" smtClean="0"/>
+            </a:br>
+            <a:r>
+              <a:rPr lang="en-US" dirty="0" smtClean="0"/>
+              <a:t>        </a:t>
+            </a:r>
+            <a:r>
+              <a:rPr lang="en-US" dirty="0" err="1" smtClean="0"/>
+              <a:t>p.extract</a:t>
+            </a:r>
+            <a:r>
+              <a:rPr lang="en-US" dirty="0" smtClean="0"/>
+              <a:t>(</a:t>
+            </a:r>
+            <a:r>
+              <a:rPr lang="en-US" dirty="0" err="1" smtClean="0"/>
+              <a:t>ph.bot</a:t>
+            </a:r>
+            <a:r>
+              <a:rPr lang="en-US" dirty="0" smtClean="0"/>
+              <a:t>, </a:t>
+            </a:r>
+            <a:r>
+              <a:rPr lang="en-US" dirty="0" err="1" smtClean="0"/>
+              <a:t>ph.top.ihl</a:t>
+            </a:r>
+            <a:r>
+              <a:rPr lang="en-US" dirty="0" smtClean="0"/>
+              <a:t> * 4 - 20);</a:t>
+            </a:r>
+            <a:br>
+              <a:rPr lang="en-US" dirty="0" smtClean="0"/>
+            </a:br>
+            <a:r>
+              <a:rPr lang="en-US" dirty="0" smtClean="0"/>
+              <a:t>        …</a:t>
+            </a:r>
+            <a:r>
+              <a:rPr lang="en-US" dirty="0"/>
+              <a:t> </a:t>
+            </a:r>
+            <a:r>
+              <a:rPr lang="en-US" dirty="0" smtClean="0"/>
+              <a:t/>
+            </a:r>
+            <a:br>
+              <a:rPr lang="en-US" dirty="0" smtClean="0"/>
+            </a:br>
+            <a:r>
+              <a:rPr lang="en-US" dirty="0" smtClean="0"/>
+              <a:t>}}</a:t>
+            </a:r>
+            <a:endParaRPr lang="en-US" dirty="0"/>
+          </a:p>
+        </p:txBody>
+      </p:sp>
+      <p:sp>
+        <p:nvSpPr>
+          <p:cNvPr id="5" name="TextBox 4"/>
+          <p:cNvSpPr txBox="1"/>
+          <p:nvPr/>
+        </p:nvSpPr>
+        <p:spPr>
+          <a:xfrm>
+            <a:off x="5473148" y="6311900"/>
+            <a:ext cx="6718852" cy="461665"/>
           </a:xfrm>
           <a:prstGeom prst="rect">
             <a:avLst/>
           </a:prstGeom>
+          <a:noFill/>
         </p:spPr>
         <p:txBody>
-          <a:bodyPr wrap="none">
+          <a:bodyPr wrap="square" rtlCol="0">
             <a:spAutoFit/>
           </a:bodyPr>
           <a:lstStyle/>
           <a:p>
             <a:r>
               <a:rPr lang="en-US" sz="2400" dirty="0" smtClean="0"/>
-              <a:t>Can have both extern functions and extern “objects.”</a:t>
-            </a:r>
-          </a:p>
-          <a:p>
-            <a:r>
-              <a:rPr lang="en-US" sz="2400" dirty="0" smtClean="0"/>
-              <a:t>Externs can subsume most primitive actions.</a:t>
-            </a:r>
-          </a:p>
-          <a:p>
-            <a:r>
-              <a:rPr lang="en-US" sz="2400" dirty="0" smtClean="0"/>
-              <a:t>Methods can be polymorphic.</a:t>
+              <a:t>Low-level implementation of @</a:t>
+            </a:r>
+            <a:r>
+              <a:rPr lang="en-US" sz="2400" smtClean="0"/>
+              <a:t>length annotation.</a:t>
             </a:r>
             <a:endParaRPr lang="en-US" sz="2400" dirty="0"/>
+          </a:p>
+        </p:txBody>
+      </p:sp>
+      <p:sp>
+        <p:nvSpPr>
+          <p:cNvPr id="6" name="TextBox 5"/>
+          <p:cNvSpPr txBox="1"/>
+          <p:nvPr/>
+        </p:nvSpPr>
+        <p:spPr>
+          <a:xfrm>
+            <a:off x="9190653" y="230188"/>
+            <a:ext cx="2247667" cy="369332"/>
+          </a:xfrm>
+          <a:prstGeom prst="rect">
+            <a:avLst/>
+          </a:prstGeom>
+          <a:noFill/>
+        </p:spPr>
+        <p:txBody>
+          <a:bodyPr wrap="none" rtlCol="0">
+            <a:spAutoFit/>
+          </a:bodyPr>
+          <a:lstStyle/>
+          <a:p>
+            <a:r>
+              <a:rPr lang="en-US" i="1" dirty="0" smtClean="0"/>
+              <a:t>no </a:t>
+            </a:r>
+            <a:r>
+              <a:rPr lang="en-US" i="1" smtClean="0"/>
+              <a:t>examples available</a:t>
+            </a:r>
+            <a:endParaRPr lang="en-US" i="1"/>
           </a:p>
         </p:txBody>
       </p:sp>
     </p:spTree>
     <p:extLst>
       <p:ext uri="{BB962C8B-B14F-4D97-AF65-F5344CB8AC3E}">
-        <p14:creationId xmlns:p14="http://schemas.microsoft.com/office/powerpoint/2010/main" val="359860199"/>
+        <p14:creationId xmlns:p14="http://schemas.microsoft.com/office/powerpoint/2010/main" val="677498914"/>
       </p:ext>
     </p:extLst>
   </p:cSld>
@@ -17493,8 +18263,8 @@
           <a:lstStyle/>
           <a:p>
             <a:r>
-              <a:rPr lang="en-US" dirty="0" err="1" smtClean="0"/>
-              <a:t>value_sets</a:t>
+              <a:rPr lang="en-US" dirty="0" smtClean="0"/>
+              <a:t>truncate</a:t>
             </a:r>
             <a:endParaRPr lang="en-US" dirty="0"/>
           </a:p>
@@ -17512,8 +18282,8 @@
         </p:nvSpPr>
         <p:spPr>
           <a:xfrm>
-            <a:off x="838200" y="1825625"/>
-            <a:ext cx="4334933" cy="4351338"/>
+            <a:off x="838200" y="1757892"/>
+            <a:ext cx="4724400" cy="4351338"/>
           </a:xfrm>
           <a:solidFill>
             <a:srgbClr val="FFFEE0"/>
@@ -17527,11 +18297,13 @@
               <a:buNone/>
             </a:pPr>
             <a:r>
-              <a:rPr lang="en-US" i="1" dirty="0"/>
-              <a:t>could not find examples</a:t>
-            </a:r>
-          </a:p>
-          <a:p>
+              <a:rPr lang="en-US" b="1" dirty="0" smtClean="0"/>
+              <a:t>truncate</a:t>
+            </a:r>
+            <a:r>
+              <a:rPr lang="en-US" dirty="0" smtClean="0"/>
+              <a:t>(size)</a:t>
+            </a:r>
             <a:endParaRPr lang="en-US" dirty="0"/>
           </a:p>
         </p:txBody>
@@ -17555,124 +18327,213 @@
               <a:buNone/>
             </a:pPr>
             <a:r>
-              <a:rPr lang="en-US" b="1" dirty="0"/>
-              <a:t>extern </a:t>
-            </a:r>
-            <a:r>
-              <a:rPr lang="en-US" dirty="0" err="1"/>
-              <a:t>value_set</a:t>
-            </a:r>
-            <a:r>
-              <a:rPr lang="en-US" dirty="0"/>
-              <a:t> { </a:t>
-            </a:r>
-            <a:r>
-              <a:rPr lang="en-US" dirty="0" smtClean="0"/>
+              <a:rPr lang="fi-FI" b="1" dirty="0" err="1" smtClean="0"/>
+              <a:t>extern</a:t>
+            </a:r>
+            <a:r>
+              <a:rPr lang="fi-FI" dirty="0" smtClean="0"/>
+              <a:t> </a:t>
+            </a:r>
+            <a:r>
+              <a:rPr lang="fi-FI" dirty="0" err="1" smtClean="0"/>
+              <a:t>packet_out</a:t>
+            </a:r>
+            <a:r>
+              <a:rPr lang="fi-FI" dirty="0" smtClean="0"/>
               <a:t/>
             </a:r>
             <a:br>
-              <a:rPr lang="en-US" dirty="0" smtClean="0"/>
-            </a:br>
-            <a:r>
-              <a:rPr lang="en-US" dirty="0" smtClean="0"/>
+              <a:rPr lang="fi-FI" dirty="0" smtClean="0"/>
+            </a:br>
+            <a:r>
+              <a:rPr lang="fi-FI" dirty="0" smtClean="0"/>
+              <a:t>{</a:t>
+            </a:r>
+            <a:br>
+              <a:rPr lang="fi-FI" dirty="0" smtClean="0"/>
+            </a:br>
+            <a:r>
+              <a:rPr lang="fi-FI" dirty="0" smtClean="0"/>
               <a:t>    </a:t>
             </a:r>
             <a:r>
-              <a:rPr lang="en-US" b="1" dirty="0" smtClean="0"/>
+              <a:rPr lang="fi-FI" b="1" dirty="0" err="1" smtClean="0"/>
+              <a:t>void</a:t>
+            </a:r>
+            <a:r>
+              <a:rPr lang="fi-FI" dirty="0" smtClean="0"/>
+              <a:t> emit&lt;T&gt;(</a:t>
+            </a:r>
+            <a:r>
+              <a:rPr lang="fi-FI" b="1" dirty="0" smtClean="0"/>
+              <a:t>in</a:t>
+            </a:r>
+            <a:r>
+              <a:rPr lang="fi-FI" dirty="0" smtClean="0"/>
+              <a:t> T </a:t>
+            </a:r>
+            <a:r>
+              <a:rPr lang="fi-FI" dirty="0" err="1" smtClean="0"/>
+              <a:t>hdr</a:t>
+            </a:r>
+            <a:r>
+              <a:rPr lang="fi-FI" dirty="0" smtClean="0"/>
+              <a:t>);</a:t>
+            </a:r>
+            <a:br>
+              <a:rPr lang="fi-FI" dirty="0" smtClean="0"/>
+            </a:br>
+            <a:r>
+              <a:rPr lang="fi-FI" dirty="0" smtClean="0"/>
+              <a:t>    </a:t>
+            </a:r>
+            <a:r>
+              <a:rPr lang="fi-FI" b="1" dirty="0" err="1" smtClean="0"/>
+              <a:t>void</a:t>
+            </a:r>
+            <a:r>
+              <a:rPr lang="fi-FI" dirty="0" smtClean="0"/>
+              <a:t> </a:t>
+            </a:r>
+            <a:r>
+              <a:rPr lang="fi-FI" dirty="0" err="1" smtClean="0"/>
+              <a:t>truncate</a:t>
+            </a:r>
+            <a:r>
+              <a:rPr lang="fi-FI" dirty="0" smtClean="0"/>
+              <a:t>(</a:t>
+            </a:r>
+            <a:r>
+              <a:rPr lang="fi-FI" b="1" dirty="0" smtClean="0"/>
+              <a:t>in </a:t>
+            </a:r>
+            <a:r>
+              <a:rPr lang="fi-FI" dirty="0" err="1" smtClean="0"/>
               <a:t>bit</a:t>
             </a:r>
             <a:r>
-              <a:rPr lang="en-US" dirty="0" smtClean="0"/>
-              <a:t>&lt;4</a:t>
-            </a:r>
-            <a:r>
-              <a:rPr lang="en-US" dirty="0"/>
-              <a:t>&gt; get(bit&lt;8&gt;); </a:t>
-            </a:r>
-            <a:r>
-              <a:rPr lang="en-US" dirty="0" smtClean="0"/>
-              <a:t/>
-            </a:r>
-            <a:br>
-              <a:rPr lang="en-US" dirty="0" smtClean="0"/>
-            </a:br>
-            <a:r>
-              <a:rPr lang="en-US" dirty="0" smtClean="0"/>
+              <a:rPr lang="fi-FI" dirty="0" smtClean="0"/>
+              <a:t>&lt;32&gt; </a:t>
+            </a:r>
+            <a:r>
+              <a:rPr lang="fi-FI" dirty="0" err="1" smtClean="0"/>
+              <a:t>size</a:t>
+            </a:r>
+            <a:r>
+              <a:rPr lang="fi-FI" dirty="0" smtClean="0"/>
+              <a:t>);</a:t>
+            </a:r>
+            <a:br>
+              <a:rPr lang="fi-FI" dirty="0" smtClean="0"/>
+            </a:br>
+            <a:r>
+              <a:rPr lang="fi-FI" dirty="0" smtClean="0"/>
               <a:t>}</a:t>
             </a:r>
+          </a:p>
+          <a:p>
+            <a:pPr marL="0" indent="0">
+              <a:buNone/>
+            </a:pPr>
             <a:endParaRPr lang="en-US" dirty="0"/>
           </a:p>
-          <a:p>
-            <a:pPr marL="0" indent="0">
-              <a:buNone/>
-            </a:pPr>
-            <a:r>
-              <a:rPr lang="en-US" dirty="0" err="1"/>
-              <a:t>value_set</a:t>
-            </a:r>
-            <a:r>
-              <a:rPr lang="en-US" dirty="0"/>
-              <a:t> </a:t>
-            </a:r>
-            <a:r>
-              <a:rPr lang="en-US" dirty="0" err="1"/>
-              <a:t>inst</a:t>
-            </a:r>
-            <a:r>
-              <a:rPr lang="en-US" dirty="0"/>
-              <a:t>;</a:t>
-            </a:r>
-          </a:p>
-          <a:p>
-            <a:pPr marL="0" indent="0">
-              <a:buNone/>
-            </a:pPr>
-            <a:r>
-              <a:rPr lang="en-US" b="1" dirty="0"/>
-              <a:t>transition</a:t>
-            </a:r>
-            <a:r>
-              <a:rPr lang="en-US" dirty="0"/>
-              <a:t> </a:t>
-            </a:r>
-            <a:r>
-              <a:rPr lang="en-US" b="1" dirty="0"/>
-              <a:t>select</a:t>
-            </a:r>
-            <a:r>
-              <a:rPr lang="en-US" dirty="0"/>
-              <a:t>(</a:t>
-            </a:r>
-            <a:r>
-              <a:rPr lang="en-US" dirty="0" err="1"/>
-              <a:t>inst.get</a:t>
-            </a:r>
-            <a:r>
-              <a:rPr lang="en-US" dirty="0"/>
-              <a:t>(</a:t>
-            </a:r>
-            <a:r>
-              <a:rPr lang="en-US" dirty="0" err="1"/>
-              <a:t>h.mpls</a:t>
-            </a:r>
-            <a:r>
-              <a:rPr lang="en-US" dirty="0" smtClean="0"/>
-              <a:t>))</a:t>
-            </a:r>
-            <a:endParaRPr lang="en-US" dirty="0"/>
+        </p:txBody>
+      </p:sp>
+      <p:sp>
+        <p:nvSpPr>
+          <p:cNvPr id="5" name="TextBox 4"/>
+          <p:cNvSpPr txBox="1"/>
+          <p:nvPr/>
+        </p:nvSpPr>
+        <p:spPr>
+          <a:xfrm>
+            <a:off x="6172200" y="5896401"/>
+            <a:ext cx="5476461" cy="830997"/>
+          </a:xfrm>
+          <a:prstGeom prst="rect">
+            <a:avLst/>
+          </a:prstGeom>
+          <a:noFill/>
+        </p:spPr>
+        <p:txBody>
+          <a:bodyPr wrap="square" rtlCol="0">
+            <a:spAutoFit/>
+          </a:bodyPr>
+          <a:lstStyle/>
+          <a:p>
+            <a:r>
+              <a:rPr lang="en-US" sz="2400" dirty="0" smtClean="0"/>
+              <a:t>Truncate can be a </a:t>
+            </a:r>
+            <a:r>
+              <a:rPr lang="en-US" sz="2400" dirty="0" err="1" smtClean="0"/>
+              <a:t>packet_out</a:t>
+            </a:r>
+            <a:r>
+              <a:rPr lang="en-US" sz="2400" dirty="0" smtClean="0"/>
+              <a:t> method.</a:t>
+            </a:r>
+          </a:p>
+          <a:p>
+            <a:r>
+              <a:rPr lang="en-US" sz="2400" dirty="0" smtClean="0"/>
+              <a:t>Can also be implemented with an extern.</a:t>
+            </a:r>
+            <a:endParaRPr lang="en-US" sz="2400" dirty="0"/>
+          </a:p>
+        </p:txBody>
+      </p:sp>
+      <p:sp>
+        <p:nvSpPr>
+          <p:cNvPr id="6" name="TextBox 5"/>
+          <p:cNvSpPr txBox="1"/>
+          <p:nvPr/>
+        </p:nvSpPr>
+        <p:spPr>
+          <a:xfrm>
+            <a:off x="9190653" y="230188"/>
+            <a:ext cx="2247667" cy="369332"/>
+          </a:xfrm>
+          <a:prstGeom prst="rect">
+            <a:avLst/>
+          </a:prstGeom>
+          <a:noFill/>
+        </p:spPr>
+        <p:txBody>
+          <a:bodyPr wrap="none" rtlCol="0">
+            <a:spAutoFit/>
+          </a:bodyPr>
+          <a:lstStyle/>
+          <a:p>
+            <a:r>
+              <a:rPr lang="en-US" i="1" dirty="0" smtClean="0"/>
+              <a:t>no </a:t>
+            </a:r>
+            <a:r>
+              <a:rPr lang="en-US" i="1" smtClean="0"/>
+              <a:t>examples available</a:t>
+            </a:r>
+            <a:endParaRPr lang="en-US" i="1"/>
           </a:p>
         </p:txBody>
       </p:sp>
     </p:spTree>
     <p:extLst>
       <p:ext uri="{BB962C8B-B14F-4D97-AF65-F5344CB8AC3E}">
-        <p14:creationId xmlns:p14="http://schemas.microsoft.com/office/powerpoint/2010/main" val="1833444523"/>
+        <p14:creationId xmlns:p14="http://schemas.microsoft.com/office/powerpoint/2010/main" val="513884653"/>
       </p:ext>
     </p:extLst>
   </p:cSld>
   <p:clrMapOvr>
     <a:masterClrMapping/>
   </p:clrMapOvr>
+  <p:timing>
+    <p:tnLst>
+      <p:par>
+        <p:cTn id="1" dur="indefinite" restart="never" nodeType="tmRoot"/>
+      </p:par>
+    </p:tnLst>
+  </p:timing>
 </p:sld>
 </file>
 
@@ -17703,7 +18564,12 @@
             <p:ph type="title"/>
           </p:nvPr>
         </p:nvSpPr>
-        <p:spPr/>
+        <p:spPr>
+          <a:xfrm>
+            <a:off x="266700" y="365125"/>
+            <a:ext cx="11620500" cy="1325563"/>
+          </a:xfrm>
+        </p:spPr>
         <p:txBody>
           <a:bodyPr>
             <a:normAutofit fontScale="90000"/>
@@ -17712,22 +18578,22 @@
           <a:p>
             <a:r>
               <a:rPr lang="en-US" dirty="0" smtClean="0"/>
-              <a:t>Registers</a:t>
-            </a:r>
-            <a:br>
-              <a:rPr lang="en-US" dirty="0" smtClean="0"/>
-            </a:br>
-            <a:r>
-              <a:rPr lang="en-US" dirty="0" smtClean="0"/>
-              <a:t>(attributes, </a:t>
-            </a:r>
-            <a:r>
-              <a:rPr lang="en-US" dirty="0" err="1" smtClean="0"/>
-              <a:t>instance_count</a:t>
-            </a:r>
-            <a:r>
-              <a:rPr lang="en-US" dirty="0" smtClean="0"/>
-              <a:t>, layout, register, width)</a:t>
+              <a:t>Extern </a:t>
+            </a:r>
+            <a:br>
+              <a:rPr lang="en-US" dirty="0" smtClean="0"/>
+            </a:br>
+            <a:r>
+              <a:rPr lang="en-US" dirty="0" smtClean="0"/>
+              <a:t>(extern, </a:t>
+            </a:r>
+            <a:r>
+              <a:rPr lang="en-US" dirty="0" err="1" smtClean="0"/>
+              <a:t>extern_type</a:t>
+            </a:r>
+            <a:r>
+              <a:rPr lang="en-US" dirty="0" smtClean="0"/>
+              <a:t>, method, attribute, type, optional)</a:t>
             </a:r>
             <a:endParaRPr lang="en-US" dirty="0"/>
           </a:p>
@@ -17745,8 +18611,8 @@
         </p:nvSpPr>
         <p:spPr>
           <a:xfrm>
-            <a:off x="838200" y="1834092"/>
-            <a:ext cx="4749800" cy="4351338"/>
+            <a:off x="838200" y="1825625"/>
+            <a:ext cx="4936067" cy="4351338"/>
           </a:xfrm>
           <a:solidFill>
             <a:srgbClr val="FFFEE0"/>
@@ -17754,7 +18620,7 @@
         </p:spPr>
         <p:txBody>
           <a:bodyPr>
-            <a:normAutofit fontScale="92500" lnSpcReduction="10000"/>
+            <a:normAutofit/>
           </a:bodyPr>
           <a:lstStyle/>
           <a:p>
@@ -17762,31 +18628,54 @@
               <a:buNone/>
             </a:pPr>
             <a:r>
+              <a:rPr lang="en-US" b="1" dirty="0" err="1" smtClean="0"/>
+              <a:t>extern_type</a:t>
+            </a:r>
+            <a:r>
+              <a:rPr lang="en-US" dirty="0" smtClean="0"/>
+              <a:t> et {</a:t>
+            </a:r>
+            <a:br>
+              <a:rPr lang="en-US" dirty="0" smtClean="0"/>
+            </a:br>
+            <a:r>
+              <a:rPr lang="en-US" dirty="0" smtClean="0"/>
+              <a:t>   </a:t>
+            </a:r>
+            <a:r>
               <a:rPr lang="en-US" b="1" dirty="0" smtClean="0"/>
-              <a:t>register</a:t>
-            </a:r>
-            <a:r>
-              <a:rPr lang="en-US" dirty="0" smtClean="0"/>
-              <a:t> state {</a:t>
-            </a:r>
-            <a:br>
-              <a:rPr lang="en-US" dirty="0" smtClean="0"/>
-            </a:br>
-            <a:r>
-              <a:rPr lang="en-US" dirty="0" smtClean="0"/>
-              <a:t>    </a:t>
+              <a:t>attribute</a:t>
+            </a:r>
+            <a:r>
+              <a:rPr lang="en-US" dirty="0" smtClean="0"/>
+              <a:t> </a:t>
+            </a:r>
+            <a:r>
+              <a:rPr lang="en-US" dirty="0"/>
+              <a:t>size </a:t>
+            </a:r>
+            <a:r>
+              <a:rPr lang="en-US" dirty="0" smtClean="0"/>
+              <a:t>{</a:t>
+            </a:r>
+            <a:br>
+              <a:rPr lang="en-US" dirty="0" smtClean="0"/>
+            </a:br>
+            <a:r>
+              <a:rPr lang="en-US" dirty="0" smtClean="0"/>
+              <a:t>     </a:t>
             </a:r>
             <a:r>
               <a:rPr lang="en-US" b="1" dirty="0" smtClean="0"/>
-              <a:t>layout</a:t>
-            </a:r>
-            <a:r>
-              <a:rPr lang="en-US" dirty="0" smtClean="0"/>
-              <a:t> : </a:t>
-            </a:r>
-            <a:r>
-              <a:rPr lang="en-US" dirty="0" err="1" smtClean="0"/>
-              <a:t>state_layout</a:t>
+              <a:t>type</a:t>
+            </a:r>
+            <a:r>
+              <a:rPr lang="en-US" dirty="0"/>
+              <a:t>: </a:t>
+            </a:r>
+            <a:r>
+              <a:rPr lang="en-US" b="1" dirty="0" err="1" smtClean="0"/>
+              <a:t>int</a:t>
             </a:r>
             <a:r>
               <a:rPr lang="en-US" dirty="0" smtClean="0"/>
@@ -17797,15 +18686,90 @@
             </a:br>
             <a:r>
               <a:rPr lang="en-US" dirty="0" smtClean="0"/>
-              <a:t>    </a:t>
-            </a:r>
-            <a:r>
-              <a:rPr lang="en-US" b="1" dirty="0" err="1" smtClean="0"/>
-              <a:t>instance_count</a:t>
-            </a:r>
-            <a:r>
-              <a:rPr lang="en-US" dirty="0" smtClean="0"/>
-              <a:t> : 100;</a:t>
+              <a:t>     </a:t>
+            </a:r>
+            <a:r>
+              <a:rPr lang="en-US" b="1" dirty="0" smtClean="0"/>
+              <a:t>optional</a:t>
+            </a:r>
+            <a:r>
+              <a:rPr lang="en-US" dirty="0" smtClean="0"/>
+              <a:t>;</a:t>
+            </a:r>
+            <a:br>
+              <a:rPr lang="en-US" dirty="0" smtClean="0"/>
+            </a:br>
+            <a:r>
+              <a:rPr lang="en-US" dirty="0" smtClean="0"/>
+              <a:t>   }</a:t>
+            </a:r>
+          </a:p>
+          <a:p>
+            <a:pPr marL="0" indent="0">
+              <a:buNone/>
+            </a:pPr>
+            <a:r>
+              <a:rPr lang="en-US" dirty="0"/>
+              <a:t> </a:t>
+            </a:r>
+            <a:r>
+              <a:rPr lang="en-US" dirty="0" smtClean="0"/>
+              <a:t>  </a:t>
+            </a:r>
+            <a:r>
+              <a:rPr lang="en-US" b="1" dirty="0" smtClean="0"/>
+              <a:t>method</a:t>
+            </a:r>
+            <a:r>
+              <a:rPr lang="en-US" dirty="0" smtClean="0"/>
+              <a:t> x(</a:t>
+            </a:r>
+            <a:r>
+              <a:rPr lang="en-US" b="1" dirty="0" smtClean="0"/>
+              <a:t>in</a:t>
+            </a:r>
+            <a:r>
+              <a:rPr lang="en-US" dirty="0" smtClean="0"/>
+              <a:t> </a:t>
+            </a:r>
+            <a:r>
+              <a:rPr lang="en-US" b="1" dirty="0" smtClean="0"/>
+              <a:t>bit</a:t>
+            </a:r>
+            <a:r>
+              <a:rPr lang="en-US" dirty="0" smtClean="0"/>
+              <a:t> </a:t>
+            </a:r>
+            <a:r>
+              <a:rPr lang="en-US" dirty="0" err="1" smtClean="0"/>
+              <a:t>arg</a:t>
+            </a:r>
+            <a:r>
+              <a:rPr lang="en-US" dirty="0" smtClean="0"/>
+              <a:t>);</a:t>
+            </a:r>
+            <a:br>
+              <a:rPr lang="en-US" dirty="0" smtClean="0"/>
+            </a:br>
+            <a:r>
+              <a:rPr lang="en-US" dirty="0" smtClean="0"/>
+              <a:t>   </a:t>
+            </a:r>
+            <a:r>
+              <a:rPr lang="en-US" b="1" dirty="0" smtClean="0"/>
+              <a:t>method</a:t>
+            </a:r>
+            <a:r>
+              <a:rPr lang="en-US" dirty="0" smtClean="0"/>
+              <a:t> y(</a:t>
+            </a:r>
+            <a:r>
+              <a:rPr lang="en-US" b="1" dirty="0" smtClean="0"/>
+              <a:t>out bit </a:t>
+            </a:r>
+            <a:r>
+              <a:rPr lang="en-US" dirty="0" smtClean="0"/>
+              <a:t>res);</a:t>
             </a:r>
             <a:br>
               <a:rPr lang="en-US" dirty="0" smtClean="0"/>
@@ -17816,6 +18780,9 @@
             </a:r>
           </a:p>
           <a:p>
+            <a:pPr marL="0" indent="0">
+              <a:buNone/>
+            </a:pPr>
             <a:endParaRPr lang="en-US" dirty="0" smtClean="0"/>
           </a:p>
           <a:p>
@@ -17823,30 +18790,12 @@
               <a:buNone/>
             </a:pPr>
             <a:r>
-              <a:rPr lang="en-US" b="1" dirty="0"/>
-              <a:t>a</a:t>
-            </a:r>
-            <a:r>
               <a:rPr lang="en-US" b="1" dirty="0" smtClean="0"/>
-              <a:t>ction</a:t>
-            </a:r>
-            <a:r>
-              <a:rPr lang="en-US" dirty="0" smtClean="0"/>
-              <a:t> a() {</a:t>
-            </a:r>
-            <a:br>
-              <a:rPr lang="en-US" dirty="0" smtClean="0"/>
-            </a:br>
-            <a:r>
-              <a:rPr lang="en-US" dirty="0" smtClean="0"/>
-              <a:t>   out = state[4].f;</a:t>
-            </a:r>
-            <a:br>
-              <a:rPr lang="en-US" dirty="0" smtClean="0"/>
-            </a:br>
-            <a:r>
-              <a:rPr lang="en-US" dirty="0" smtClean="0"/>
-              <a:t>}</a:t>
+              <a:t>extern</a:t>
+            </a:r>
+            <a:r>
+              <a:rPr lang="en-US" dirty="0" smtClean="0"/>
+              <a:t> et e { size : 54 };</a:t>
             </a:r>
             <a:endParaRPr lang="en-US" dirty="0"/>
           </a:p>
@@ -17865,12 +18814,12 @@
         <p:spPr>
           <a:xfrm>
             <a:off x="6172200" y="1825624"/>
-            <a:ext cx="5181600" cy="5032376"/>
+            <a:ext cx="5181600" cy="4747453"/>
           </a:xfrm>
         </p:spPr>
         <p:txBody>
           <a:bodyPr>
-            <a:normAutofit fontScale="92500" lnSpcReduction="10000"/>
+            <a:normAutofit/>
           </a:bodyPr>
           <a:lstStyle/>
           <a:p>
@@ -17887,14 +18836,52 @@
             </a:r>
             <a:r>
               <a:rPr lang="en-US" dirty="0" smtClean="0"/>
-              <a:t> register&lt;T&gt; {</a:t>
-            </a:r>
-            <a:br>
-              <a:rPr lang="en-US" dirty="0" smtClean="0"/>
-            </a:br>
-            <a:r>
-              <a:rPr lang="en-US" dirty="0" smtClean="0"/>
-              <a:t>     register(</a:t>
+              <a:t> et {</a:t>
+            </a:r>
+            <a:br>
+              <a:rPr lang="en-US" dirty="0" smtClean="0"/>
+            </a:br>
+            <a:r>
+              <a:rPr lang="en-US" dirty="0" smtClean="0"/>
+              <a:t>   et(</a:t>
+            </a:r>
+            <a:r>
+              <a:rPr lang="en-US" b="1" dirty="0" err="1" smtClean="0"/>
+              <a:t>int</a:t>
+            </a:r>
+            <a:r>
+              <a:rPr lang="en-US" dirty="0" smtClean="0"/>
+              <a:t> size);</a:t>
+            </a:r>
+            <a:br>
+              <a:rPr lang="en-US" dirty="0" smtClean="0"/>
+            </a:br>
+            <a:r>
+              <a:rPr lang="en-US" dirty="0" smtClean="0"/>
+              <a:t>   et();</a:t>
+            </a:r>
+            <a:br>
+              <a:rPr lang="en-US" dirty="0" smtClean="0"/>
+            </a:br>
+            <a:r>
+              <a:rPr lang="en-US" dirty="0" smtClean="0"/>
+              <a:t>   </a:t>
+            </a:r>
+            <a:r>
+              <a:rPr lang="en-US" b="1" dirty="0" smtClean="0"/>
+              <a:t>void</a:t>
+            </a:r>
+            <a:r>
+              <a:rPr lang="en-US" dirty="0" smtClean="0"/>
+              <a:t> x(</a:t>
+            </a:r>
+            <a:r>
+              <a:rPr lang="en-US" b="1" dirty="0" smtClean="0"/>
+              <a:t>in</a:t>
+            </a:r>
+            <a:r>
+              <a:rPr lang="en-US" dirty="0" smtClean="0"/>
+              <a:t> </a:t>
             </a:r>
             <a:r>
               <a:rPr lang="en-US" b="1" dirty="0" smtClean="0"/>
@@ -17902,14 +18889,22 @@
             </a:r>
             <a:r>
               <a:rPr lang="en-US" dirty="0" smtClean="0"/>
-              <a:t>&lt;16&gt; size);</a:t>
-            </a:r>
-            <a:br>
-              <a:rPr lang="en-US" dirty="0" smtClean="0"/>
-            </a:br>
-            <a:r>
-              <a:rPr lang="en-US" dirty="0" smtClean="0"/>
-              <a:t>     T get(</a:t>
+              <a:t> </a:t>
+            </a:r>
+            <a:r>
+              <a:rPr lang="en-US" dirty="0" err="1" smtClean="0"/>
+              <a:t>arg</a:t>
+            </a:r>
+            <a:r>
+              <a:rPr lang="en-US" dirty="0" smtClean="0"/>
+              <a:t>);</a:t>
+            </a:r>
+            <a:br>
+              <a:rPr lang="en-US" dirty="0" smtClean="0"/>
+            </a:br>
+            <a:r>
+              <a:rPr lang="en-US" dirty="0" smtClean="0"/>
+              <a:t>   </a:t>
             </a:r>
             <a:r>
               <a:rPr lang="en-US" b="1" dirty="0" smtClean="0"/>
@@ -17917,14 +18912,14 @@
             </a:r>
             <a:r>
               <a:rPr lang="en-US" dirty="0" smtClean="0"/>
-              <a:t>&lt;16&gt; index);</a:t>
-            </a:r>
-            <a:br>
-              <a:rPr lang="en-US" dirty="0" smtClean="0"/>
-            </a:br>
-            <a:r>
-              <a:rPr lang="en-US" dirty="0" smtClean="0"/>
-              <a:t>     </a:t>
+              <a:t> y();</a:t>
+            </a:r>
+            <a:br>
+              <a:rPr lang="en-US" dirty="0" smtClean="0"/>
+            </a:br>
+            <a:r>
+              <a:rPr lang="en-US" dirty="0" smtClean="0"/>
+              <a:t>   </a:t>
             </a:r>
             <a:r>
               <a:rPr lang="en-US" b="1" dirty="0" smtClean="0"/>
@@ -17932,7 +18927,15 @@
             </a:r>
             <a:r>
               <a:rPr lang="en-US" dirty="0" smtClean="0"/>
-              <a:t> set(</a:t>
+              <a:t> y1(</a:t>
+            </a:r>
+            <a:r>
+              <a:rPr lang="en-US" b="1" dirty="0" smtClean="0"/>
+              <a:t>out</a:t>
+            </a:r>
+            <a:r>
+              <a:rPr lang="en-US" dirty="0" smtClean="0"/>
+              <a:t> </a:t>
             </a:r>
             <a:r>
               <a:rPr lang="en-US" b="1" dirty="0" smtClean="0"/>
@@ -17940,39 +18943,22 @@
             </a:r>
             <a:r>
               <a:rPr lang="en-US" dirty="0" smtClean="0"/>
-              <a:t>&lt;16&gt; index, T value);</a:t>
-            </a:r>
-            <a:br>
-              <a:rPr lang="en-US" dirty="0" smtClean="0"/>
-            </a:br>
-            <a:r>
-              <a:rPr lang="en-US" dirty="0" smtClean="0"/>
-              <a:t>} // in a library</a:t>
-            </a:r>
-            <a:br>
-              <a:rPr lang="en-US" dirty="0" smtClean="0"/>
-            </a:br>
-            <a:endParaRPr lang="en-US" dirty="0" smtClean="0"/>
-          </a:p>
-          <a:p>
-            <a:pPr marL="0" indent="0">
-              <a:buNone/>
-            </a:pPr>
-            <a:r>
-              <a:rPr lang="en-US" dirty="0"/>
-              <a:t>r</a:t>
-            </a:r>
-            <a:r>
-              <a:rPr lang="en-US" dirty="0" smtClean="0"/>
-              <a:t>egister&lt;</a:t>
-            </a:r>
-            <a:r>
-              <a:rPr lang="en-US" dirty="0" err="1" smtClean="0"/>
-              <a:t>state_layout</a:t>
-            </a:r>
-            <a:r>
-              <a:rPr lang="en-US" dirty="0" smtClean="0"/>
-              <a:t>&gt;(100) state;</a:t>
+              <a:t> </a:t>
+            </a:r>
+            <a:r>
+              <a:rPr lang="en-US" dirty="0" err="1" smtClean="0"/>
+              <a:t>arg</a:t>
+            </a:r>
+            <a:r>
+              <a:rPr lang="en-US" dirty="0" smtClean="0"/>
+              <a:t>);</a:t>
+            </a:r>
+            <a:br>
+              <a:rPr lang="en-US" dirty="0" smtClean="0"/>
+            </a:br>
+            <a:r>
+              <a:rPr lang="en-US" dirty="0" smtClean="0"/>
+              <a:t>}</a:t>
             </a:r>
           </a:p>
           <a:p>
@@ -17986,68 +18972,84 @@
               <a:buNone/>
             </a:pPr>
             <a:r>
-              <a:rPr lang="en-US" b="1" dirty="0"/>
-              <a:t>a</a:t>
-            </a:r>
-            <a:r>
-              <a:rPr lang="en-US" b="1" dirty="0" smtClean="0"/>
-              <a:t>ction</a:t>
-            </a:r>
-            <a:r>
-              <a:rPr lang="en-US" dirty="0" smtClean="0"/>
-              <a:t> a()</a:t>
-            </a:r>
-            <a:br>
-              <a:rPr lang="en-US" dirty="0" smtClean="0"/>
-            </a:br>
-            <a:r>
-              <a:rPr lang="en-US" dirty="0" smtClean="0"/>
-              <a:t>{</a:t>
-            </a:r>
-            <a:br>
-              <a:rPr lang="en-US" dirty="0" smtClean="0"/>
-            </a:br>
-            <a:r>
-              <a:rPr lang="en-US" dirty="0" smtClean="0"/>
-              <a:t>    out = </a:t>
-            </a:r>
-            <a:r>
-              <a:rPr lang="en-US" dirty="0" err="1" smtClean="0"/>
-              <a:t>state.get</a:t>
-            </a:r>
-            <a:r>
-              <a:rPr lang="en-US" dirty="0" smtClean="0"/>
-              <a:t>(4</a:t>
-            </a:r>
-            <a:r>
-              <a:rPr lang="en-US" dirty="0"/>
-              <a:t>)</a:t>
-            </a:r>
-            <a:r>
-              <a:rPr lang="en-US" dirty="0" smtClean="0"/>
-              <a:t>.f;</a:t>
-            </a:r>
-            <a:br>
-              <a:rPr lang="en-US" dirty="0" smtClean="0"/>
-            </a:br>
-            <a:r>
-              <a:rPr lang="en-US" dirty="0" smtClean="0"/>
-              <a:t>}</a:t>
-            </a:r>
-            <a:br>
-              <a:rPr lang="en-US" dirty="0" smtClean="0"/>
-            </a:br>
-            <a:r>
-              <a:rPr lang="en-US" dirty="0" smtClean="0"/>
-              <a:t>   </a:t>
-            </a:r>
+              <a:rPr lang="en-US" dirty="0" smtClean="0"/>
+              <a:t>et(54) e;</a:t>
+            </a:r>
+          </a:p>
+          <a:p>
+            <a:pPr marL="0" indent="0">
+              <a:buNone/>
+            </a:pPr>
+            <a:endParaRPr lang="en-US" dirty="0"/>
+          </a:p>
+        </p:txBody>
+      </p:sp>
+      <p:sp>
+        <p:nvSpPr>
+          <p:cNvPr id="5" name="Rectangle 4"/>
+          <p:cNvSpPr/>
+          <p:nvPr/>
+        </p:nvSpPr>
+        <p:spPr>
+          <a:xfrm>
+            <a:off x="4057977" y="6311900"/>
+            <a:ext cx="8030468" cy="461665"/>
+          </a:xfrm>
+          <a:prstGeom prst="rect">
+            <a:avLst/>
+          </a:prstGeom>
+        </p:spPr>
+        <p:txBody>
+          <a:bodyPr wrap="none">
+            <a:spAutoFit/>
+          </a:bodyPr>
+          <a:lstStyle/>
+          <a:p>
+            <a:r>
+              <a:rPr lang="en-US" sz="2400" dirty="0"/>
+              <a:t>Methods have return types =&gt; method calls can be expressions</a:t>
+            </a:r>
+          </a:p>
+        </p:txBody>
+      </p:sp>
+      <p:sp>
+        <p:nvSpPr>
+          <p:cNvPr id="6" name="TextBox 5"/>
+          <p:cNvSpPr txBox="1"/>
+          <p:nvPr/>
+        </p:nvSpPr>
+        <p:spPr>
+          <a:xfrm>
+            <a:off x="9190653" y="230188"/>
+            <a:ext cx="2247667" cy="369332"/>
+          </a:xfrm>
+          <a:prstGeom prst="rect">
+            <a:avLst/>
+          </a:prstGeom>
+          <a:noFill/>
+        </p:spPr>
+        <p:txBody>
+          <a:bodyPr wrap="none" rtlCol="0">
+            <a:spAutoFit/>
+          </a:bodyPr>
+          <a:lstStyle/>
+          <a:p>
+            <a:r>
+              <a:rPr lang="en-US" i="1" dirty="0" smtClean="0"/>
+              <a:t>no </a:t>
+            </a:r>
+            <a:r>
+              <a:rPr lang="en-US" i="1" smtClean="0"/>
+              <a:t>examples available</a:t>
+            </a:r>
+            <a:endParaRPr lang="en-US" i="1"/>
           </a:p>
         </p:txBody>
       </p:sp>
     </p:spTree>
     <p:extLst>
       <p:ext uri="{BB962C8B-B14F-4D97-AF65-F5344CB8AC3E}">
-        <p14:creationId xmlns:p14="http://schemas.microsoft.com/office/powerpoint/2010/main" val="1886618321"/>
+        <p14:creationId xmlns:p14="http://schemas.microsoft.com/office/powerpoint/2010/main" val="995754273"/>
       </p:ext>
     </p:extLst>
   </p:cSld>
@@ -18098,7 +19100,22 @@
           <a:p>
             <a:r>
               <a:rPr lang="en-US" dirty="0" smtClean="0"/>
-              <a:t>Indirect (static) meters</a:t>
+              <a:t>Primitive actions</a:t>
+            </a:r>
+            <a:br>
+              <a:rPr lang="en-US" dirty="0" smtClean="0"/>
+            </a:br>
+            <a:r>
+              <a:rPr lang="en-US" dirty="0" smtClean="0"/>
+              <a:t>(</a:t>
+            </a:r>
+            <a:r>
+              <a:rPr lang="en-US" dirty="0" err="1" smtClean="0"/>
+              <a:t>primitive_action</a:t>
+            </a:r>
+            <a:r>
+              <a:rPr lang="en-US" dirty="0" smtClean="0"/>
+              <a:t>)</a:t>
             </a:r>
             <a:endParaRPr lang="en-US" dirty="0"/>
           </a:p>
@@ -18117,7 +19134,7 @@
         <p:spPr>
           <a:xfrm>
             <a:off x="838200" y="1825625"/>
-            <a:ext cx="4817533" cy="4351338"/>
+            <a:ext cx="4433486" cy="4351338"/>
           </a:xfrm>
           <a:solidFill>
             <a:srgbClr val="FFFEE0"/>
@@ -18127,7 +19144,35 @@
           <a:bodyPr/>
           <a:lstStyle/>
           <a:p>
-            <a:endParaRPr lang="en-US" dirty="0"/>
+            <a:pPr marL="0" indent="0">
+              <a:buNone/>
+            </a:pPr>
+            <a:r>
+              <a:rPr lang="en-US" b="1" dirty="0" err="1" smtClean="0"/>
+              <a:t>primitive_action</a:t>
+            </a:r>
+            <a:r>
+              <a:rPr lang="en-US" dirty="0" smtClean="0"/>
+              <a:t> p(</a:t>
+            </a:r>
+            <a:r>
+              <a:rPr lang="en-US" dirty="0" err="1" smtClean="0"/>
+              <a:t>params</a:t>
+            </a:r>
+            <a:r>
+              <a:rPr lang="en-US" dirty="0" smtClean="0"/>
+              <a:t>);</a:t>
+            </a:r>
+          </a:p>
+          <a:p>
+            <a:pPr marL="0" indent="0">
+              <a:buNone/>
+            </a:pPr>
+            <a:r>
+              <a:rPr lang="en-US" i="1" dirty="0" smtClean="0"/>
+              <a:t>could not find examples</a:t>
+            </a:r>
+            <a:endParaRPr lang="en-US" i="1" dirty="0"/>
           </a:p>
         </p:txBody>
       </p:sp>
@@ -18141,40 +19186,156 @@
             <p:ph sz="half" idx="2"/>
           </p:nvPr>
         </p:nvSpPr>
+        <p:spPr/>
+        <p:txBody>
+          <a:bodyPr/>
+          <a:lstStyle/>
+          <a:p>
+            <a:pPr marL="0" indent="0">
+              <a:buNone/>
+            </a:pPr>
+            <a:r>
+              <a:rPr lang="en-US" b="1" dirty="0" smtClean="0"/>
+              <a:t>extern</a:t>
+            </a:r>
+            <a:r>
+              <a:rPr lang="en-US" dirty="0" smtClean="0"/>
+              <a:t> </a:t>
+            </a:r>
+            <a:r>
+              <a:rPr lang="en-US" dirty="0" err="1" smtClean="0"/>
+              <a:t>restype</a:t>
+            </a:r>
+            <a:r>
+              <a:rPr lang="en-US" dirty="0" smtClean="0"/>
+              <a:t> function(</a:t>
+            </a:r>
+            <a:r>
+              <a:rPr lang="en-US" dirty="0" err="1" smtClean="0"/>
+              <a:t>params</a:t>
+            </a:r>
+            <a:r>
+              <a:rPr lang="en-US" dirty="0" smtClean="0"/>
+              <a:t>);</a:t>
+            </a:r>
+            <a:br>
+              <a:rPr lang="en-US" dirty="0" smtClean="0"/>
+            </a:br>
+            <a:r>
+              <a:rPr lang="en-US" b="1" dirty="0" smtClean="0"/>
+              <a:t>extern </a:t>
+            </a:r>
+            <a:r>
+              <a:rPr lang="en-US" dirty="0" smtClean="0"/>
+              <a:t>object {</a:t>
+            </a:r>
+            <a:br>
+              <a:rPr lang="en-US" dirty="0" smtClean="0"/>
+            </a:br>
+            <a:r>
+              <a:rPr lang="en-US" dirty="0" smtClean="0"/>
+              <a:t>    object(</a:t>
+            </a:r>
+            <a:r>
+              <a:rPr lang="en-US" dirty="0" err="1" smtClean="0"/>
+              <a:t>constructor_args</a:t>
+            </a:r>
+            <a:r>
+              <a:rPr lang="en-US" dirty="0" smtClean="0"/>
+              <a:t>);</a:t>
+            </a:r>
+            <a:br>
+              <a:rPr lang="en-US" dirty="0" smtClean="0"/>
+            </a:br>
+            <a:r>
+              <a:rPr lang="en-US" dirty="0" smtClean="0"/>
+              <a:t>    </a:t>
+            </a:r>
+            <a:r>
+              <a:rPr lang="en-US" dirty="0" err="1" smtClean="0"/>
+              <a:t>restype</a:t>
+            </a:r>
+            <a:r>
+              <a:rPr lang="en-US" dirty="0" smtClean="0"/>
+              <a:t> method(</a:t>
+            </a:r>
+            <a:r>
+              <a:rPr lang="en-US" dirty="0" err="1" smtClean="0"/>
+              <a:t>args</a:t>
+            </a:r>
+            <a:r>
+              <a:rPr lang="en-US" dirty="0" smtClean="0"/>
+              <a:t>);</a:t>
+            </a:r>
+            <a:br>
+              <a:rPr lang="en-US" dirty="0" smtClean="0"/>
+            </a:br>
+            <a:r>
+              <a:rPr lang="en-US" dirty="0" smtClean="0"/>
+              <a:t>}</a:t>
+            </a:r>
+            <a:endParaRPr lang="en-US" dirty="0"/>
+          </a:p>
+        </p:txBody>
+      </p:sp>
+      <p:sp>
+        <p:nvSpPr>
+          <p:cNvPr id="5" name="Rectangle 4"/>
+          <p:cNvSpPr/>
+          <p:nvPr/>
+        </p:nvSpPr>
         <p:spPr>
           <a:xfrm>
-            <a:off x="6172200" y="1834092"/>
-            <a:ext cx="5181600" cy="4351338"/>
+            <a:off x="5271686" y="5576798"/>
+            <a:ext cx="6776022" cy="1200329"/>
           </a:xfrm>
+          <a:prstGeom prst="rect">
+            <a:avLst/>
+          </a:prstGeom>
         </p:spPr>
         <p:txBody>
-          <a:bodyPr/>
-          <a:lstStyle/>
-          <a:p>
-            <a:r>
-              <a:rPr lang="en-US" dirty="0" smtClean="0"/>
-              <a:t>Cannot be done cleanly using copy-in/copy-out semantics</a:t>
-            </a:r>
-          </a:p>
-          <a:p>
-            <a:r>
-              <a:rPr lang="en-US" dirty="0" smtClean="0"/>
-              <a:t>Will require user cooperation to be implemented</a:t>
-            </a:r>
-            <a:endParaRPr lang="en-US" dirty="0"/>
+          <a:bodyPr wrap="none">
+            <a:spAutoFit/>
+          </a:bodyPr>
+          <a:lstStyle/>
+          <a:p>
+            <a:r>
+              <a:rPr lang="en-US" sz="2400" dirty="0" smtClean="0"/>
+              <a:t>Can have both extern functions and extern “objects.”</a:t>
+            </a:r>
+          </a:p>
+          <a:p>
+            <a:r>
+              <a:rPr lang="en-US" sz="2400" dirty="0" smtClean="0"/>
+              <a:t>Externs can subsume most primitive actions.</a:t>
+            </a:r>
+          </a:p>
+          <a:p>
+            <a:r>
+              <a:rPr lang="en-US" sz="2400" dirty="0" smtClean="0"/>
+              <a:t>Methods can be polymorphic.</a:t>
+            </a:r>
+            <a:endParaRPr lang="en-US" sz="2400" dirty="0"/>
           </a:p>
         </p:txBody>
       </p:sp>
     </p:spTree>
     <p:extLst>
       <p:ext uri="{BB962C8B-B14F-4D97-AF65-F5344CB8AC3E}">
-        <p14:creationId xmlns:p14="http://schemas.microsoft.com/office/powerpoint/2010/main" val="1894655792"/>
+        <p14:creationId xmlns:p14="http://schemas.microsoft.com/office/powerpoint/2010/main" val="359860199"/>
       </p:ext>
     </p:extLst>
   </p:cSld>
   <p:clrMapOvr>
     <a:masterClrMapping/>
   </p:clrMapOvr>
+  <p:timing>
+    <p:tnLst>
+      <p:par>
+        <p:cTn id="1" dur="indefinite" restart="never" nodeType="tmRoot"/>
+      </p:par>
+    </p:tnLst>
+  </p:timing>
 </p:sld>
 </file>
 
@@ -18431,6 +19592,222 @@
           <a:lstStyle/>
           <a:p>
             <a:r>
+              <a:rPr lang="en-US" dirty="0" err="1" smtClean="0"/>
+              <a:t>value_sets</a:t>
+            </a:r>
+            <a:endParaRPr lang="en-US" dirty="0"/>
+          </a:p>
+        </p:txBody>
+      </p:sp>
+      <p:sp>
+        <p:nvSpPr>
+          <p:cNvPr id="3" name="Content Placeholder 2"/>
+          <p:cNvSpPr>
+            <a:spLocks noGrp="1"/>
+          </p:cNvSpPr>
+          <p:nvPr>
+            <p:ph sz="half" idx="1"/>
+          </p:nvPr>
+        </p:nvSpPr>
+        <p:spPr>
+          <a:xfrm>
+            <a:off x="838200" y="1825625"/>
+            <a:ext cx="4334933" cy="4351338"/>
+          </a:xfrm>
+          <a:solidFill>
+            <a:srgbClr val="FFFEE0"/>
+          </a:solidFill>
+        </p:spPr>
+        <p:txBody>
+          <a:bodyPr/>
+          <a:lstStyle/>
+          <a:p>
+            <a:pPr marL="0" indent="0">
+              <a:buNone/>
+            </a:pPr>
+            <a:r>
+              <a:rPr lang="en-US" i="1" dirty="0"/>
+              <a:t>could not find examples</a:t>
+            </a:r>
+          </a:p>
+          <a:p>
+            <a:endParaRPr lang="en-US" dirty="0"/>
+          </a:p>
+        </p:txBody>
+      </p:sp>
+      <p:sp>
+        <p:nvSpPr>
+          <p:cNvPr id="4" name="Content Placeholder 3"/>
+          <p:cNvSpPr>
+            <a:spLocks noGrp="1"/>
+          </p:cNvSpPr>
+          <p:nvPr>
+            <p:ph sz="half" idx="2"/>
+          </p:nvPr>
+        </p:nvSpPr>
+        <p:spPr/>
+        <p:txBody>
+          <a:bodyPr/>
+          <a:lstStyle/>
+          <a:p>
+            <a:pPr marL="0" indent="0">
+              <a:buNone/>
+            </a:pPr>
+            <a:r>
+              <a:rPr lang="en-US" b="1" dirty="0"/>
+              <a:t>extern </a:t>
+            </a:r>
+            <a:r>
+              <a:rPr lang="en-US" dirty="0" err="1"/>
+              <a:t>value_set</a:t>
+            </a:r>
+            <a:r>
+              <a:rPr lang="en-US" dirty="0"/>
+              <a:t> { </a:t>
+            </a:r>
+            <a:r>
+              <a:rPr lang="en-US" dirty="0" smtClean="0"/>
+              <a:t/>
+            </a:r>
+            <a:br>
+              <a:rPr lang="en-US" dirty="0" smtClean="0"/>
+            </a:br>
+            <a:r>
+              <a:rPr lang="en-US" dirty="0" smtClean="0"/>
+              <a:t>    </a:t>
+            </a:r>
+            <a:r>
+              <a:rPr lang="en-US" b="1" dirty="0" smtClean="0"/>
+              <a:t>bit</a:t>
+            </a:r>
+            <a:r>
+              <a:rPr lang="en-US" dirty="0" smtClean="0"/>
+              <a:t>&lt;4</a:t>
+            </a:r>
+            <a:r>
+              <a:rPr lang="en-US" dirty="0"/>
+              <a:t>&gt; get(bit&lt;8&gt;); </a:t>
+            </a:r>
+            <a:r>
+              <a:rPr lang="en-US" dirty="0" smtClean="0"/>
+              <a:t/>
+            </a:r>
+            <a:br>
+              <a:rPr lang="en-US" dirty="0" smtClean="0"/>
+            </a:br>
+            <a:r>
+              <a:rPr lang="en-US" dirty="0" smtClean="0"/>
+              <a:t>}</a:t>
+            </a:r>
+            <a:endParaRPr lang="en-US" dirty="0"/>
+          </a:p>
+          <a:p>
+            <a:pPr marL="0" indent="0">
+              <a:buNone/>
+            </a:pPr>
+            <a:r>
+              <a:rPr lang="en-US" dirty="0" err="1"/>
+              <a:t>value_set</a:t>
+            </a:r>
+            <a:r>
+              <a:rPr lang="en-US" dirty="0"/>
+              <a:t> </a:t>
+            </a:r>
+            <a:r>
+              <a:rPr lang="en-US" dirty="0" err="1"/>
+              <a:t>inst</a:t>
+            </a:r>
+            <a:r>
+              <a:rPr lang="en-US" dirty="0"/>
+              <a:t>;</a:t>
+            </a:r>
+          </a:p>
+          <a:p>
+            <a:pPr marL="0" indent="0">
+              <a:buNone/>
+            </a:pPr>
+            <a:r>
+              <a:rPr lang="en-US" b="1" dirty="0"/>
+              <a:t>transition</a:t>
+            </a:r>
+            <a:r>
+              <a:rPr lang="en-US" dirty="0"/>
+              <a:t> </a:t>
+            </a:r>
+            <a:r>
+              <a:rPr lang="en-US" b="1" dirty="0"/>
+              <a:t>select</a:t>
+            </a:r>
+            <a:r>
+              <a:rPr lang="en-US" dirty="0"/>
+              <a:t>(</a:t>
+            </a:r>
+            <a:r>
+              <a:rPr lang="en-US" dirty="0" err="1"/>
+              <a:t>inst.get</a:t>
+            </a:r>
+            <a:r>
+              <a:rPr lang="en-US" dirty="0"/>
+              <a:t>(</a:t>
+            </a:r>
+            <a:r>
+              <a:rPr lang="en-US" dirty="0" err="1"/>
+              <a:t>h.mpls</a:t>
+            </a:r>
+            <a:r>
+              <a:rPr lang="en-US" dirty="0" smtClean="0"/>
+              <a:t>))</a:t>
+            </a:r>
+            <a:endParaRPr lang="en-US" dirty="0"/>
+          </a:p>
+        </p:txBody>
+      </p:sp>
+    </p:spTree>
+    <p:extLst>
+      <p:ext uri="{BB962C8B-B14F-4D97-AF65-F5344CB8AC3E}">
+        <p14:creationId xmlns:p14="http://schemas.microsoft.com/office/powerpoint/2010/main" val="1833444523"/>
+      </p:ext>
+    </p:extLst>
+  </p:cSld>
+  <p:clrMapOvr>
+    <a:masterClrMapping/>
+  </p:clrMapOvr>
+</p:sld>
+</file>
+
+<file path=ppt/slides/slide51.xml><?xml version="1.0" encoding="utf-8"?>
+<p:sld xmlns:a="http://schemas.openxmlformats.org/drawingml/2006/main" xmlns:r="http://schemas.openxmlformats.org/officeDocument/2006/relationships" xmlns:p="http://schemas.openxmlformats.org/presentationml/2006/main">
+  <p:cSld>
+    <p:spTree>
+      <p:nvGrpSpPr>
+        <p:cNvPr id="1" name=""/>
+        <p:cNvGrpSpPr/>
+        <p:nvPr/>
+      </p:nvGrpSpPr>
+      <p:grpSpPr>
+        <a:xfrm>
+          <a:off x="0" y="0"/>
+          <a:ext cx="0" cy="0"/>
+          <a:chOff x="0" y="0"/>
+          <a:chExt cx="0" cy="0"/>
+        </a:xfrm>
+      </p:grpSpPr>
+      <p:sp>
+        <p:nvSpPr>
+          <p:cNvPr id="2" name="Title 1"/>
+          <p:cNvSpPr>
+            <a:spLocks noGrp="1"/>
+          </p:cNvSpPr>
+          <p:nvPr>
+            <p:ph type="title"/>
+          </p:nvPr>
+        </p:nvSpPr>
+        <p:spPr/>
+        <p:txBody>
+          <a:bodyPr/>
+          <a:lstStyle/>
+          <a:p>
+            <a:r>
               <a:rPr lang="en-US" dirty="0" smtClean="0"/>
               <a:t>payload</a:t>
             </a:r>
@@ -18513,7 +19890,7 @@
 </p:sld>
 </file>
 
-<file path=ppt/slides/slide51.xml><?xml version="1.0" encoding="utf-8"?>
+<file path=ppt/slides/slide52.xml><?xml version="1.0" encoding="utf-8"?>
 <p:sld xmlns:a="http://schemas.openxmlformats.org/drawingml/2006/main" xmlns:r="http://schemas.openxmlformats.org/officeDocument/2006/relationships" xmlns:p="http://schemas.openxmlformats.org/presentationml/2006/main">
   <p:cSld>
     <p:spTree>
